--- a/RMarkdown_ASRS.pptx
+++ b/RMarkdown_ASRS.pptx
@@ -23,6 +23,7 @@
     <p:sldId id="271" r:id="rId17"/>
     <p:sldId id="272" r:id="rId18"/>
     <p:sldId id="273" r:id="rId19"/>
+    <p:sldId id="274" r:id="rId20"/>
   </p:sldIdLst>
   <p:sldSz cx="9144000" cy="6858000" type="screen4x3"/>
   <p:notesSz cx="6858000" cy="9144000"/>
@@ -3924,7 +3925,7 @@
       </p:sp>
       <p:graphicFrame xmlns:a="http://schemas.openxmlformats.org/drawingml/2006/main" xmlns:r="http://schemas.openxmlformats.org/officeDocument/2006/relationships" xmlns:p="http://schemas.openxmlformats.org/presentationml/2006/main">
         <p:nvGraphicFramePr>
-          <p:cNvPr id="429515950" name=""/>
+          <p:cNvPr id="557554369" name=""/>
           <p:cNvGraphicFramePr>
             <a:graphicFrameLocks noGrp="true"/>
           </p:cNvGraphicFramePr>
@@ -5630,6 +5631,265 @@
             </a:pPr>
             <a:r>
               <a:rPr/>
+              <a:t>Debt</a:t>
+            </a:r>
+            <a:r>
+              <a:rPr/>
+              <a:t> </a:t>
+            </a:r>
+            <a:r>
+              <a:rPr/>
+              <a:t>Interest</a:t>
+            </a:r>
+            <a:r>
+              <a:rPr/>
+              <a:t> </a:t>
+            </a:r>
+            <a:r>
+              <a:rPr/>
+              <a:t>vs. Unfunded</a:t>
+            </a:r>
+            <a:r>
+              <a:rPr/>
+              <a:t> </a:t>
+            </a:r>
+            <a:r>
+              <a:rPr/>
+              <a:t>Liability</a:t>
+            </a:r>
+            <a:r>
+              <a:rPr/>
+              <a:t> </a:t>
+            </a:r>
+            <a:r>
+              <a:rPr/>
+              <a:t>Payments</a:t>
+            </a:r>
+            <a:r>
+              <a:rPr/>
+              <a:t> </a:t>
+            </a:r>
+            <a:r>
+              <a:rPr/>
+              <a:t>(2001-2021)</a:t>
+            </a:r>
+            <a:r>
+              <a:rPr/>
+              <a:t> </a:t>
+            </a:r>
+            <a:r>
+              <a:rPr/>
+              <a:t>w/</a:t>
+            </a:r>
+            <a:r>
+              <a:rPr/>
+              <a:t> </a:t>
+            </a:r>
+            <a:r>
+              <a:rPr/>
+              <a:t>R</a:t>
+            </a:r>
+            <a:r>
+              <a:rPr/>
+              <a:t> </a:t>
+            </a:r>
+            <a:r>
+              <a:rPr/>
+              <a:t>(w/</a:t>
+            </a:r>
+            <a:r>
+              <a:rPr/>
+              <a:t> </a:t>
+            </a:r>
+            <a:r>
+              <a:rPr/>
+              <a:t>barPlot())</a:t>
+            </a:r>
+          </a:p>
+        </p:txBody>
+      </p:sp>
+      <p:pic>
+        <p:nvPicPr>
+          <p:cNvPr descr="RMarkdown_ASRS_files/figure-pptx/net.amo-1.png" id="0" name="Picture 1"/>
+          <p:cNvPicPr>
+            <a:picLocks noGrp="1" noChangeAspect="1"/>
+          </p:cNvPicPr>
+          <p:nvPr/>
+        </p:nvPicPr>
+        <p:blipFill>
+          <a:blip r:embed="rId2"/>
+          <a:stretch>
+            <a:fillRect/>
+          </a:stretch>
+        </p:blipFill>
+        <p:spPr bwMode="auto">
+          <a:xfrm>
+            <a:off x="1079500" y="1600200"/>
+            <a:ext cx="6985000" cy="4368800"/>
+          </a:xfrm>
+          <a:prstGeom prst="rect">
+            <a:avLst/>
+          </a:prstGeom>
+          <a:noFill/>
+          <a:ln w="9525">
+            <a:noFill/>
+            <a:headEnd/>
+            <a:tailEnd/>
+          </a:ln>
+        </p:spPr>
+      </p:pic>
+      <p:sp>
+        <p:nvSpPr>
+          <p:cNvPr id="1" name="TextBox 3"/>
+          <p:cNvSpPr txBox="1"/>
+          <p:nvPr/>
+        </p:nvSpPr>
+        <p:spPr>
+          <a:xfrm>
+            <a:off x="457200" y="5969000"/>
+            <a:ext cx="8229600" cy="508000"/>
+          </a:xfrm>
+          <a:prstGeom prst="rect">
+            <a:avLst/>
+          </a:prstGeom>
+          <a:noFill/>
+        </p:spPr>
+        <p:txBody>
+          <a:bodyPr/>
+          <a:lstStyle/>
+          <a:p>
+            <a:pPr lvl="0" marL="0" indent="0" algn="ctr">
+              <a:buNone/>
+            </a:pPr>
+            <a:r>
+              <a:rPr/>
+              <a:t>Source:</a:t>
+            </a:r>
+            <a:r>
+              <a:rPr/>
+              <a:t> </a:t>
+            </a:r>
+            <a:r>
+              <a:rPr/>
+              <a:t>Pension</a:t>
+            </a:r>
+            <a:r>
+              <a:rPr/>
+              <a:t> </a:t>
+            </a:r>
+            <a:r>
+              <a:rPr/>
+              <a:t>Integrity</a:t>
+            </a:r>
+            <a:r>
+              <a:rPr/>
+              <a:t> </a:t>
+            </a:r>
+            <a:r>
+              <a:rPr/>
+              <a:t>Project</a:t>
+            </a:r>
+            <a:r>
+              <a:rPr/>
+              <a:t> </a:t>
+            </a:r>
+            <a:r>
+              <a:rPr/>
+              <a:t>analysis</a:t>
+            </a:r>
+            <a:r>
+              <a:rPr/>
+              <a:t> </a:t>
+            </a:r>
+            <a:r>
+              <a:rPr/>
+              <a:t>of</a:t>
+            </a:r>
+            <a:r>
+              <a:rPr/>
+              <a:t> </a:t>
+            </a:r>
+            <a:r>
+              <a:rPr/>
+              <a:t>SCRS</a:t>
+            </a:r>
+            <a:r>
+              <a:rPr/>
+              <a:t> </a:t>
+            </a:r>
+            <a:r>
+              <a:rPr/>
+              <a:t>actuarial</a:t>
+            </a:r>
+            <a:r>
+              <a:rPr/>
+              <a:t> </a:t>
+            </a:r>
+            <a:r>
+              <a:rPr/>
+              <a:t>valuation</a:t>
+            </a:r>
+            <a:r>
+              <a:rPr/>
+              <a:t> </a:t>
+            </a:r>
+            <a:r>
+              <a:rPr/>
+              <a:t>reports.</a:t>
+            </a:r>
+          </a:p>
+        </p:txBody>
+      </p:sp>
+    </p:spTree>
+  </p:cSld>
+</p:sld>
+</file>
+
+<file path=ppt/slides/slide15.xml><?xml version="1.0" encoding="utf-8"?>
+<p:sld xmlns:a="http://schemas.openxmlformats.org/drawingml/2006/main" xmlns:r="http://schemas.openxmlformats.org/officeDocument/2006/relationships" xmlns:p="http://schemas.openxmlformats.org/presentationml/2006/main">
+  <p:cSld>
+    <p:spTree>
+      <p:nvGrpSpPr>
+        <p:cNvPr id="1" name=""/>
+        <p:cNvGrpSpPr/>
+        <p:nvPr/>
+      </p:nvGrpSpPr>
+      <p:grpSpPr>
+        <a:xfrm>
+          <a:off x="0" y="0"/>
+          <a:ext cx="0" cy="0"/>
+          <a:chOff x="0" y="0"/>
+          <a:chExt cx="0" cy="0"/>
+        </a:xfrm>
+      </p:grpSpPr>
+      <p:sp>
+        <p:nvSpPr>
+          <p:cNvPr id="2" name="Title 1"/>
+          <p:cNvSpPr>
+            <a:spLocks noGrp="1"/>
+          </p:cNvSpPr>
+          <p:nvPr>
+            <p:ph type="title" hasCustomPrompt="1"/>
+          </p:nvPr>
+        </p:nvSpPr>
+        <p:spPr>
+          <a:xfrm>
+            <a:off x="457200" y="533400"/>
+            <a:ext cx="7864475" cy="990600"/>
+          </a:xfrm>
+          <a:prstGeom prst="rect">
+            <a:avLst/>
+          </a:prstGeom>
+        </p:spPr>
+        <p:txBody>
+          <a:bodyPr/>
+          <a:lstStyle/>
+          <a:p>
+            <a:pPr lvl="0" marL="0" indent="0">
+              <a:buNone/>
+            </a:pPr>
+            <a:r>
+              <a:rPr/>
               <a:t>Change</a:t>
             </a:r>
             <a:r>
@@ -5844,7 +6104,7 @@
 </p:sld>
 </file>
 
-<file path=ppt/slides/slide15.xml><?xml version="1.0" encoding="utf-8"?>
+<file path=ppt/slides/slide16.xml><?xml version="1.0" encoding="utf-8"?>
 <p:sld xmlns:a="http://schemas.openxmlformats.org/drawingml/2006/main" xmlns:r="http://schemas.openxmlformats.org/officeDocument/2006/relationships" xmlns:p="http://schemas.openxmlformats.org/presentationml/2006/main">
   <p:cSld>
     <p:spTree>
@@ -5990,7 +6250,7 @@
 </p:sld>
 </file>
 
-<file path=ppt/slides/slide16.xml><?xml version="1.0" encoding="utf-8"?>
+<file path=ppt/slides/slide17.xml><?xml version="1.0" encoding="utf-8"?>
 <p:sld xmlns:a="http://schemas.openxmlformats.org/drawingml/2006/main" xmlns:r="http://schemas.openxmlformats.org/officeDocument/2006/relationships" xmlns:p="http://schemas.openxmlformats.org/presentationml/2006/main">
   <p:cSld>
     <p:spTree>
@@ -6144,7 +6404,7 @@
 </p:sld>
 </file>
 
-<file path=ppt/slides/slide17.xml><?xml version="1.0" encoding="utf-8"?>
+<file path=ppt/slides/slide18.xml><?xml version="1.0" encoding="utf-8"?>
 <p:sld xmlns:a="http://schemas.openxmlformats.org/drawingml/2006/main" xmlns:r="http://schemas.openxmlformats.org/officeDocument/2006/relationships" xmlns:p="http://schemas.openxmlformats.org/presentationml/2006/main">
   <p:cSld>
     <p:spTree>
@@ -6265,11 +6525,11 @@
                 <a:latin typeface="Courier"/>
               </a:rPr>
               <a:t>## Response [https://raw.githubusercontent.com/ReasonFoundation/databaseR/master/files/CPI_by_Region_DOL.xlsx]
-##   Date: 2022-01-14 18:55
+##   Date: 2022-01-16 15:30
 ##   Status: 200
 ##   Content-Type: application/octet-stream
 ##   Size: 13.8 kB
-## &lt;ON DISK&gt;  /var/folders/0z/p5zgjmbn6531bgclzwc383500000gn/T//RtmpmjnJI8/file10f072642b498.xlsx</a:t>
+## &lt;ON DISK&gt;  /var/folders/0z/p5zgjmbn6531bgclzwc383500000gn/T//RtmppjLAqS/file62a13a320b4.xlsx</a:t>
             </a:r>
           </a:p>
         </p:txBody>
@@ -6279,7 +6539,7 @@
 </p:sld>
 </file>
 
-<file path=ppt/slides/slide18.xml><?xml version="1.0" encoding="utf-8"?>
+<file path=ppt/slides/slide19.xml><?xml version="1.0" encoding="utf-8"?>
 <p:sld xmlns:a="http://schemas.openxmlformats.org/drawingml/2006/main" xmlns:r="http://schemas.openxmlformats.org/officeDocument/2006/relationships" xmlns:p="http://schemas.openxmlformats.org/presentationml/2006/main">
   <p:cSld>
     <p:spTree>
@@ -7787,7 +8047,7 @@
       </p:sp>
       <p:graphicFrame xmlns:a="http://schemas.openxmlformats.org/drawingml/2006/main" xmlns:r="http://schemas.openxmlformats.org/officeDocument/2006/relationships" xmlns:p="http://schemas.openxmlformats.org/presentationml/2006/main">
         <p:nvGraphicFramePr>
-          <p:cNvPr id="47368759" name=""/>
+          <p:cNvPr id="51307118" name=""/>
           <p:cNvGraphicFramePr>
             <a:graphicFrameLocks noGrp="true"/>
           </p:cNvGraphicFramePr>

--- a/RMarkdown_ASRS.pptx
+++ b/RMarkdown_ASRS.pptx
@@ -24,6 +24,7 @@
     <p:sldId id="272" r:id="rId18"/>
     <p:sldId id="273" r:id="rId19"/>
     <p:sldId id="274" r:id="rId20"/>
+    <p:sldId id="275" r:id="rId21"/>
   </p:sldIdLst>
   <p:sldSz cx="9144000" cy="6858000" type="screen4x3"/>
   <p:notesSz cx="6858000" cy="9144000"/>
@@ -3925,7 +3926,7 @@
       </p:sp>
       <p:graphicFrame xmlns:a="http://schemas.openxmlformats.org/drawingml/2006/main" xmlns:r="http://schemas.openxmlformats.org/officeDocument/2006/relationships" xmlns:p="http://schemas.openxmlformats.org/presentationml/2006/main">
         <p:nvGraphicFramePr>
-          <p:cNvPr id="557554369" name=""/>
+          <p:cNvPr id="164428508" name=""/>
           <p:cNvGraphicFramePr>
             <a:graphicFrameLocks noGrp="true"/>
           </p:cNvGraphicFramePr>
@@ -5631,6 +5632,241 @@
             </a:pPr>
             <a:r>
               <a:rPr/>
+              <a:t>ADEC</a:t>
+            </a:r>
+            <a:r>
+              <a:rPr/>
+              <a:t> </a:t>
+            </a:r>
+            <a:r>
+              <a:rPr/>
+              <a:t>Contribution</a:t>
+            </a:r>
+            <a:r>
+              <a:rPr/>
+              <a:t> </a:t>
+            </a:r>
+            <a:r>
+              <a:rPr/>
+              <a:t>History</a:t>
+            </a:r>
+            <a:r>
+              <a:rPr/>
+              <a:t> </a:t>
+            </a:r>
+            <a:r>
+              <a:rPr/>
+              <a:t>(2001-2021)</a:t>
+            </a:r>
+            <a:r>
+              <a:rPr/>
+              <a:t> </a:t>
+            </a:r>
+            <a:r>
+              <a:rPr/>
+              <a:t>w/</a:t>
+            </a:r>
+            <a:r>
+              <a:rPr/>
+              <a:t> </a:t>
+            </a:r>
+            <a:r>
+              <a:rPr/>
+              <a:t>R</a:t>
+            </a:r>
+            <a:r>
+              <a:rPr/>
+              <a:t> </a:t>
+            </a:r>
+            <a:r>
+              <a:rPr/>
+              <a:t>(barPlot())</a:t>
+            </a:r>
+          </a:p>
+        </p:txBody>
+      </p:sp>
+      <p:pic>
+        <p:nvPicPr>
+          <p:cNvPr descr="RMarkdown_ASRS_files/figure-pptx/contributions-1.png" id="0" name="Picture 1"/>
+          <p:cNvPicPr>
+            <a:picLocks noGrp="1" noChangeAspect="1"/>
+          </p:cNvPicPr>
+          <p:nvPr/>
+        </p:nvPicPr>
+        <p:blipFill>
+          <a:blip r:embed="rId2"/>
+          <a:stretch>
+            <a:fillRect/>
+          </a:stretch>
+        </p:blipFill>
+        <p:spPr bwMode="auto">
+          <a:xfrm>
+            <a:off x="1079500" y="1600200"/>
+            <a:ext cx="6985000" cy="4368800"/>
+          </a:xfrm>
+          <a:prstGeom prst="rect">
+            <a:avLst/>
+          </a:prstGeom>
+          <a:noFill/>
+          <a:ln w="9525">
+            <a:noFill/>
+            <a:headEnd/>
+            <a:tailEnd/>
+          </a:ln>
+        </p:spPr>
+      </p:pic>
+      <p:sp>
+        <p:nvSpPr>
+          <p:cNvPr id="1" name="TextBox 3"/>
+          <p:cNvSpPr txBox="1"/>
+          <p:nvPr/>
+        </p:nvSpPr>
+        <p:spPr>
+          <a:xfrm>
+            <a:off x="457200" y="5969000"/>
+            <a:ext cx="8229600" cy="508000"/>
+          </a:xfrm>
+          <a:prstGeom prst="rect">
+            <a:avLst/>
+          </a:prstGeom>
+          <a:noFill/>
+        </p:spPr>
+        <p:txBody>
+          <a:bodyPr/>
+          <a:lstStyle/>
+          <a:p>
+            <a:pPr lvl="0" marL="0" indent="0" algn="ctr">
+              <a:buNone/>
+            </a:pPr>
+            <a:r>
+              <a:rPr/>
+              <a:t>Source:</a:t>
+            </a:r>
+            <a:r>
+              <a:rPr/>
+              <a:t> </a:t>
+            </a:r>
+            <a:r>
+              <a:rPr/>
+              <a:t>Pension</a:t>
+            </a:r>
+            <a:r>
+              <a:rPr/>
+              <a:t> </a:t>
+            </a:r>
+            <a:r>
+              <a:rPr/>
+              <a:t>Integrity</a:t>
+            </a:r>
+            <a:r>
+              <a:rPr/>
+              <a:t> </a:t>
+            </a:r>
+            <a:r>
+              <a:rPr/>
+              <a:t>Project</a:t>
+            </a:r>
+            <a:r>
+              <a:rPr/>
+              <a:t> </a:t>
+            </a:r>
+            <a:r>
+              <a:rPr/>
+              <a:t>analysis</a:t>
+            </a:r>
+            <a:r>
+              <a:rPr/>
+              <a:t> </a:t>
+            </a:r>
+            <a:r>
+              <a:rPr/>
+              <a:t>of</a:t>
+            </a:r>
+            <a:r>
+              <a:rPr/>
+              <a:t> </a:t>
+            </a:r>
+            <a:r>
+              <a:rPr/>
+              <a:t>SCRS</a:t>
+            </a:r>
+            <a:r>
+              <a:rPr/>
+              <a:t> </a:t>
+            </a:r>
+            <a:r>
+              <a:rPr/>
+              <a:t>actuarial</a:t>
+            </a:r>
+            <a:r>
+              <a:rPr/>
+              <a:t> </a:t>
+            </a:r>
+            <a:r>
+              <a:rPr/>
+              <a:t>valuation</a:t>
+            </a:r>
+            <a:r>
+              <a:rPr/>
+              <a:t> </a:t>
+            </a:r>
+            <a:r>
+              <a:rPr/>
+              <a:t>reports.</a:t>
+            </a:r>
+          </a:p>
+        </p:txBody>
+      </p:sp>
+    </p:spTree>
+  </p:cSld>
+</p:sld>
+</file>
+
+<file path=ppt/slides/slide15.xml><?xml version="1.0" encoding="utf-8"?>
+<p:sld xmlns:a="http://schemas.openxmlformats.org/drawingml/2006/main" xmlns:r="http://schemas.openxmlformats.org/officeDocument/2006/relationships" xmlns:p="http://schemas.openxmlformats.org/presentationml/2006/main">
+  <p:cSld>
+    <p:spTree>
+      <p:nvGrpSpPr>
+        <p:cNvPr id="1" name=""/>
+        <p:cNvGrpSpPr/>
+        <p:nvPr/>
+      </p:nvGrpSpPr>
+      <p:grpSpPr>
+        <a:xfrm>
+          <a:off x="0" y="0"/>
+          <a:ext cx="0" cy="0"/>
+          <a:chOff x="0" y="0"/>
+          <a:chExt cx="0" cy="0"/>
+        </a:xfrm>
+      </p:grpSpPr>
+      <p:sp>
+        <p:nvSpPr>
+          <p:cNvPr id="2" name="Title 1"/>
+          <p:cNvSpPr>
+            <a:spLocks noGrp="1"/>
+          </p:cNvSpPr>
+          <p:nvPr>
+            <p:ph type="title" hasCustomPrompt="1"/>
+          </p:nvPr>
+        </p:nvSpPr>
+        <p:spPr>
+          <a:xfrm>
+            <a:off x="457200" y="533400"/>
+            <a:ext cx="7864475" cy="990600"/>
+          </a:xfrm>
+          <a:prstGeom prst="rect">
+            <a:avLst/>
+          </a:prstGeom>
+        </p:spPr>
+        <p:txBody>
+          <a:bodyPr/>
+          <a:lstStyle/>
+          <a:p>
+            <a:pPr lvl="0" marL="0" indent="0">
+              <a:buNone/>
+            </a:pPr>
+            <a:r>
+              <a:rPr/>
               <a:t>Debt</a:t>
             </a:r>
             <a:r>
@@ -5845,7 +6081,7 @@
 </p:sld>
 </file>
 
-<file path=ppt/slides/slide15.xml><?xml version="1.0" encoding="utf-8"?>
+<file path=ppt/slides/slide16.xml><?xml version="1.0" encoding="utf-8"?>
 <p:sld xmlns:a="http://schemas.openxmlformats.org/drawingml/2006/main" xmlns:r="http://schemas.openxmlformats.org/officeDocument/2006/relationships" xmlns:p="http://schemas.openxmlformats.org/presentationml/2006/main">
   <p:cSld>
     <p:spTree>
@@ -6104,7 +6340,7 @@
 </p:sld>
 </file>
 
-<file path=ppt/slides/slide16.xml><?xml version="1.0" encoding="utf-8"?>
+<file path=ppt/slides/slide17.xml><?xml version="1.0" encoding="utf-8"?>
 <p:sld xmlns:a="http://schemas.openxmlformats.org/drawingml/2006/main" xmlns:r="http://schemas.openxmlformats.org/officeDocument/2006/relationships" xmlns:p="http://schemas.openxmlformats.org/presentationml/2006/main">
   <p:cSld>
     <p:spTree>
@@ -6250,7 +6486,7 @@
 </p:sld>
 </file>
 
-<file path=ppt/slides/slide17.xml><?xml version="1.0" encoding="utf-8"?>
+<file path=ppt/slides/slide18.xml><?xml version="1.0" encoding="utf-8"?>
 <p:sld xmlns:a="http://schemas.openxmlformats.org/drawingml/2006/main" xmlns:r="http://schemas.openxmlformats.org/officeDocument/2006/relationships" xmlns:p="http://schemas.openxmlformats.org/presentationml/2006/main">
   <p:cSld>
     <p:spTree>
@@ -6404,7 +6640,7 @@
 </p:sld>
 </file>
 
-<file path=ppt/slides/slide18.xml><?xml version="1.0" encoding="utf-8"?>
+<file path=ppt/slides/slide19.xml><?xml version="1.0" encoding="utf-8"?>
 <p:sld xmlns:a="http://schemas.openxmlformats.org/drawingml/2006/main" xmlns:r="http://schemas.openxmlformats.org/officeDocument/2006/relationships" xmlns:p="http://schemas.openxmlformats.org/presentationml/2006/main">
   <p:cSld>
     <p:spTree>
@@ -6525,11 +6761,11 @@
                 <a:latin typeface="Courier"/>
               </a:rPr>
               <a:t>## Response [https://raw.githubusercontent.com/ReasonFoundation/databaseR/master/files/CPI_by_Region_DOL.xlsx]
-##   Date: 2022-01-16 15:30
+##   Date: 2022-01-21 15:07
 ##   Status: 200
 ##   Content-Type: application/octet-stream
 ##   Size: 13.8 kB
-## &lt;ON DISK&gt;  /var/folders/0z/p5zgjmbn6531bgclzwc383500000gn/T//RtmppjLAqS/file62a13a320b4.xlsx</a:t>
+## &lt;ON DISK&gt;  /var/folders/0z/p5zgjmbn6531bgclzwc383500000gn/T//Rtmp6y01l6/file84cc75a37d.xlsx</a:t>
             </a:r>
           </a:p>
         </p:txBody>
@@ -6539,7 +6775,168 @@
 </p:sld>
 </file>
 
-<file path=ppt/slides/slide19.xml><?xml version="1.0" encoding="utf-8"?>
+<file path=ppt/slides/slide2.xml><?xml version="1.0" encoding="utf-8"?>
+<p:sld xmlns:a="http://schemas.openxmlformats.org/drawingml/2006/main" xmlns:r="http://schemas.openxmlformats.org/officeDocument/2006/relationships" xmlns:p="http://schemas.openxmlformats.org/presentationml/2006/main">
+  <p:cSld>
+    <p:spTree>
+      <p:nvGrpSpPr>
+        <p:cNvPr id="1" name=""/>
+        <p:cNvGrpSpPr/>
+        <p:nvPr/>
+      </p:nvGrpSpPr>
+      <p:grpSpPr>
+        <a:xfrm>
+          <a:off x="0" y="0"/>
+          <a:ext cx="0" cy="0"/>
+          <a:chOff x="0" y="0"/>
+          <a:chExt cx="0" cy="0"/>
+        </a:xfrm>
+      </p:grpSpPr>
+      <p:sp>
+        <p:nvSpPr>
+          <p:cNvPr id="2" name="Title 1"/>
+          <p:cNvSpPr>
+            <a:spLocks noGrp="1"/>
+          </p:cNvSpPr>
+          <p:nvPr>
+            <p:ph type="title" hasCustomPrompt="1"/>
+          </p:nvPr>
+        </p:nvSpPr>
+        <p:spPr>
+          <a:xfrm>
+            <a:off x="457200" y="533400"/>
+            <a:ext cx="7864475" cy="990600"/>
+          </a:xfrm>
+          <a:prstGeom prst="rect">
+            <a:avLst/>
+          </a:prstGeom>
+        </p:spPr>
+        <p:txBody>
+          <a:bodyPr/>
+          <a:lstStyle/>
+          <a:p>
+            <a:pPr lvl="0" marL="0" indent="0">
+              <a:buNone/>
+            </a:pPr>
+            <a:r>
+              <a:rPr/>
+              <a:t>About</a:t>
+            </a:r>
+            <a:r>
+              <a:rPr/>
+              <a:t> </a:t>
+            </a:r>
+            <a:r>
+              <a:rPr/>
+              <a:t>the</a:t>
+            </a:r>
+            <a:r>
+              <a:rPr/>
+              <a:t> </a:t>
+            </a:r>
+            <a:r>
+              <a:rPr/>
+              <a:t>Pension</a:t>
+            </a:r>
+            <a:r>
+              <a:rPr/>
+              <a:t> </a:t>
+            </a:r>
+            <a:r>
+              <a:rPr/>
+              <a:t>Integrity</a:t>
+            </a:r>
+            <a:r>
+              <a:rPr/>
+              <a:t> </a:t>
+            </a:r>
+            <a:r>
+              <a:rPr/>
+              <a:t>Project</a:t>
+            </a:r>
+          </a:p>
+        </p:txBody>
+      </p:sp>
+      <p:sp>
+        <p:nvSpPr>
+          <p:cNvPr id="3" name="Content Placeholder 2"/>
+          <p:cNvSpPr>
+            <a:spLocks noGrp="1"/>
+          </p:cNvSpPr>
+          <p:nvPr>
+            <p:ph idx="1"/>
+          </p:nvPr>
+        </p:nvSpPr>
+        <p:spPr/>
+        <p:txBody>
+          <a:bodyPr/>
+          <a:lstStyle/>
+          <a:p>
+            <a:pPr lvl="0" marL="0" indent="0">
+              <a:buNone/>
+            </a:pPr>
+            <a:r>
+              <a:rPr/>
+              <a:t>We offer pro-bono technical assistance to public officials to help them design and implement pension reforms that improve plan solvency and promote retirement security, including:</a:t>
+            </a:r>
+          </a:p>
+          <a:p>
+            <a:pPr lvl="1"/>
+            <a:r>
+              <a:rPr/>
+              <a:t>Customized analysis of pension system design, trends</a:t>
+            </a:r>
+          </a:p>
+          <a:p>
+            <a:pPr lvl="1"/>
+            <a:r>
+              <a:rPr/>
+              <a:t>Independent actuarial modeling of reform scenarios</a:t>
+            </a:r>
+          </a:p>
+          <a:p>
+            <a:pPr lvl="1"/>
+            <a:r>
+              <a:rPr/>
+              <a:t>Consultation and modeling around custom policy designs</a:t>
+            </a:r>
+          </a:p>
+          <a:p>
+            <a:pPr lvl="1"/>
+            <a:r>
+              <a:rPr/>
+              <a:t>Latest pension reform research and case studies</a:t>
+            </a:r>
+          </a:p>
+          <a:p>
+            <a:pPr lvl="1"/>
+            <a:r>
+              <a:rPr/>
+              <a:t>Peer-to-peer mentoring from state and local officials who have successfully enacted pension reforms</a:t>
+            </a:r>
+          </a:p>
+          <a:p>
+            <a:pPr lvl="1"/>
+            <a:r>
+              <a:rPr/>
+              <a:t>Assistance with stakeholder outreach, engagement and relationship management</a:t>
+            </a:r>
+          </a:p>
+          <a:p>
+            <a:pPr lvl="1"/>
+            <a:r>
+              <a:rPr/>
+              <a:t>Design and execution of public education programs and media campaigns</a:t>
+            </a:r>
+          </a:p>
+        </p:txBody>
+      </p:sp>
+    </p:spTree>
+  </p:cSld>
+</p:sld>
+</file>
+
+<file path=ppt/slides/slide20.xml><?xml version="1.0" encoding="utf-8"?>
 <p:sld xmlns:a="http://schemas.openxmlformats.org/drawingml/2006/main" xmlns:r="http://schemas.openxmlformats.org/officeDocument/2006/relationships" xmlns:p="http://schemas.openxmlformats.org/presentationml/2006/main">
   <p:cSld>
     <p:spTree>
@@ -6684,167 +7081,6 @@
             <a:r>
               <a:rPr/>
               <a:t>reports.</a:t>
-            </a:r>
-          </a:p>
-        </p:txBody>
-      </p:sp>
-    </p:spTree>
-  </p:cSld>
-</p:sld>
-</file>
-
-<file path=ppt/slides/slide2.xml><?xml version="1.0" encoding="utf-8"?>
-<p:sld xmlns:a="http://schemas.openxmlformats.org/drawingml/2006/main" xmlns:r="http://schemas.openxmlformats.org/officeDocument/2006/relationships" xmlns:p="http://schemas.openxmlformats.org/presentationml/2006/main">
-  <p:cSld>
-    <p:spTree>
-      <p:nvGrpSpPr>
-        <p:cNvPr id="1" name=""/>
-        <p:cNvGrpSpPr/>
-        <p:nvPr/>
-      </p:nvGrpSpPr>
-      <p:grpSpPr>
-        <a:xfrm>
-          <a:off x="0" y="0"/>
-          <a:ext cx="0" cy="0"/>
-          <a:chOff x="0" y="0"/>
-          <a:chExt cx="0" cy="0"/>
-        </a:xfrm>
-      </p:grpSpPr>
-      <p:sp>
-        <p:nvSpPr>
-          <p:cNvPr id="2" name="Title 1"/>
-          <p:cNvSpPr>
-            <a:spLocks noGrp="1"/>
-          </p:cNvSpPr>
-          <p:nvPr>
-            <p:ph type="title" hasCustomPrompt="1"/>
-          </p:nvPr>
-        </p:nvSpPr>
-        <p:spPr>
-          <a:xfrm>
-            <a:off x="457200" y="533400"/>
-            <a:ext cx="7864475" cy="990600"/>
-          </a:xfrm>
-          <a:prstGeom prst="rect">
-            <a:avLst/>
-          </a:prstGeom>
-        </p:spPr>
-        <p:txBody>
-          <a:bodyPr/>
-          <a:lstStyle/>
-          <a:p>
-            <a:pPr lvl="0" marL="0" indent="0">
-              <a:buNone/>
-            </a:pPr>
-            <a:r>
-              <a:rPr/>
-              <a:t>About</a:t>
-            </a:r>
-            <a:r>
-              <a:rPr/>
-              <a:t> </a:t>
-            </a:r>
-            <a:r>
-              <a:rPr/>
-              <a:t>the</a:t>
-            </a:r>
-            <a:r>
-              <a:rPr/>
-              <a:t> </a:t>
-            </a:r>
-            <a:r>
-              <a:rPr/>
-              <a:t>Pension</a:t>
-            </a:r>
-            <a:r>
-              <a:rPr/>
-              <a:t> </a:t>
-            </a:r>
-            <a:r>
-              <a:rPr/>
-              <a:t>Integrity</a:t>
-            </a:r>
-            <a:r>
-              <a:rPr/>
-              <a:t> </a:t>
-            </a:r>
-            <a:r>
-              <a:rPr/>
-              <a:t>Project</a:t>
-            </a:r>
-          </a:p>
-        </p:txBody>
-      </p:sp>
-      <p:sp>
-        <p:nvSpPr>
-          <p:cNvPr id="3" name="Content Placeholder 2"/>
-          <p:cNvSpPr>
-            <a:spLocks noGrp="1"/>
-          </p:cNvSpPr>
-          <p:nvPr>
-            <p:ph idx="1"/>
-          </p:nvPr>
-        </p:nvSpPr>
-        <p:spPr/>
-        <p:txBody>
-          <a:bodyPr/>
-          <a:lstStyle/>
-          <a:p>
-            <a:pPr lvl="0" marL="0" indent="0">
-              <a:buNone/>
-            </a:pPr>
-            <a:r>
-              <a:rPr/>
-              <a:t>We offer pro-bono technical assistance to public officials to help them design and implement pension reforms that improve plan solvency and promote retirement security, including:</a:t>
-            </a:r>
-          </a:p>
-          <a:p>
-            <a:pPr lvl="1"/>
-            <a:r>
-              <a:rPr/>
-              <a:t>Customized analysis of pension system design, trends</a:t>
-            </a:r>
-          </a:p>
-          <a:p>
-            <a:pPr lvl="1"/>
-            <a:r>
-              <a:rPr/>
-              <a:t>Independent actuarial modeling of reform scenarios</a:t>
-            </a:r>
-          </a:p>
-          <a:p>
-            <a:pPr lvl="1"/>
-            <a:r>
-              <a:rPr/>
-              <a:t>Consultation and modeling around custom policy designs</a:t>
-            </a:r>
-          </a:p>
-          <a:p>
-            <a:pPr lvl="1"/>
-            <a:r>
-              <a:rPr/>
-              <a:t>Latest pension reform research and case studies</a:t>
-            </a:r>
-          </a:p>
-          <a:p>
-            <a:pPr lvl="1"/>
-            <a:r>
-              <a:rPr/>
-              <a:t>Peer-to-peer mentoring from state and local officials who have successfully enacted pension reforms</a:t>
-            </a:r>
-          </a:p>
-          <a:p>
-            <a:pPr lvl="1"/>
-            <a:r>
-              <a:rPr/>
-              <a:t>Assistance with stakeholder outreach, engagement and relationship management</a:t>
-            </a:r>
-          </a:p>
-          <a:p>
-            <a:pPr lvl="1"/>
-            <a:r>
-              <a:rPr/>
-              <a:t>Design and execution of public education programs and media campaigns</a:t>
             </a:r>
           </a:p>
         </p:txBody>
@@ -8047,7 +8283,7 @@
       </p:sp>
       <p:graphicFrame xmlns:a="http://schemas.openxmlformats.org/drawingml/2006/main" xmlns:r="http://schemas.openxmlformats.org/officeDocument/2006/relationships" xmlns:p="http://schemas.openxmlformats.org/presentationml/2006/main">
         <p:nvGraphicFramePr>
-          <p:cNvPr id="51307118" name=""/>
+          <p:cNvPr id="37019561" name=""/>
           <p:cNvGraphicFramePr>
             <a:graphicFrameLocks noGrp="true"/>
           </p:cNvGraphicFramePr>

--- a/RMarkdown_ASRS.pptx
+++ b/RMarkdown_ASRS.pptx
@@ -25,6 +25,9 @@
     <p:sldId id="273" r:id="rId19"/>
     <p:sldId id="274" r:id="rId20"/>
     <p:sldId id="275" r:id="rId21"/>
+    <p:sldId id="276" r:id="rId22"/>
+    <p:sldId id="277" r:id="rId23"/>
+    <p:sldId id="278" r:id="rId24"/>
   </p:sldIdLst>
   <p:sldSz cx="9144000" cy="6858000" type="screen4x3"/>
   <p:notesSz cx="6858000" cy="9144000"/>
@@ -3879,23 +3882,39 @@
             </a:pPr>
             <a:r>
               <a:rPr/>
-              <a:t>Investment</a:t>
-            </a:r>
-            <a:r>
-              <a:rPr/>
-              <a:t> </a:t>
-            </a:r>
-            <a:r>
-              <a:rPr/>
-              <a:t>Returns</a:t>
-            </a:r>
-            <a:r>
-              <a:rPr/>
-              <a:t> </a:t>
-            </a:r>
-            <a:r>
-              <a:rPr/>
-              <a:t>vs. Assumptions</a:t>
+              <a:t>Make</a:t>
+            </a:r>
+            <a:r>
+              <a:rPr/>
+              <a:t> </a:t>
+            </a:r>
+            <a:r>
+              <a:rPr/>
+              <a:t>up</a:t>
+            </a:r>
+            <a:r>
+              <a:rPr/>
+              <a:t> </a:t>
+            </a:r>
+            <a:r>
+              <a:rPr/>
+              <a:t>of</a:t>
+            </a:r>
+            <a:r>
+              <a:rPr/>
+              <a:t> </a:t>
+            </a:r>
+            <a:r>
+              <a:rPr/>
+              <a:t>Pension</a:t>
+            </a:r>
+            <a:r>
+              <a:rPr/>
+              <a:t> </a:t>
+            </a:r>
+            <a:r>
+              <a:rPr/>
+              <a:t>Contributions</a:t>
             </a:r>
             <a:r>
               <a:rPr/>
@@ -3919,14 +3938,2073 @@
             </a:r>
             <a:r>
               <a:rPr/>
-              <a:t>(flextable)</a:t>
+              <a:t>(flextable())</a:t>
             </a:r>
           </a:p>
         </p:txBody>
       </p:sp>
       <p:graphicFrame xmlns:a="http://schemas.openxmlformats.org/drawingml/2006/main" xmlns:r="http://schemas.openxmlformats.org/officeDocument/2006/relationships" xmlns:p="http://schemas.openxmlformats.org/presentationml/2006/main">
         <p:nvGraphicFramePr>
-          <p:cNvPr id="164428508" name=""/>
+          <p:cNvPr id="356748255" name=""/>
+          <p:cNvGraphicFramePr>
+            <a:graphicFrameLocks noGrp="true"/>
+          </p:cNvGraphicFramePr>
+          <p:nvPr/>
+        </p:nvGraphicFramePr>
+        <p:xfrm rot="0">
+          <a:off x="914400" y="1828800"/>
+          <a:ext cx="9144000" cy="5486400"/>
+        </p:xfrm>
+        <a:graphic>
+          <a:graphicData uri="http://schemas.openxmlformats.org/drawingml/2006/table">
+            <a:tbl>
+              <a:tblPr/>
+              <a:tblGrid>
+                <a:gridCol w="2011680"/>
+                <a:gridCol w="2011680"/>
+                <a:gridCol w="2011680"/>
+              </a:tblGrid>
+              <a:tr h="366503">
+                <a:tc gridSpan="3">
+                  <a:txBody>
+                    <a:bodyPr/>
+                    <a:lstStyle/>
+                    <a:p>
+                      <a:pPr algn="ctr" marL="63500" marR="63500">
+                        <a:lnSpc>
+                          <a:spcPct val="100000"/>
+                        </a:lnSpc>
+                        <a:spcBef>
+                          <a:spcPts val="500"/>
+                        </a:spcBef>
+                        <a:spcAft>
+                          <a:spcPts val="500"/>
+                        </a:spcAft>
+                        <a:buNone/>
+                      </a:pPr>
+                      <a:r>
+                        <a:rPr sz="1800" b="1">
+                          <a:solidFill>
+                            <a:srgbClr val="FFFFFF">
+                              <a:alpha val="100000"/>
+                            </a:srgbClr>
+                          </a:solidFill>
+                          <a:latin typeface="Arial"/>
+                          <a:cs typeface="Arial"/>
+                          <a:ea typeface="Arial"/>
+                          <a:sym typeface="Arial"/>
+                        </a:rPr>
+                        <a:t>FY2023 Contributions</a:t>
+                      </a:r>
+                    </a:p>
+                  </a:txBody>
+                  <a:tcPr anchor="ctr" marB="0" marT="0" marR="0" marL="0">
+                    <a:lnL w="12700" cmpd="sng" algn="ctr" cap="flat">
+                      <a:solidFill>
+                        <a:srgbClr val="FFFFFF">
+                          <a:alpha val="100000"/>
+                        </a:srgbClr>
+                      </a:solidFill>
+                      <a:prstDash val="solid"/>
+                    </a:lnL>
+                    <a:lnR w="12700" cmpd="sng" algn="ctr" cap="flat">
+                      <a:solidFill>
+                        <a:srgbClr val="FFFFFF">
+                          <a:alpha val="100000"/>
+                        </a:srgbClr>
+                      </a:solidFill>
+                      <a:prstDash val="solid"/>
+                    </a:lnR>
+                    <a:lnT w="12700" cmpd="sng" algn="ctr" cap="flat">
+                      <a:solidFill>
+                        <a:srgbClr val="FFFFFF">
+                          <a:alpha val="100000"/>
+                        </a:srgbClr>
+                      </a:solidFill>
+                      <a:prstDash val="solid"/>
+                    </a:lnT>
+                    <a:lnB w="12700" cmpd="sng" algn="ctr" cap="flat">
+                      <a:solidFill>
+                        <a:srgbClr val="FFFFFF">
+                          <a:alpha val="100000"/>
+                        </a:srgbClr>
+                      </a:solidFill>
+                      <a:prstDash val="solid"/>
+                    </a:lnB>
+                    <a:solidFill>
+                      <a:srgbClr val="101010">
+                        <a:alpha val="100000"/>
+                      </a:srgbClr>
+                    </a:solidFill>
+                  </a:tcPr>
+                </a:tc>
+                <a:tc hMerge="true">
+                  <a:txBody>
+                    <a:bodyPr/>
+                    <a:lstStyle/>
+                    <a:p>
+                      <a:pPr algn="ctr" marL="63500" marR="63500">
+                        <a:lnSpc>
+                          <a:spcPct val="100000"/>
+                        </a:lnSpc>
+                        <a:spcBef>
+                          <a:spcPts val="500"/>
+                        </a:spcBef>
+                        <a:spcAft>
+                          <a:spcPts val="500"/>
+                        </a:spcAft>
+                        <a:buNone/>
+                      </a:pPr>
+                      <a:r>
+                        <a:rPr sz="1800" b="1">
+                          <a:solidFill>
+                            <a:srgbClr val="FFFFFF">
+                              <a:alpha val="100000"/>
+                            </a:srgbClr>
+                          </a:solidFill>
+                          <a:latin typeface="Arial"/>
+                          <a:cs typeface="Arial"/>
+                          <a:ea typeface="Arial"/>
+                          <a:sym typeface="Arial"/>
+                        </a:rPr>
+                        <a:t>FY2023 Contributions</a:t>
+                      </a:r>
+                    </a:p>
+                  </a:txBody>
+                  <a:tcPr anchor="ctr" marB="0" marT="0" marR="0" marL="0">
+                    <a:lnL w="12700" cmpd="sng" algn="ctr" cap="flat">
+                      <a:solidFill>
+                        <a:srgbClr val="FFFFFF">
+                          <a:alpha val="100000"/>
+                        </a:srgbClr>
+                      </a:solidFill>
+                      <a:prstDash val="solid"/>
+                    </a:lnL>
+                    <a:lnR w="12700" cmpd="sng" algn="ctr" cap="flat">
+                      <a:solidFill>
+                        <a:srgbClr val="FFFFFF">
+                          <a:alpha val="100000"/>
+                        </a:srgbClr>
+                      </a:solidFill>
+                      <a:prstDash val="solid"/>
+                    </a:lnR>
+                    <a:lnT w="12700" cmpd="sng" algn="ctr" cap="flat">
+                      <a:solidFill>
+                        <a:srgbClr val="FFFFFF">
+                          <a:alpha val="100000"/>
+                        </a:srgbClr>
+                      </a:solidFill>
+                      <a:prstDash val="solid"/>
+                    </a:lnT>
+                    <a:lnB w="12700" cmpd="sng" algn="ctr" cap="flat">
+                      <a:solidFill>
+                        <a:srgbClr val="FFFFFF">
+                          <a:alpha val="100000"/>
+                        </a:srgbClr>
+                      </a:solidFill>
+                      <a:prstDash val="solid"/>
+                    </a:lnB>
+                    <a:solidFill>
+                      <a:srgbClr val="101010">
+                        <a:alpha val="100000"/>
+                      </a:srgbClr>
+                    </a:solidFill>
+                  </a:tcPr>
+                </a:tc>
+                <a:tc hMerge="true">
+                  <a:txBody>
+                    <a:bodyPr/>
+                    <a:lstStyle/>
+                    <a:p>
+                      <a:pPr algn="ctr" marL="63500" marR="63500">
+                        <a:lnSpc>
+                          <a:spcPct val="100000"/>
+                        </a:lnSpc>
+                        <a:spcBef>
+                          <a:spcPts val="500"/>
+                        </a:spcBef>
+                        <a:spcAft>
+                          <a:spcPts val="500"/>
+                        </a:spcAft>
+                        <a:buNone/>
+                      </a:pPr>
+                      <a:r>
+                        <a:rPr sz="1800" b="1">
+                          <a:solidFill>
+                            <a:srgbClr val="FFFFFF">
+                              <a:alpha val="100000"/>
+                            </a:srgbClr>
+                          </a:solidFill>
+                          <a:latin typeface="Arial"/>
+                          <a:cs typeface="Arial"/>
+                          <a:ea typeface="Arial"/>
+                          <a:sym typeface="Arial"/>
+                        </a:rPr>
+                        <a:t>FY2023 Contributions</a:t>
+                      </a:r>
+                    </a:p>
+                  </a:txBody>
+                  <a:tcPr anchor="ctr" marB="0" marT="0" marR="0" marL="0">
+                    <a:lnL w="12700" cmpd="sng" algn="ctr" cap="flat">
+                      <a:solidFill>
+                        <a:srgbClr val="FFFFFF">
+                          <a:alpha val="100000"/>
+                        </a:srgbClr>
+                      </a:solidFill>
+                      <a:prstDash val="solid"/>
+                    </a:lnL>
+                    <a:lnR w="12700" cmpd="sng" algn="ctr" cap="flat">
+                      <a:solidFill>
+                        <a:srgbClr val="FFFFFF">
+                          <a:alpha val="100000"/>
+                        </a:srgbClr>
+                      </a:solidFill>
+                      <a:prstDash val="solid"/>
+                    </a:lnR>
+                    <a:lnT w="12700" cmpd="sng" algn="ctr" cap="flat">
+                      <a:solidFill>
+                        <a:srgbClr val="FFFFFF">
+                          <a:alpha val="100000"/>
+                        </a:srgbClr>
+                      </a:solidFill>
+                      <a:prstDash val="solid"/>
+                    </a:lnT>
+                    <a:lnB w="12700" cmpd="sng" algn="ctr" cap="flat">
+                      <a:solidFill>
+                        <a:srgbClr val="FFFFFF">
+                          <a:alpha val="100000"/>
+                        </a:srgbClr>
+                      </a:solidFill>
+                      <a:prstDash val="solid"/>
+                    </a:lnB>
+                    <a:solidFill>
+                      <a:srgbClr val="101010">
+                        <a:alpha val="100000"/>
+                      </a:srgbClr>
+                    </a:solidFill>
+                  </a:tcPr>
+                </a:tc>
+              </a:tr>
+              <a:tr h="393652">
+                <a:tc>
+                  <a:txBody>
+                    <a:bodyPr/>
+                    <a:lstStyle/>
+                    <a:p>
+                      <a:pPr algn="ctr" marL="63500" marR="63500">
+                        <a:lnSpc>
+                          <a:spcPct val="100000"/>
+                        </a:lnSpc>
+                        <a:spcBef>
+                          <a:spcPts val="500"/>
+                        </a:spcBef>
+                        <a:spcAft>
+                          <a:spcPts val="500"/>
+                        </a:spcAft>
+                        <a:buNone/>
+                      </a:pPr>
+                      <a:r>
+                        <a:rPr sz="1800" b="1">
+                          <a:solidFill>
+                            <a:srgbClr val="FFFFFF">
+                              <a:alpha val="100000"/>
+                            </a:srgbClr>
+                          </a:solidFill>
+                          <a:latin typeface="Arial"/>
+                          <a:cs typeface="Arial"/>
+                          <a:ea typeface="Arial"/>
+                          <a:sym typeface="Arial"/>
+                        </a:rPr>
+                        <a:t>Contribution Type</a:t>
+                      </a:r>
+                    </a:p>
+                  </a:txBody>
+                  <a:tcPr anchor="ctr" marB="0" marT="0" marR="0" marL="0">
+                    <a:lnL w="12700" cmpd="sng" algn="ctr" cap="flat">
+                      <a:solidFill>
+                        <a:srgbClr val="FFFFFF">
+                          <a:alpha val="100000"/>
+                        </a:srgbClr>
+                      </a:solidFill>
+                      <a:prstDash val="solid"/>
+                    </a:lnL>
+                    <a:lnR w="12700" cmpd="sng" algn="ctr" cap="flat">
+                      <a:solidFill>
+                        <a:srgbClr val="FFFFFF">
+                          <a:alpha val="100000"/>
+                        </a:srgbClr>
+                      </a:solidFill>
+                      <a:prstDash val="solid"/>
+                    </a:lnR>
+                    <a:lnT w="12700" cmpd="sng" algn="ctr" cap="flat">
+                      <a:solidFill>
+                        <a:srgbClr val="FFFFFF">
+                          <a:alpha val="100000"/>
+                        </a:srgbClr>
+                      </a:solidFill>
+                      <a:prstDash val="solid"/>
+                    </a:lnT>
+                    <a:lnB w="25400" cmpd="sng" algn="ctr" cap="flat">
+                      <a:solidFill>
+                        <a:srgbClr val="FF6633">
+                          <a:alpha val="100000"/>
+                        </a:srgbClr>
+                      </a:solidFill>
+                      <a:prstDash val="solid"/>
+                    </a:lnB>
+                    <a:solidFill>
+                      <a:srgbClr val="101010">
+                        <a:alpha val="100000"/>
+                      </a:srgbClr>
+                    </a:solidFill>
+                  </a:tcPr>
+                </a:tc>
+                <a:tc>
+                  <a:txBody>
+                    <a:bodyPr/>
+                    <a:lstStyle/>
+                    <a:p>
+                      <a:pPr algn="ctr" marL="63500" marR="63500">
+                        <a:lnSpc>
+                          <a:spcPct val="100000"/>
+                        </a:lnSpc>
+                        <a:spcBef>
+                          <a:spcPts val="500"/>
+                        </a:spcBef>
+                        <a:spcAft>
+                          <a:spcPts val="500"/>
+                        </a:spcAft>
+                        <a:buNone/>
+                      </a:pPr>
+                      <a:r>
+                        <a:rPr sz="1800" b="1">
+                          <a:solidFill>
+                            <a:srgbClr val="FFFFFF">
+                              <a:alpha val="100000"/>
+                            </a:srgbClr>
+                          </a:solidFill>
+                          <a:latin typeface="Arial"/>
+                          <a:cs typeface="Arial"/>
+                          <a:ea typeface="Arial"/>
+                          <a:sym typeface="Arial"/>
+                        </a:rPr>
+                        <a:t>% of Payroll</a:t>
+                      </a:r>
+                    </a:p>
+                  </a:txBody>
+                  <a:tcPr anchor="ctr" marB="0" marT="0" marR="0" marL="0">
+                    <a:lnL w="12700" cmpd="sng" algn="ctr" cap="flat">
+                      <a:solidFill>
+                        <a:srgbClr val="FFFFFF">
+                          <a:alpha val="100000"/>
+                        </a:srgbClr>
+                      </a:solidFill>
+                      <a:prstDash val="solid"/>
+                    </a:lnL>
+                    <a:lnR w="12700" cmpd="sng" algn="ctr" cap="flat">
+                      <a:solidFill>
+                        <a:srgbClr val="FFFFFF">
+                          <a:alpha val="100000"/>
+                        </a:srgbClr>
+                      </a:solidFill>
+                      <a:prstDash val="solid"/>
+                    </a:lnR>
+                    <a:lnT w="12700" cmpd="sng" algn="ctr" cap="flat">
+                      <a:solidFill>
+                        <a:srgbClr val="FFFFFF">
+                          <a:alpha val="100000"/>
+                        </a:srgbClr>
+                      </a:solidFill>
+                      <a:prstDash val="solid"/>
+                    </a:lnT>
+                    <a:lnB w="25400" cmpd="sng" algn="ctr" cap="flat">
+                      <a:solidFill>
+                        <a:srgbClr val="FF6633">
+                          <a:alpha val="100000"/>
+                        </a:srgbClr>
+                      </a:solidFill>
+                      <a:prstDash val="solid"/>
+                    </a:lnB>
+                    <a:solidFill>
+                      <a:srgbClr val="101010">
+                        <a:alpha val="100000"/>
+                      </a:srgbClr>
+                    </a:solidFill>
+                  </a:tcPr>
+                </a:tc>
+                <a:tc>
+                  <a:txBody>
+                    <a:bodyPr/>
+                    <a:lstStyle/>
+                    <a:p>
+                      <a:pPr algn="ctr" marL="63500" marR="63500">
+                        <a:lnSpc>
+                          <a:spcPct val="100000"/>
+                        </a:lnSpc>
+                        <a:spcBef>
+                          <a:spcPts val="500"/>
+                        </a:spcBef>
+                        <a:spcAft>
+                          <a:spcPts val="500"/>
+                        </a:spcAft>
+                        <a:buNone/>
+                      </a:pPr>
+                      <a:r>
+                        <a:rPr sz="1800" b="1">
+                          <a:solidFill>
+                            <a:srgbClr val="FFFFFF">
+                              <a:alpha val="100000"/>
+                            </a:srgbClr>
+                          </a:solidFill>
+                          <a:latin typeface="Arial"/>
+                          <a:cs typeface="Arial"/>
+                          <a:ea typeface="Arial"/>
+                          <a:sym typeface="Arial"/>
+                        </a:rPr>
+                        <a:t>$ Value</a:t>
+                      </a:r>
+                    </a:p>
+                  </a:txBody>
+                  <a:tcPr anchor="ctr" marB="0" marT="0" marR="0" marL="0">
+                    <a:lnL w="12700" cmpd="sng" algn="ctr" cap="flat">
+                      <a:solidFill>
+                        <a:srgbClr val="FFFFFF">
+                          <a:alpha val="100000"/>
+                        </a:srgbClr>
+                      </a:solidFill>
+                      <a:prstDash val="solid"/>
+                    </a:lnL>
+                    <a:lnR w="12700" cmpd="sng" algn="ctr" cap="flat">
+                      <a:solidFill>
+                        <a:srgbClr val="FFFFFF">
+                          <a:alpha val="100000"/>
+                        </a:srgbClr>
+                      </a:solidFill>
+                      <a:prstDash val="solid"/>
+                    </a:lnR>
+                    <a:lnT w="12700" cmpd="sng" algn="ctr" cap="flat">
+                      <a:solidFill>
+                        <a:srgbClr val="FFFFFF">
+                          <a:alpha val="100000"/>
+                        </a:srgbClr>
+                      </a:solidFill>
+                      <a:prstDash val="solid"/>
+                    </a:lnT>
+                    <a:lnB w="25400" cmpd="sng" algn="ctr" cap="flat">
+                      <a:solidFill>
+                        <a:srgbClr val="FF6633">
+                          <a:alpha val="100000"/>
+                        </a:srgbClr>
+                      </a:solidFill>
+                      <a:prstDash val="solid"/>
+                    </a:lnB>
+                    <a:solidFill>
+                      <a:srgbClr val="101010">
+                        <a:alpha val="100000"/>
+                      </a:srgbClr>
+                    </a:solidFill>
+                  </a:tcPr>
+                </a:tc>
+              </a:tr>
+              <a:tr h="390924">
+                <a:tc>
+                  <a:txBody>
+                    <a:bodyPr/>
+                    <a:lstStyle/>
+                    <a:p>
+                      <a:pPr algn="ctr" marL="63500" marR="63500">
+                        <a:lnSpc>
+                          <a:spcPct val="100000"/>
+                        </a:lnSpc>
+                        <a:spcBef>
+                          <a:spcPts val="500"/>
+                        </a:spcBef>
+                        <a:spcAft>
+                          <a:spcPts val="500"/>
+                        </a:spcAft>
+                        <a:buNone/>
+                      </a:pPr>
+                      <a:r>
+                        <a:rPr sz="1800" b="1">
+                          <a:solidFill>
+                            <a:srgbClr val="000000">
+                              <a:alpha val="100000"/>
+                            </a:srgbClr>
+                          </a:solidFill>
+                          <a:latin typeface="Arial"/>
+                          <a:cs typeface="Arial"/>
+                          <a:ea typeface="Arial"/>
+                          <a:sym typeface="Arial"/>
+                        </a:rPr>
+                        <a:t>Total Employee</a:t>
+                      </a:r>
+                    </a:p>
+                  </a:txBody>
+                  <a:tcPr anchor="ctr" marB="0" marT="0" marR="0" marL="0">
+                    <a:lnL w="12700" cmpd="sng" algn="ctr" cap="flat">
+                      <a:solidFill>
+                        <a:srgbClr val="FFFFFF">
+                          <a:alpha val="100000"/>
+                        </a:srgbClr>
+                      </a:solidFill>
+                      <a:prstDash val="solid"/>
+                    </a:lnL>
+                    <a:lnR w="12700" cmpd="sng" algn="ctr" cap="flat">
+                      <a:solidFill>
+                        <a:srgbClr val="FFFFFF">
+                          <a:alpha val="100000"/>
+                        </a:srgbClr>
+                      </a:solidFill>
+                      <a:prstDash val="solid"/>
+                    </a:lnR>
+                    <a:lnT w="0" cmpd="sng" algn="ctr" cap="flat">
+                      <a:solidFill>
+                        <a:srgbClr val="FFFFFF">
+                          <a:alpha val="0"/>
+                        </a:srgbClr>
+                      </a:solidFill>
+                      <a:prstDash val="solid"/>
+                    </a:lnT>
+                    <a:lnB w="12700" cmpd="sng" algn="ctr" cap="flat">
+                      <a:solidFill>
+                        <a:srgbClr val="FFFFFF">
+                          <a:alpha val="100000"/>
+                        </a:srgbClr>
+                      </a:solidFill>
+                      <a:prstDash val="solid"/>
+                    </a:lnB>
+                    <a:solidFill>
+                      <a:srgbClr val="D3D8DD">
+                        <a:alpha val="100000"/>
+                      </a:srgbClr>
+                    </a:solidFill>
+                  </a:tcPr>
+                </a:tc>
+                <a:tc>
+                  <a:txBody>
+                    <a:bodyPr/>
+                    <a:lstStyle/>
+                    <a:p>
+                      <a:pPr algn="ctr" marL="63500" marR="63500">
+                        <a:lnSpc>
+                          <a:spcPct val="100000"/>
+                        </a:lnSpc>
+                        <a:spcBef>
+                          <a:spcPts val="500"/>
+                        </a:spcBef>
+                        <a:spcAft>
+                          <a:spcPts val="500"/>
+                        </a:spcAft>
+                        <a:buNone/>
+                      </a:pPr>
+                      <a:r>
+                        <a:rPr sz="1800" b="1">
+                          <a:solidFill>
+                            <a:srgbClr val="000000">
+                              <a:alpha val="100000"/>
+                            </a:srgbClr>
+                          </a:solidFill>
+                          <a:latin typeface="Arial"/>
+                          <a:cs typeface="Arial"/>
+                          <a:ea typeface="Arial"/>
+                          <a:sym typeface="Arial"/>
+                        </a:rPr>
+                        <a:t>12.0%</a:t>
+                      </a:r>
+                    </a:p>
+                  </a:txBody>
+                  <a:tcPr anchor="ctr" marB="0" marT="0" marR="0" marL="0">
+                    <a:lnL w="12700" cmpd="sng" algn="ctr" cap="flat">
+                      <a:solidFill>
+                        <a:srgbClr val="FFFFFF">
+                          <a:alpha val="100000"/>
+                        </a:srgbClr>
+                      </a:solidFill>
+                      <a:prstDash val="solid"/>
+                    </a:lnL>
+                    <a:lnR w="12700" cmpd="sng" algn="ctr" cap="flat">
+                      <a:solidFill>
+                        <a:srgbClr val="FFFFFF">
+                          <a:alpha val="100000"/>
+                        </a:srgbClr>
+                      </a:solidFill>
+                      <a:prstDash val="solid"/>
+                    </a:lnR>
+                    <a:lnT w="0" cmpd="sng" algn="ctr" cap="flat">
+                      <a:solidFill>
+                        <a:srgbClr val="FFFFFF">
+                          <a:alpha val="0"/>
+                        </a:srgbClr>
+                      </a:solidFill>
+                      <a:prstDash val="solid"/>
+                    </a:lnT>
+                    <a:lnB w="12700" cmpd="sng" algn="ctr" cap="flat">
+                      <a:solidFill>
+                        <a:srgbClr val="FFFFFF">
+                          <a:alpha val="100000"/>
+                        </a:srgbClr>
+                      </a:solidFill>
+                      <a:prstDash val="solid"/>
+                    </a:lnB>
+                    <a:solidFill>
+                      <a:srgbClr val="D3D8DD">
+                        <a:alpha val="100000"/>
+                      </a:srgbClr>
+                    </a:solidFill>
+                  </a:tcPr>
+                </a:tc>
+                <a:tc>
+                  <a:txBody>
+                    <a:bodyPr/>
+                    <a:lstStyle/>
+                    <a:p>
+                      <a:pPr algn="ctr" marL="63500" marR="63500">
+                        <a:lnSpc>
+                          <a:spcPct val="100000"/>
+                        </a:lnSpc>
+                        <a:spcBef>
+                          <a:spcPts val="500"/>
+                        </a:spcBef>
+                        <a:spcAft>
+                          <a:spcPts val="500"/>
+                        </a:spcAft>
+                        <a:buNone/>
+                      </a:pPr>
+                      <a:r>
+                        <a:rPr sz="1800" b="1">
+                          <a:solidFill>
+                            <a:srgbClr val="000000">
+                              <a:alpha val="100000"/>
+                            </a:srgbClr>
+                          </a:solidFill>
+                          <a:latin typeface="Arial"/>
+                          <a:cs typeface="Arial"/>
+                          <a:ea typeface="Arial"/>
+                          <a:sym typeface="Arial"/>
+                        </a:rPr>
+                        <a:t>$1,321,694,000</a:t>
+                      </a:r>
+                    </a:p>
+                  </a:txBody>
+                  <a:tcPr anchor="ctr" marB="0" marT="0" marR="0" marL="0">
+                    <a:lnL w="12700" cmpd="sng" algn="ctr" cap="flat">
+                      <a:solidFill>
+                        <a:srgbClr val="FFFFFF">
+                          <a:alpha val="100000"/>
+                        </a:srgbClr>
+                      </a:solidFill>
+                      <a:prstDash val="solid"/>
+                    </a:lnL>
+                    <a:lnR w="12700" cmpd="sng" algn="ctr" cap="flat">
+                      <a:solidFill>
+                        <a:srgbClr val="FFFFFF">
+                          <a:alpha val="100000"/>
+                        </a:srgbClr>
+                      </a:solidFill>
+                      <a:prstDash val="solid"/>
+                    </a:lnR>
+                    <a:lnT w="0" cmpd="sng" algn="ctr" cap="flat">
+                      <a:solidFill>
+                        <a:srgbClr val="FFFFFF">
+                          <a:alpha val="0"/>
+                        </a:srgbClr>
+                      </a:solidFill>
+                      <a:prstDash val="solid"/>
+                    </a:lnT>
+                    <a:lnB w="12700" cmpd="sng" algn="ctr" cap="flat">
+                      <a:solidFill>
+                        <a:srgbClr val="FFFFFF">
+                          <a:alpha val="100000"/>
+                        </a:srgbClr>
+                      </a:solidFill>
+                      <a:prstDash val="solid"/>
+                    </a:lnB>
+                    <a:solidFill>
+                      <a:srgbClr val="D3D8DD">
+                        <a:alpha val="100000"/>
+                      </a:srgbClr>
+                    </a:solidFill>
+                  </a:tcPr>
+                </a:tc>
+              </a:tr>
+              <a:tr h="390924">
+                <a:tc>
+                  <a:txBody>
+                    <a:bodyPr/>
+                    <a:lstStyle/>
+                    <a:p>
+                      <a:pPr algn="ctr" marL="63500" marR="63500">
+                        <a:lnSpc>
+                          <a:spcPct val="100000"/>
+                        </a:lnSpc>
+                        <a:spcBef>
+                          <a:spcPts val="500"/>
+                        </a:spcBef>
+                        <a:spcAft>
+                          <a:spcPts val="500"/>
+                        </a:spcAft>
+                        <a:buNone/>
+                      </a:pPr>
+                      <a:r>
+                        <a:rPr sz="1800" b="1">
+                          <a:solidFill>
+                            <a:srgbClr val="000000">
+                              <a:alpha val="100000"/>
+                            </a:srgbClr>
+                          </a:solidFill>
+                          <a:latin typeface="Arial"/>
+                          <a:cs typeface="Arial"/>
+                          <a:ea typeface="Arial"/>
+                          <a:sym typeface="Arial"/>
+                        </a:rPr>
+                        <a:t>Total Employer</a:t>
+                      </a:r>
+                    </a:p>
+                  </a:txBody>
+                  <a:tcPr anchor="ctr" marB="0" marT="0" marR="0" marL="0">
+                    <a:lnL w="12700" cmpd="sng" algn="ctr" cap="flat">
+                      <a:solidFill>
+                        <a:srgbClr val="FFFFFF">
+                          <a:alpha val="100000"/>
+                        </a:srgbClr>
+                      </a:solidFill>
+                      <a:prstDash val="solid"/>
+                    </a:lnL>
+                    <a:lnR w="12700" cmpd="sng" algn="ctr" cap="flat">
+                      <a:solidFill>
+                        <a:srgbClr val="FFFFFF">
+                          <a:alpha val="100000"/>
+                        </a:srgbClr>
+                      </a:solidFill>
+                      <a:prstDash val="solid"/>
+                    </a:lnR>
+                    <a:lnT w="12700" cmpd="sng" algn="ctr" cap="flat">
+                      <a:solidFill>
+                        <a:srgbClr val="FFFFFF">
+                          <a:alpha val="100000"/>
+                        </a:srgbClr>
+                      </a:solidFill>
+                      <a:prstDash val="solid"/>
+                    </a:lnT>
+                    <a:lnB w="12700" cmpd="sng" algn="ctr" cap="flat">
+                      <a:solidFill>
+                        <a:srgbClr val="FFFFFF">
+                          <a:alpha val="100000"/>
+                        </a:srgbClr>
+                      </a:solidFill>
+                      <a:prstDash val="solid"/>
+                    </a:lnB>
+                    <a:solidFill>
+                      <a:srgbClr val="D3D8DD">
+                        <a:alpha val="100000"/>
+                      </a:srgbClr>
+                    </a:solidFill>
+                  </a:tcPr>
+                </a:tc>
+                <a:tc>
+                  <a:txBody>
+                    <a:bodyPr/>
+                    <a:lstStyle/>
+                    <a:p>
+                      <a:pPr algn="ctr" marL="63500" marR="63500">
+                        <a:lnSpc>
+                          <a:spcPct val="100000"/>
+                        </a:lnSpc>
+                        <a:spcBef>
+                          <a:spcPts val="500"/>
+                        </a:spcBef>
+                        <a:spcAft>
+                          <a:spcPts val="500"/>
+                        </a:spcAft>
+                        <a:buNone/>
+                      </a:pPr>
+                      <a:r>
+                        <a:rPr sz="1800" b="1">
+                          <a:solidFill>
+                            <a:srgbClr val="000000">
+                              <a:alpha val="100000"/>
+                            </a:srgbClr>
+                          </a:solidFill>
+                          <a:latin typeface="Arial"/>
+                          <a:cs typeface="Arial"/>
+                          <a:ea typeface="Arial"/>
+                          <a:sym typeface="Arial"/>
+                        </a:rPr>
+                        <a:t>12.0%</a:t>
+                      </a:r>
+                    </a:p>
+                  </a:txBody>
+                  <a:tcPr anchor="ctr" marB="0" marT="0" marR="0" marL="0">
+                    <a:lnL w="12700" cmpd="sng" algn="ctr" cap="flat">
+                      <a:solidFill>
+                        <a:srgbClr val="FFFFFF">
+                          <a:alpha val="100000"/>
+                        </a:srgbClr>
+                      </a:solidFill>
+                      <a:prstDash val="solid"/>
+                    </a:lnL>
+                    <a:lnR w="12700" cmpd="sng" algn="ctr" cap="flat">
+                      <a:solidFill>
+                        <a:srgbClr val="FFFFFF">
+                          <a:alpha val="100000"/>
+                        </a:srgbClr>
+                      </a:solidFill>
+                      <a:prstDash val="solid"/>
+                    </a:lnR>
+                    <a:lnT w="12700" cmpd="sng" algn="ctr" cap="flat">
+                      <a:solidFill>
+                        <a:srgbClr val="FFFFFF">
+                          <a:alpha val="100000"/>
+                        </a:srgbClr>
+                      </a:solidFill>
+                      <a:prstDash val="solid"/>
+                    </a:lnT>
+                    <a:lnB w="12700" cmpd="sng" algn="ctr" cap="flat">
+                      <a:solidFill>
+                        <a:srgbClr val="FFFFFF">
+                          <a:alpha val="100000"/>
+                        </a:srgbClr>
+                      </a:solidFill>
+                      <a:prstDash val="solid"/>
+                    </a:lnB>
+                    <a:solidFill>
+                      <a:srgbClr val="D3D8DD">
+                        <a:alpha val="100000"/>
+                      </a:srgbClr>
+                    </a:solidFill>
+                  </a:tcPr>
+                </a:tc>
+                <a:tc>
+                  <a:txBody>
+                    <a:bodyPr/>
+                    <a:lstStyle/>
+                    <a:p>
+                      <a:pPr algn="ctr" marL="63500" marR="63500">
+                        <a:lnSpc>
+                          <a:spcPct val="100000"/>
+                        </a:lnSpc>
+                        <a:spcBef>
+                          <a:spcPts val="500"/>
+                        </a:spcBef>
+                        <a:spcAft>
+                          <a:spcPts val="500"/>
+                        </a:spcAft>
+                        <a:buNone/>
+                      </a:pPr>
+                      <a:r>
+                        <a:rPr sz="1800" b="1">
+                          <a:solidFill>
+                            <a:srgbClr val="000000">
+                              <a:alpha val="100000"/>
+                            </a:srgbClr>
+                          </a:solidFill>
+                          <a:latin typeface="Arial"/>
+                          <a:cs typeface="Arial"/>
+                          <a:ea typeface="Arial"/>
+                          <a:sym typeface="Arial"/>
+                        </a:rPr>
+                        <a:t>$1,381,021,862</a:t>
+                      </a:r>
+                    </a:p>
+                  </a:txBody>
+                  <a:tcPr anchor="ctr" marB="0" marT="0" marR="0" marL="0">
+                    <a:lnL w="12700" cmpd="sng" algn="ctr" cap="flat">
+                      <a:solidFill>
+                        <a:srgbClr val="FFFFFF">
+                          <a:alpha val="100000"/>
+                        </a:srgbClr>
+                      </a:solidFill>
+                      <a:prstDash val="solid"/>
+                    </a:lnL>
+                    <a:lnR w="12700" cmpd="sng" algn="ctr" cap="flat">
+                      <a:solidFill>
+                        <a:srgbClr val="FFFFFF">
+                          <a:alpha val="100000"/>
+                        </a:srgbClr>
+                      </a:solidFill>
+                      <a:prstDash val="solid"/>
+                    </a:lnR>
+                    <a:lnT w="12700" cmpd="sng" algn="ctr" cap="flat">
+                      <a:solidFill>
+                        <a:srgbClr val="FFFFFF">
+                          <a:alpha val="100000"/>
+                        </a:srgbClr>
+                      </a:solidFill>
+                      <a:prstDash val="solid"/>
+                    </a:lnT>
+                    <a:lnB w="12700" cmpd="sng" algn="ctr" cap="flat">
+                      <a:solidFill>
+                        <a:srgbClr val="FFFFFF">
+                          <a:alpha val="100000"/>
+                        </a:srgbClr>
+                      </a:solidFill>
+                      <a:prstDash val="solid"/>
+                    </a:lnB>
+                    <a:solidFill>
+                      <a:srgbClr val="D3D8DD">
+                        <a:alpha val="100000"/>
+                      </a:srgbClr>
+                    </a:solidFill>
+                  </a:tcPr>
+                </a:tc>
+              </a:tr>
+              <a:tr h="392561">
+                <a:tc>
+                  <a:txBody>
+                    <a:bodyPr/>
+                    <a:lstStyle/>
+                    <a:p>
+                      <a:pPr algn="r" marL="63500" marR="63500">
+                        <a:lnSpc>
+                          <a:spcPct val="100000"/>
+                        </a:lnSpc>
+                        <a:spcBef>
+                          <a:spcPts val="500"/>
+                        </a:spcBef>
+                        <a:spcAft>
+                          <a:spcPts val="500"/>
+                        </a:spcAft>
+                        <a:buNone/>
+                      </a:pPr>
+                      <a:r>
+                        <a:rPr sz="1200" i="1" b="1">
+                          <a:solidFill>
+                            <a:srgbClr val="000000">
+                              <a:alpha val="100000"/>
+                            </a:srgbClr>
+                          </a:solidFill>
+                          <a:latin typeface="Arial"/>
+                          <a:cs typeface="Arial"/>
+                          <a:ea typeface="Arial"/>
+                          <a:sym typeface="Arial"/>
+                        </a:rPr>
+                        <a:t>Employer (Debt Amortization)</a:t>
+                      </a:r>
+                    </a:p>
+                  </a:txBody>
+                  <a:tcPr anchor="ctr" marB="0" marT="0" marR="0" marL="0">
+                    <a:lnL w="12700" cmpd="sng" algn="ctr" cap="flat">
+                      <a:solidFill>
+                        <a:srgbClr val="FFFFFF">
+                          <a:alpha val="100000"/>
+                        </a:srgbClr>
+                      </a:solidFill>
+                      <a:prstDash val="solid"/>
+                    </a:lnL>
+                    <a:lnR w="12700" cmpd="sng" algn="ctr" cap="flat">
+                      <a:solidFill>
+                        <a:srgbClr val="FFFFFF">
+                          <a:alpha val="100000"/>
+                        </a:srgbClr>
+                      </a:solidFill>
+                      <a:prstDash val="solid"/>
+                    </a:lnR>
+                    <a:lnT w="12700" cmpd="sng" algn="ctr" cap="flat">
+                      <a:solidFill>
+                        <a:srgbClr val="FFFFFF">
+                          <a:alpha val="100000"/>
+                        </a:srgbClr>
+                      </a:solidFill>
+                      <a:prstDash val="solid"/>
+                    </a:lnT>
+                    <a:lnB w="12700" cmpd="sng" algn="ctr" cap="flat">
+                      <a:solidFill>
+                        <a:srgbClr val="FFFFFF">
+                          <a:alpha val="100000"/>
+                        </a:srgbClr>
+                      </a:solidFill>
+                      <a:prstDash val="solid"/>
+                    </a:lnB>
+                    <a:solidFill>
+                      <a:srgbClr val="D3D8DD">
+                        <a:alpha val="100000"/>
+                      </a:srgbClr>
+                    </a:solidFill>
+                  </a:tcPr>
+                </a:tc>
+                <a:tc>
+                  <a:txBody>
+                    <a:bodyPr/>
+                    <a:lstStyle/>
+                    <a:p>
+                      <a:pPr algn="r" marL="63500" marR="63500">
+                        <a:lnSpc>
+                          <a:spcPct val="100000"/>
+                        </a:lnSpc>
+                        <a:spcBef>
+                          <a:spcPts val="500"/>
+                        </a:spcBef>
+                        <a:spcAft>
+                          <a:spcPts val="500"/>
+                        </a:spcAft>
+                        <a:buNone/>
+                      </a:pPr>
+                      <a:r>
+                        <a:rPr sz="1200" i="1" b="1">
+                          <a:solidFill>
+                            <a:srgbClr val="000000">
+                              <a:alpha val="100000"/>
+                            </a:srgbClr>
+                          </a:solidFill>
+                          <a:latin typeface="Arial"/>
+                          <a:cs typeface="Arial"/>
+                          <a:ea typeface="Arial"/>
+                          <a:sym typeface="Arial"/>
+                        </a:rPr>
+                        <a:t>10.0%</a:t>
+                      </a:r>
+                    </a:p>
+                  </a:txBody>
+                  <a:tcPr anchor="ctr" marB="0" marT="0" marR="0" marL="0">
+                    <a:lnL w="12700" cmpd="sng" algn="ctr" cap="flat">
+                      <a:solidFill>
+                        <a:srgbClr val="FFFFFF">
+                          <a:alpha val="100000"/>
+                        </a:srgbClr>
+                      </a:solidFill>
+                      <a:prstDash val="solid"/>
+                    </a:lnL>
+                    <a:lnR w="12700" cmpd="sng" algn="ctr" cap="flat">
+                      <a:solidFill>
+                        <a:srgbClr val="FFFFFF">
+                          <a:alpha val="100000"/>
+                        </a:srgbClr>
+                      </a:solidFill>
+                      <a:prstDash val="solid"/>
+                    </a:lnR>
+                    <a:lnT w="12700" cmpd="sng" algn="ctr" cap="flat">
+                      <a:solidFill>
+                        <a:srgbClr val="FFFFFF">
+                          <a:alpha val="100000"/>
+                        </a:srgbClr>
+                      </a:solidFill>
+                      <a:prstDash val="solid"/>
+                    </a:lnT>
+                    <a:lnB w="12700" cmpd="sng" algn="ctr" cap="flat">
+                      <a:solidFill>
+                        <a:srgbClr val="FFFFFF">
+                          <a:alpha val="100000"/>
+                        </a:srgbClr>
+                      </a:solidFill>
+                      <a:prstDash val="solid"/>
+                    </a:lnB>
+                    <a:solidFill>
+                      <a:srgbClr val="D3D8DD">
+                        <a:alpha val="100000"/>
+                      </a:srgbClr>
+                    </a:solidFill>
+                  </a:tcPr>
+                </a:tc>
+                <a:tc>
+                  <a:txBody>
+                    <a:bodyPr/>
+                    <a:lstStyle/>
+                    <a:p>
+                      <a:pPr algn="r" marL="63500" marR="63500">
+                        <a:lnSpc>
+                          <a:spcPct val="100000"/>
+                        </a:lnSpc>
+                        <a:spcBef>
+                          <a:spcPts val="500"/>
+                        </a:spcBef>
+                        <a:spcAft>
+                          <a:spcPts val="500"/>
+                        </a:spcAft>
+                        <a:buNone/>
+                      </a:pPr>
+                      <a:r>
+                        <a:rPr sz="1200" i="1" b="1">
+                          <a:solidFill>
+                            <a:srgbClr val="000000">
+                              <a:alpha val="100000"/>
+                            </a:srgbClr>
+                          </a:solidFill>
+                          <a:latin typeface="Arial"/>
+                          <a:cs typeface="Arial"/>
+                          <a:ea typeface="Arial"/>
+                          <a:sym typeface="Arial"/>
+                        </a:rPr>
+                        <a:t>$1,163,209,689</a:t>
+                      </a:r>
+                    </a:p>
+                  </a:txBody>
+                  <a:tcPr anchor="ctr" marB="0" marT="0" marR="0" marL="0">
+                    <a:lnL w="12700" cmpd="sng" algn="ctr" cap="flat">
+                      <a:solidFill>
+                        <a:srgbClr val="FFFFFF">
+                          <a:alpha val="100000"/>
+                        </a:srgbClr>
+                      </a:solidFill>
+                      <a:prstDash val="solid"/>
+                    </a:lnL>
+                    <a:lnR w="12700" cmpd="sng" algn="ctr" cap="flat">
+                      <a:solidFill>
+                        <a:srgbClr val="FFFFFF">
+                          <a:alpha val="100000"/>
+                        </a:srgbClr>
+                      </a:solidFill>
+                      <a:prstDash val="solid"/>
+                    </a:lnR>
+                    <a:lnT w="12700" cmpd="sng" algn="ctr" cap="flat">
+                      <a:solidFill>
+                        <a:srgbClr val="FFFFFF">
+                          <a:alpha val="100000"/>
+                        </a:srgbClr>
+                      </a:solidFill>
+                      <a:prstDash val="solid"/>
+                    </a:lnT>
+                    <a:lnB w="12700" cmpd="sng" algn="ctr" cap="flat">
+                      <a:solidFill>
+                        <a:srgbClr val="FFFFFF">
+                          <a:alpha val="100000"/>
+                        </a:srgbClr>
+                      </a:solidFill>
+                      <a:prstDash val="solid"/>
+                    </a:lnB>
+                    <a:solidFill>
+                      <a:srgbClr val="D3D8DD">
+                        <a:alpha val="100000"/>
+                      </a:srgbClr>
+                    </a:solidFill>
+                  </a:tcPr>
+                </a:tc>
+              </a:tr>
+              <a:tr h="393652">
+                <a:tc>
+                  <a:txBody>
+                    <a:bodyPr/>
+                    <a:lstStyle/>
+                    <a:p>
+                      <a:pPr algn="r" marL="63500" marR="63500">
+                        <a:lnSpc>
+                          <a:spcPct val="100000"/>
+                        </a:lnSpc>
+                        <a:spcBef>
+                          <a:spcPts val="500"/>
+                        </a:spcBef>
+                        <a:spcAft>
+                          <a:spcPts val="500"/>
+                        </a:spcAft>
+                        <a:buNone/>
+                      </a:pPr>
+                      <a:r>
+                        <a:rPr sz="1200" i="1" b="1">
+                          <a:solidFill>
+                            <a:srgbClr val="000000">
+                              <a:alpha val="100000"/>
+                            </a:srgbClr>
+                          </a:solidFill>
+                          <a:latin typeface="Arial"/>
+                          <a:cs typeface="Arial"/>
+                          <a:ea typeface="Arial"/>
+                          <a:sym typeface="Arial"/>
+                        </a:rPr>
+                        <a:t>Employer (Normal Cost)</a:t>
+                      </a:r>
+                    </a:p>
+                  </a:txBody>
+                  <a:tcPr anchor="ctr" marB="0" marT="0" marR="0" marL="0">
+                    <a:lnL w="12700" cmpd="sng" algn="ctr" cap="flat">
+                      <a:solidFill>
+                        <a:srgbClr val="FFFFFF">
+                          <a:alpha val="100000"/>
+                        </a:srgbClr>
+                      </a:solidFill>
+                      <a:prstDash val="solid"/>
+                    </a:lnL>
+                    <a:lnR w="12700" cmpd="sng" algn="ctr" cap="flat">
+                      <a:solidFill>
+                        <a:srgbClr val="FFFFFF">
+                          <a:alpha val="100000"/>
+                        </a:srgbClr>
+                      </a:solidFill>
+                      <a:prstDash val="solid"/>
+                    </a:lnR>
+                    <a:lnT w="12700" cmpd="sng" algn="ctr" cap="flat">
+                      <a:solidFill>
+                        <a:srgbClr val="FFFFFF">
+                          <a:alpha val="100000"/>
+                        </a:srgbClr>
+                      </a:solidFill>
+                      <a:prstDash val="solid"/>
+                    </a:lnT>
+                    <a:lnB w="12700" cmpd="sng" algn="ctr" cap="flat">
+                      <a:solidFill>
+                        <a:srgbClr val="FFFFFF">
+                          <a:alpha val="100000"/>
+                        </a:srgbClr>
+                      </a:solidFill>
+                      <a:prstDash val="solid"/>
+                    </a:lnB>
+                    <a:solidFill>
+                      <a:srgbClr val="D3D8DD">
+                        <a:alpha val="100000"/>
+                      </a:srgbClr>
+                    </a:solidFill>
+                  </a:tcPr>
+                </a:tc>
+                <a:tc>
+                  <a:txBody>
+                    <a:bodyPr/>
+                    <a:lstStyle/>
+                    <a:p>
+                      <a:pPr algn="r" marL="63500" marR="63500">
+                        <a:lnSpc>
+                          <a:spcPct val="100000"/>
+                        </a:lnSpc>
+                        <a:spcBef>
+                          <a:spcPts val="500"/>
+                        </a:spcBef>
+                        <a:spcAft>
+                          <a:spcPts val="500"/>
+                        </a:spcAft>
+                        <a:buNone/>
+                      </a:pPr>
+                      <a:r>
+                        <a:rPr sz="1200" i="1" b="1">
+                          <a:solidFill>
+                            <a:srgbClr val="000000">
+                              <a:alpha val="100000"/>
+                            </a:srgbClr>
+                          </a:solidFill>
+                          <a:latin typeface="Arial"/>
+                          <a:cs typeface="Arial"/>
+                          <a:ea typeface="Arial"/>
+                          <a:sym typeface="Arial"/>
+                        </a:rPr>
+                        <a:t>1.8%</a:t>
+                      </a:r>
+                    </a:p>
+                  </a:txBody>
+                  <a:tcPr anchor="ctr" marB="0" marT="0" marR="0" marL="0">
+                    <a:lnL w="12700" cmpd="sng" algn="ctr" cap="flat">
+                      <a:solidFill>
+                        <a:srgbClr val="FFFFFF">
+                          <a:alpha val="100000"/>
+                        </a:srgbClr>
+                      </a:solidFill>
+                      <a:prstDash val="solid"/>
+                    </a:lnL>
+                    <a:lnR w="12700" cmpd="sng" algn="ctr" cap="flat">
+                      <a:solidFill>
+                        <a:srgbClr val="FFFFFF">
+                          <a:alpha val="100000"/>
+                        </a:srgbClr>
+                      </a:solidFill>
+                      <a:prstDash val="solid"/>
+                    </a:lnR>
+                    <a:lnT w="12700" cmpd="sng" algn="ctr" cap="flat">
+                      <a:solidFill>
+                        <a:srgbClr val="FFFFFF">
+                          <a:alpha val="100000"/>
+                        </a:srgbClr>
+                      </a:solidFill>
+                      <a:prstDash val="solid"/>
+                    </a:lnT>
+                    <a:lnB w="12700" cmpd="sng" algn="ctr" cap="flat">
+                      <a:solidFill>
+                        <a:srgbClr val="FFFFFF">
+                          <a:alpha val="100000"/>
+                        </a:srgbClr>
+                      </a:solidFill>
+                      <a:prstDash val="solid"/>
+                    </a:lnB>
+                    <a:solidFill>
+                      <a:srgbClr val="D3D8DD">
+                        <a:alpha val="100000"/>
+                      </a:srgbClr>
+                    </a:solidFill>
+                  </a:tcPr>
+                </a:tc>
+                <a:tc>
+                  <a:txBody>
+                    <a:bodyPr/>
+                    <a:lstStyle/>
+                    <a:p>
+                      <a:pPr algn="r" marL="63500" marR="63500">
+                        <a:lnSpc>
+                          <a:spcPct val="100000"/>
+                        </a:lnSpc>
+                        <a:spcBef>
+                          <a:spcPts val="500"/>
+                        </a:spcBef>
+                        <a:spcAft>
+                          <a:spcPts val="500"/>
+                        </a:spcAft>
+                        <a:buNone/>
+                      </a:pPr>
+                      <a:r>
+                        <a:rPr sz="1200" i="1" b="1">
+                          <a:solidFill>
+                            <a:srgbClr val="000000">
+                              <a:alpha val="100000"/>
+                            </a:srgbClr>
+                          </a:solidFill>
+                          <a:latin typeface="Arial"/>
+                          <a:cs typeface="Arial"/>
+                          <a:ea typeface="Arial"/>
+                          <a:sym typeface="Arial"/>
+                        </a:rPr>
+                        <a:t>$217,812,173</a:t>
+                      </a:r>
+                    </a:p>
+                  </a:txBody>
+                  <a:tcPr anchor="ctr" marB="0" marT="0" marR="0" marL="0">
+                    <a:lnL w="12700" cmpd="sng" algn="ctr" cap="flat">
+                      <a:solidFill>
+                        <a:srgbClr val="FFFFFF">
+                          <a:alpha val="100000"/>
+                        </a:srgbClr>
+                      </a:solidFill>
+                      <a:prstDash val="solid"/>
+                    </a:lnL>
+                    <a:lnR w="12700" cmpd="sng" algn="ctr" cap="flat">
+                      <a:solidFill>
+                        <a:srgbClr val="FFFFFF">
+                          <a:alpha val="100000"/>
+                        </a:srgbClr>
+                      </a:solidFill>
+                      <a:prstDash val="solid"/>
+                    </a:lnR>
+                    <a:lnT w="12700" cmpd="sng" algn="ctr" cap="flat">
+                      <a:solidFill>
+                        <a:srgbClr val="FFFFFF">
+                          <a:alpha val="100000"/>
+                        </a:srgbClr>
+                      </a:solidFill>
+                      <a:prstDash val="solid"/>
+                    </a:lnT>
+                    <a:lnB w="12700" cmpd="sng" algn="ctr" cap="flat">
+                      <a:solidFill>
+                        <a:srgbClr val="FFFFFF">
+                          <a:alpha val="100000"/>
+                        </a:srgbClr>
+                      </a:solidFill>
+                      <a:prstDash val="solid"/>
+                    </a:lnB>
+                    <a:solidFill>
+                      <a:srgbClr val="D3D8DD">
+                        <a:alpha val="100000"/>
+                      </a:srgbClr>
+                    </a:solidFill>
+                  </a:tcPr>
+                </a:tc>
+              </a:tr>
+              <a:tr h="389832">
+                <a:tc>
+                  <a:txBody>
+                    <a:bodyPr/>
+                    <a:lstStyle/>
+                    <a:p>
+                      <a:pPr algn="ctr" marL="63500" marR="63500">
+                        <a:lnSpc>
+                          <a:spcPct val="100000"/>
+                        </a:lnSpc>
+                        <a:spcBef>
+                          <a:spcPts val="500"/>
+                        </a:spcBef>
+                        <a:spcAft>
+                          <a:spcPts val="500"/>
+                        </a:spcAft>
+                        <a:buNone/>
+                      </a:pPr>
+                      <a:r>
+                        <a:rPr sz="1800" b="1">
+                          <a:solidFill>
+                            <a:srgbClr val="000000">
+                              <a:alpha val="100000"/>
+                            </a:srgbClr>
+                          </a:solidFill>
+                          <a:latin typeface="Arial"/>
+                          <a:cs typeface="Arial"/>
+                          <a:ea typeface="Arial"/>
+                          <a:sym typeface="Arial"/>
+                        </a:rPr>
+                        <a:t>Total ASRS Contributions</a:t>
+                      </a:r>
+                    </a:p>
+                  </a:txBody>
+                  <a:tcPr anchor="ctr" marB="0" marT="0" marR="0" marL="0">
+                    <a:lnL w="12700" cmpd="sng" algn="ctr" cap="flat">
+                      <a:solidFill>
+                        <a:srgbClr val="FFFFFF">
+                          <a:alpha val="100000"/>
+                        </a:srgbClr>
+                      </a:solidFill>
+                      <a:prstDash val="solid"/>
+                    </a:lnL>
+                    <a:lnR w="12700" cmpd="sng" algn="ctr" cap="flat">
+                      <a:solidFill>
+                        <a:srgbClr val="FFFFFF">
+                          <a:alpha val="100000"/>
+                        </a:srgbClr>
+                      </a:solidFill>
+                      <a:prstDash val="solid"/>
+                    </a:lnR>
+                    <a:lnT w="12700" cmpd="sng" algn="ctr" cap="flat">
+                      <a:solidFill>
+                        <a:srgbClr val="FFFFFF">
+                          <a:alpha val="100000"/>
+                        </a:srgbClr>
+                      </a:solidFill>
+                      <a:prstDash val="solid"/>
+                    </a:lnT>
+                    <a:lnB w="12700" cmpd="sng" algn="ctr" cap="flat">
+                      <a:solidFill>
+                        <a:srgbClr val="FFFFFF">
+                          <a:alpha val="100000"/>
+                        </a:srgbClr>
+                      </a:solidFill>
+                      <a:prstDash val="solid"/>
+                    </a:lnB>
+                    <a:solidFill>
+                      <a:srgbClr val="919DAA">
+                        <a:alpha val="100000"/>
+                      </a:srgbClr>
+                    </a:solidFill>
+                  </a:tcPr>
+                </a:tc>
+                <a:tc>
+                  <a:txBody>
+                    <a:bodyPr/>
+                    <a:lstStyle/>
+                    <a:p>
+                      <a:pPr algn="ctr" marL="63500" marR="63500">
+                        <a:lnSpc>
+                          <a:spcPct val="100000"/>
+                        </a:lnSpc>
+                        <a:spcBef>
+                          <a:spcPts val="500"/>
+                        </a:spcBef>
+                        <a:spcAft>
+                          <a:spcPts val="500"/>
+                        </a:spcAft>
+                        <a:buNone/>
+                      </a:pPr>
+                      <a:r>
+                        <a:rPr sz="1800" b="1">
+                          <a:solidFill>
+                            <a:srgbClr val="000000">
+                              <a:alpha val="100000"/>
+                            </a:srgbClr>
+                          </a:solidFill>
+                          <a:latin typeface="Arial"/>
+                          <a:cs typeface="Arial"/>
+                          <a:ea typeface="Arial"/>
+                          <a:sym typeface="Arial"/>
+                        </a:rPr>
+                        <a:t>24.0%</a:t>
+                      </a:r>
+                    </a:p>
+                  </a:txBody>
+                  <a:tcPr anchor="ctr" marB="0" marT="0" marR="0" marL="0">
+                    <a:lnL w="12700" cmpd="sng" algn="ctr" cap="flat">
+                      <a:solidFill>
+                        <a:srgbClr val="FFFFFF">
+                          <a:alpha val="100000"/>
+                        </a:srgbClr>
+                      </a:solidFill>
+                      <a:prstDash val="solid"/>
+                    </a:lnL>
+                    <a:lnR w="12700" cmpd="sng" algn="ctr" cap="flat">
+                      <a:solidFill>
+                        <a:srgbClr val="FFFFFF">
+                          <a:alpha val="100000"/>
+                        </a:srgbClr>
+                      </a:solidFill>
+                      <a:prstDash val="solid"/>
+                    </a:lnR>
+                    <a:lnT w="12700" cmpd="sng" algn="ctr" cap="flat">
+                      <a:solidFill>
+                        <a:srgbClr val="FFFFFF">
+                          <a:alpha val="100000"/>
+                        </a:srgbClr>
+                      </a:solidFill>
+                      <a:prstDash val="solid"/>
+                    </a:lnT>
+                    <a:lnB w="12700" cmpd="sng" algn="ctr" cap="flat">
+                      <a:solidFill>
+                        <a:srgbClr val="FFFFFF">
+                          <a:alpha val="100000"/>
+                        </a:srgbClr>
+                      </a:solidFill>
+                      <a:prstDash val="solid"/>
+                    </a:lnB>
+                    <a:solidFill>
+                      <a:srgbClr val="919DAA">
+                        <a:alpha val="100000"/>
+                      </a:srgbClr>
+                    </a:solidFill>
+                  </a:tcPr>
+                </a:tc>
+                <a:tc>
+                  <a:txBody>
+                    <a:bodyPr/>
+                    <a:lstStyle/>
+                    <a:p>
+                      <a:pPr algn="ctr" marL="63500" marR="63500">
+                        <a:lnSpc>
+                          <a:spcPct val="100000"/>
+                        </a:lnSpc>
+                        <a:spcBef>
+                          <a:spcPts val="500"/>
+                        </a:spcBef>
+                        <a:spcAft>
+                          <a:spcPts val="500"/>
+                        </a:spcAft>
+                        <a:buNone/>
+                      </a:pPr>
+                      <a:r>
+                        <a:rPr sz="1800" b="1">
+                          <a:solidFill>
+                            <a:srgbClr val="000000">
+                              <a:alpha val="100000"/>
+                            </a:srgbClr>
+                          </a:solidFill>
+                          <a:latin typeface="Arial"/>
+                          <a:cs typeface="Arial"/>
+                          <a:ea typeface="Arial"/>
+                          <a:sym typeface="Arial"/>
+                        </a:rPr>
+                        <a:t>$2,774,788,052</a:t>
+                      </a:r>
+                    </a:p>
+                  </a:txBody>
+                  <a:tcPr anchor="ctr" marB="0" marT="0" marR="0" marL="0">
+                    <a:lnL w="12700" cmpd="sng" algn="ctr" cap="flat">
+                      <a:solidFill>
+                        <a:srgbClr val="FFFFFF">
+                          <a:alpha val="100000"/>
+                        </a:srgbClr>
+                      </a:solidFill>
+                      <a:prstDash val="solid"/>
+                    </a:lnL>
+                    <a:lnR w="12700" cmpd="sng" algn="ctr" cap="flat">
+                      <a:solidFill>
+                        <a:srgbClr val="FFFFFF">
+                          <a:alpha val="100000"/>
+                        </a:srgbClr>
+                      </a:solidFill>
+                      <a:prstDash val="solid"/>
+                    </a:lnR>
+                    <a:lnT w="12700" cmpd="sng" algn="ctr" cap="flat">
+                      <a:solidFill>
+                        <a:srgbClr val="FFFFFF">
+                          <a:alpha val="100000"/>
+                        </a:srgbClr>
+                      </a:solidFill>
+                      <a:prstDash val="solid"/>
+                    </a:lnT>
+                    <a:lnB w="12700" cmpd="sng" algn="ctr" cap="flat">
+                      <a:solidFill>
+                        <a:srgbClr val="FFFFFF">
+                          <a:alpha val="100000"/>
+                        </a:srgbClr>
+                      </a:solidFill>
+                      <a:prstDash val="solid"/>
+                    </a:lnB>
+                    <a:solidFill>
+                      <a:srgbClr val="919DAA">
+                        <a:alpha val="100000"/>
+                      </a:srgbClr>
+                    </a:solidFill>
+                  </a:tcPr>
+                </a:tc>
+              </a:tr>
+            </a:tbl>
+          </a:graphicData>
+        </a:graphic>
+      </p:graphicFrame>
+    </p:spTree>
+  </p:cSld>
+</p:sld>
+</file>
+
+<file path=ppt/slides/slide11.xml><?xml version="1.0" encoding="utf-8"?>
+<p:sld xmlns:a="http://schemas.openxmlformats.org/drawingml/2006/main" xmlns:r="http://schemas.openxmlformats.org/officeDocument/2006/relationships" xmlns:p="http://schemas.openxmlformats.org/presentationml/2006/main">
+  <p:cSld>
+    <p:spTree>
+      <p:nvGrpSpPr>
+        <p:cNvPr id="1" name=""/>
+        <p:cNvGrpSpPr/>
+        <p:nvPr/>
+      </p:nvGrpSpPr>
+      <p:grpSpPr>
+        <a:xfrm>
+          <a:off x="0" y="0"/>
+          <a:ext cx="0" cy="0"/>
+          <a:chOff x="0" y="0"/>
+          <a:chExt cx="0" cy="0"/>
+        </a:xfrm>
+      </p:grpSpPr>
+      <p:sp>
+        <p:nvSpPr>
+          <p:cNvPr id="2" name="Title 1"/>
+          <p:cNvSpPr>
+            <a:spLocks noGrp="1"/>
+          </p:cNvSpPr>
+          <p:nvPr>
+            <p:ph type="title" hasCustomPrompt="1"/>
+          </p:nvPr>
+        </p:nvSpPr>
+        <p:spPr>
+          <a:xfrm>
+            <a:off x="457200" y="533400"/>
+            <a:ext cx="7864475" cy="990600"/>
+          </a:xfrm>
+          <a:prstGeom prst="rect">
+            <a:avLst/>
+          </a:prstGeom>
+        </p:spPr>
+        <p:txBody>
+          <a:bodyPr/>
+          <a:lstStyle/>
+          <a:p>
+            <a:pPr lvl="0" marL="0" indent="0">
+              <a:buNone/>
+            </a:pPr>
+            <a:r>
+              <a:rPr/>
+              <a:t>How</a:t>
+            </a:r>
+            <a:r>
+              <a:rPr/>
+              <a:t> </a:t>
+            </a:r>
+            <a:r>
+              <a:rPr/>
+              <a:t>a</a:t>
+            </a:r>
+            <a:r>
+              <a:rPr/>
+              <a:t> </a:t>
+            </a:r>
+            <a:r>
+              <a:rPr/>
+              <a:t>Pension</a:t>
+            </a:r>
+            <a:r>
+              <a:rPr/>
+              <a:t> </a:t>
+            </a:r>
+            <a:r>
+              <a:rPr/>
+              <a:t>Plan</a:t>
+            </a:r>
+            <a:r>
+              <a:rPr/>
+              <a:t> </a:t>
+            </a:r>
+            <a:r>
+              <a:rPr/>
+              <a:t>is</a:t>
+            </a:r>
+            <a:r>
+              <a:rPr/>
+              <a:t> </a:t>
+            </a:r>
+            <a:r>
+              <a:rPr/>
+              <a:t>Funded</a:t>
+            </a:r>
+            <a:r>
+              <a:rPr/>
+              <a:t> </a:t>
+            </a:r>
+            <a:r>
+              <a:rPr/>
+              <a:t>w/</a:t>
+            </a:r>
+            <a:r>
+              <a:rPr/>
+              <a:t> </a:t>
+            </a:r>
+            <a:r>
+              <a:rPr/>
+              <a:t>Image</a:t>
+            </a:r>
+          </a:p>
+        </p:txBody>
+      </p:sp>
+      <p:pic>
+        <p:nvPicPr>
+          <p:cNvPr descr="HowFunded.png" id="0" name="Picture 1"/>
+          <p:cNvPicPr>
+            <a:picLocks noGrp="1" noChangeAspect="1"/>
+          </p:cNvPicPr>
+          <p:nvPr/>
+        </p:nvPicPr>
+        <p:blipFill>
+          <a:blip r:embed="rId2"/>
+          <a:stretch>
+            <a:fillRect/>
+          </a:stretch>
+        </p:blipFill>
+        <p:spPr bwMode="auto">
+          <a:xfrm>
+            <a:off x="469900" y="1600200"/>
+            <a:ext cx="8204200" cy="4876800"/>
+          </a:xfrm>
+          <a:prstGeom prst="rect">
+            <a:avLst/>
+          </a:prstGeom>
+          <a:noFill/>
+          <a:ln w="9525">
+            <a:noFill/>
+            <a:headEnd/>
+            <a:tailEnd/>
+          </a:ln>
+        </p:spPr>
+      </p:pic>
+    </p:spTree>
+  </p:cSld>
+</p:sld>
+</file>
+
+<file path=ppt/slides/slide12.xml><?xml version="1.0" encoding="utf-8"?>
+<p:sld xmlns:a="http://schemas.openxmlformats.org/drawingml/2006/main" xmlns:r="http://schemas.openxmlformats.org/officeDocument/2006/relationships" xmlns:p="http://schemas.openxmlformats.org/presentationml/2006/main">
+  <p:cSld>
+    <p:spTree>
+      <p:nvGrpSpPr>
+        <p:cNvPr id="1" name=""/>
+        <p:cNvGrpSpPr/>
+        <p:nvPr/>
+      </p:nvGrpSpPr>
+      <p:grpSpPr>
+        <a:xfrm>
+          <a:off x="0" y="0"/>
+          <a:ext cx="0" cy="0"/>
+          <a:chOff x="0" y="0"/>
+          <a:chExt cx="0" cy="0"/>
+        </a:xfrm>
+      </p:grpSpPr>
+      <p:sp>
+        <p:nvSpPr>
+          <p:cNvPr id="2" name="Title 1"/>
+          <p:cNvSpPr>
+            <a:spLocks noGrp="1"/>
+          </p:cNvSpPr>
+          <p:nvPr>
+            <p:ph type="title" hasCustomPrompt="1"/>
+          </p:nvPr>
+        </p:nvSpPr>
+        <p:spPr>
+          <a:xfrm>
+            <a:off x="457200" y="533400"/>
+            <a:ext cx="7864475" cy="990600"/>
+          </a:xfrm>
+          <a:prstGeom prst="rect">
+            <a:avLst/>
+          </a:prstGeom>
+        </p:spPr>
+        <p:txBody>
+          <a:bodyPr/>
+          <a:lstStyle/>
+          <a:p>
+            <a:pPr lvl="0" marL="0" indent="0">
+              <a:buNone/>
+            </a:pPr>
+            <a:r>
+              <a:rPr/>
+              <a:t>A</a:t>
+            </a:r>
+            <a:r>
+              <a:rPr/>
+              <a:t> </a:t>
+            </a:r>
+            <a:r>
+              <a:rPr/>
+              <a:t>History</a:t>
+            </a:r>
+            <a:r>
+              <a:rPr/>
+              <a:t> </a:t>
+            </a:r>
+            <a:r>
+              <a:rPr/>
+              <a:t>of</a:t>
+            </a:r>
+            <a:r>
+              <a:rPr/>
+              <a:t> </a:t>
+            </a:r>
+            <a:r>
+              <a:rPr/>
+              <a:t>Investment</a:t>
+            </a:r>
+            <a:r>
+              <a:rPr/>
+              <a:t> </a:t>
+            </a:r>
+            <a:r>
+              <a:rPr/>
+              <a:t>Returns</a:t>
+            </a:r>
+            <a:r>
+              <a:rPr/>
+              <a:t> </a:t>
+            </a:r>
+            <a:r>
+              <a:rPr/>
+              <a:t>(2001-2021)</a:t>
+            </a:r>
+            <a:r>
+              <a:rPr/>
+              <a:t> </a:t>
+            </a:r>
+            <a:r>
+              <a:rPr/>
+              <a:t>w/</a:t>
+            </a:r>
+            <a:r>
+              <a:rPr/>
+              <a:t> </a:t>
+            </a:r>
+            <a:r>
+              <a:rPr/>
+              <a:t>R</a:t>
+            </a:r>
+            <a:r>
+              <a:rPr/>
+              <a:t> </a:t>
+            </a:r>
+            <a:r>
+              <a:rPr/>
+              <a:t>(linePlot())</a:t>
+            </a:r>
+          </a:p>
+        </p:txBody>
+      </p:sp>
+      <p:pic>
+        <p:nvPicPr>
+          <p:cNvPr descr="RMarkdown_ASRS_files/figure-pptx/graph-1.png" id="0" name="Picture 1"/>
+          <p:cNvPicPr>
+            <a:picLocks noGrp="1" noChangeAspect="1"/>
+          </p:cNvPicPr>
+          <p:nvPr/>
+        </p:nvPicPr>
+        <p:blipFill>
+          <a:blip r:embed="rId2"/>
+          <a:stretch>
+            <a:fillRect/>
+          </a:stretch>
+        </p:blipFill>
+        <p:spPr bwMode="auto">
+          <a:xfrm>
+            <a:off x="1079500" y="1600200"/>
+            <a:ext cx="6985000" cy="4368800"/>
+          </a:xfrm>
+          <a:prstGeom prst="rect">
+            <a:avLst/>
+          </a:prstGeom>
+          <a:noFill/>
+          <a:ln w="9525">
+            <a:noFill/>
+            <a:headEnd/>
+            <a:tailEnd/>
+          </a:ln>
+        </p:spPr>
+      </p:pic>
+      <p:sp>
+        <p:nvSpPr>
+          <p:cNvPr id="1" name="TextBox 3"/>
+          <p:cNvSpPr txBox="1"/>
+          <p:nvPr/>
+        </p:nvSpPr>
+        <p:spPr>
+          <a:xfrm>
+            <a:off x="457200" y="5969000"/>
+            <a:ext cx="8229600" cy="508000"/>
+          </a:xfrm>
+          <a:prstGeom prst="rect">
+            <a:avLst/>
+          </a:prstGeom>
+          <a:noFill/>
+        </p:spPr>
+        <p:txBody>
+          <a:bodyPr/>
+          <a:lstStyle/>
+          <a:p>
+            <a:pPr lvl="0" marL="0" indent="0" algn="ctr">
+              <a:buNone/>
+            </a:pPr>
+            <a:r>
+              <a:rPr/>
+              <a:t>Source:</a:t>
+            </a:r>
+            <a:r>
+              <a:rPr/>
+              <a:t> </a:t>
+            </a:r>
+            <a:r>
+              <a:rPr/>
+              <a:t>Pension</a:t>
+            </a:r>
+            <a:r>
+              <a:rPr/>
+              <a:t> </a:t>
+            </a:r>
+            <a:r>
+              <a:rPr/>
+              <a:t>Integrity</a:t>
+            </a:r>
+            <a:r>
+              <a:rPr/>
+              <a:t> </a:t>
+            </a:r>
+            <a:r>
+              <a:rPr/>
+              <a:t>Project</a:t>
+            </a:r>
+            <a:r>
+              <a:rPr/>
+              <a:t> </a:t>
+            </a:r>
+            <a:r>
+              <a:rPr/>
+              <a:t>analysis</a:t>
+            </a:r>
+            <a:r>
+              <a:rPr/>
+              <a:t> </a:t>
+            </a:r>
+            <a:r>
+              <a:rPr/>
+              <a:t>of</a:t>
+            </a:r>
+            <a:r>
+              <a:rPr/>
+              <a:t> </a:t>
+            </a:r>
+            <a:r>
+              <a:rPr/>
+              <a:t>ASRS</a:t>
+            </a:r>
+            <a:r>
+              <a:rPr/>
+              <a:t> </a:t>
+            </a:r>
+            <a:r>
+              <a:rPr/>
+              <a:t>actuarial</a:t>
+            </a:r>
+            <a:r>
+              <a:rPr/>
+              <a:t> </a:t>
+            </a:r>
+            <a:r>
+              <a:rPr/>
+              <a:t>valuation</a:t>
+            </a:r>
+            <a:r>
+              <a:rPr/>
+              <a:t> </a:t>
+            </a:r>
+            <a:r>
+              <a:rPr/>
+              <a:t>reports.</a:t>
+            </a:r>
+          </a:p>
+        </p:txBody>
+      </p:sp>
+    </p:spTree>
+  </p:cSld>
+</p:sld>
+</file>
+
+<file path=ppt/slides/slide13.xml><?xml version="1.0" encoding="utf-8"?>
+<p:sld xmlns:a="http://schemas.openxmlformats.org/drawingml/2006/main" xmlns:r="http://schemas.openxmlformats.org/officeDocument/2006/relationships" xmlns:p="http://schemas.openxmlformats.org/presentationml/2006/main">
+  <p:cSld>
+    <p:spTree>
+      <p:nvGrpSpPr>
+        <p:cNvPr id="1" name=""/>
+        <p:cNvGrpSpPr/>
+        <p:nvPr/>
+      </p:nvGrpSpPr>
+      <p:grpSpPr>
+        <a:xfrm>
+          <a:off x="0" y="0"/>
+          <a:ext cx="0" cy="0"/>
+          <a:chOff x="0" y="0"/>
+          <a:chExt cx="0" cy="0"/>
+        </a:xfrm>
+      </p:grpSpPr>
+      <p:sp>
+        <p:nvSpPr>
+          <p:cNvPr id="2" name="Title 1"/>
+          <p:cNvSpPr>
+            <a:spLocks noGrp="1"/>
+          </p:cNvSpPr>
+          <p:nvPr>
+            <p:ph type="title" hasCustomPrompt="1"/>
+          </p:nvPr>
+        </p:nvSpPr>
+        <p:spPr>
+          <a:xfrm>
+            <a:off x="457200" y="533400"/>
+            <a:ext cx="7864475" cy="990600"/>
+          </a:xfrm>
+          <a:prstGeom prst="rect">
+            <a:avLst/>
+          </a:prstGeom>
+        </p:spPr>
+        <p:txBody>
+          <a:bodyPr/>
+          <a:lstStyle/>
+          <a:p>
+            <a:pPr lvl="0" marL="0" indent="0">
+              <a:buNone/>
+            </a:pPr>
+            <a:r>
+              <a:rPr/>
+              <a:t>Investment</a:t>
+            </a:r>
+            <a:r>
+              <a:rPr/>
+              <a:t> </a:t>
+            </a:r>
+            <a:r>
+              <a:rPr/>
+              <a:t>Returns</a:t>
+            </a:r>
+            <a:r>
+              <a:rPr/>
+              <a:t> </a:t>
+            </a:r>
+            <a:r>
+              <a:rPr/>
+              <a:t>vs. Assumptions</a:t>
+            </a:r>
+            <a:r>
+              <a:rPr/>
+              <a:t> </a:t>
+            </a:r>
+            <a:r>
+              <a:rPr/>
+              <a:t>w/</a:t>
+            </a:r>
+            <a:r>
+              <a:rPr/>
+              <a:t> </a:t>
+            </a:r>
+            <a:r>
+              <a:rPr/>
+              <a:t>R</a:t>
+            </a:r>
+            <a:r>
+              <a:rPr/>
+              <a:t> </a:t>
+            </a:r>
+            <a:r>
+              <a:rPr/>
+              <a:t>(flextable)</a:t>
+            </a:r>
+          </a:p>
+        </p:txBody>
+      </p:sp>
+      <p:graphicFrame xmlns:a="http://schemas.openxmlformats.org/drawingml/2006/main" xmlns:r="http://schemas.openxmlformats.org/officeDocument/2006/relationships" xmlns:p="http://schemas.openxmlformats.org/presentationml/2006/main">
+        <p:nvGraphicFramePr>
+          <p:cNvPr id="288120779" name=""/>
           <p:cNvGraphicFramePr>
             <a:graphicFrameLocks noGrp="true"/>
           </p:cNvGraphicFramePr>
@@ -5059,7 +7137,7 @@
 </p:sld>
 </file>
 
-<file path=ppt/slides/slide11.xml><?xml version="1.0" encoding="utf-8"?>
+<file path=ppt/slides/slide14.xml><?xml version="1.0" encoding="utf-8"?>
 <p:sld xmlns:a="http://schemas.openxmlformats.org/drawingml/2006/main" xmlns:r="http://schemas.openxmlformats.org/officeDocument/2006/relationships" xmlns:p="http://schemas.openxmlformats.org/presentationml/2006/main">
   <p:cSld>
     <p:spTree>
@@ -5294,7 +7372,7 @@
 </p:sld>
 </file>
 
-<file path=ppt/slides/slide12.xml><?xml version="1.0" encoding="utf-8"?>
+<file path=ppt/slides/slide15.xml><?xml version="1.0" encoding="utf-8"?>
 <p:sld xmlns:a="http://schemas.openxmlformats.org/drawingml/2006/main" xmlns:r="http://schemas.openxmlformats.org/officeDocument/2006/relationships" xmlns:p="http://schemas.openxmlformats.org/presentationml/2006/main">
   <p:cSld>
     <p:spTree>
@@ -5462,7 +7540,7 @@
 </p:sld>
 </file>
 
-<file path=ppt/slides/slide13.xml><?xml version="1.0" encoding="utf-8"?>
+<file path=ppt/slides/slide16.xml><?xml version="1.0" encoding="utf-8"?>
 <p:sld xmlns:a="http://schemas.openxmlformats.org/drawingml/2006/main" xmlns:r="http://schemas.openxmlformats.org/officeDocument/2006/relationships" xmlns:p="http://schemas.openxmlformats.org/presentationml/2006/main">
   <p:cSld>
     <p:spTree>
@@ -5587,7 +7665,7 @@
 </p:sld>
 </file>
 
-<file path=ppt/slides/slide14.xml><?xml version="1.0" encoding="utf-8"?>
+<file path=ppt/slides/slide17.xml><?xml version="1.0" encoding="utf-8"?>
 <p:sld xmlns:a="http://schemas.openxmlformats.org/drawingml/2006/main" xmlns:r="http://schemas.openxmlformats.org/officeDocument/2006/relationships" xmlns:p="http://schemas.openxmlformats.org/presentationml/2006/main">
   <p:cSld>
     <p:spTree>
@@ -5788,7 +7866,7 @@
             </a:r>
             <a:r>
               <a:rPr/>
-              <a:t>SCRS</a:t>
+              <a:t>ASRS</a:t>
             </a:r>
             <a:r>
               <a:rPr/>
@@ -5822,7 +7900,7 @@
 </p:sld>
 </file>
 
-<file path=ppt/slides/slide15.xml><?xml version="1.0" encoding="utf-8"?>
+<file path=ppt/slides/slide18.xml><?xml version="1.0" encoding="utf-8"?>
 <p:sld xmlns:a="http://schemas.openxmlformats.org/drawingml/2006/main" xmlns:r="http://schemas.openxmlformats.org/officeDocument/2006/relationships" xmlns:p="http://schemas.openxmlformats.org/presentationml/2006/main">
   <p:cSld>
     <p:spTree>
@@ -6081,7 +8159,7 @@
 </p:sld>
 </file>
 
-<file path=ppt/slides/slide16.xml><?xml version="1.0" encoding="utf-8"?>
+<file path=ppt/slides/slide19.xml><?xml version="1.0" encoding="utf-8"?>
 <p:sld xmlns:a="http://schemas.openxmlformats.org/drawingml/2006/main" xmlns:r="http://schemas.openxmlformats.org/officeDocument/2006/relationships" xmlns:p="http://schemas.openxmlformats.org/presentationml/2006/main">
   <p:cSld>
     <p:spTree>
@@ -6340,7 +8418,7 @@
 </p:sld>
 </file>
 
-<file path=ppt/slides/slide17.xml><?xml version="1.0" encoding="utf-8"?>
+<file path=ppt/slides/slide2.xml><?xml version="1.0" encoding="utf-8"?>
 <p:sld xmlns:a="http://schemas.openxmlformats.org/drawingml/2006/main" xmlns:r="http://schemas.openxmlformats.org/officeDocument/2006/relationships" xmlns:p="http://schemas.openxmlformats.org/presentationml/2006/main">
   <p:cSld>
     <p:spTree>
@@ -6385,71 +8463,39 @@
             </a:pPr>
             <a:r>
               <a:rPr/>
-              <a:t>Actual</a:t>
-            </a:r>
-            <a:r>
-              <a:rPr/>
-              <a:t> </a:t>
-            </a:r>
-            <a:r>
-              <a:rPr/>
-              <a:t>Change</a:t>
-            </a:r>
-            <a:r>
-              <a:rPr/>
-              <a:t> </a:t>
-            </a:r>
-            <a:r>
-              <a:rPr/>
-              <a:t>in</a:t>
-            </a:r>
-            <a:r>
-              <a:rPr/>
-              <a:t> </a:t>
-            </a:r>
-            <a:r>
-              <a:rPr/>
-              <a:t>Payroll</a:t>
-            </a:r>
-            <a:r>
-              <a:rPr/>
-              <a:t> </a:t>
-            </a:r>
-            <a:r>
-              <a:rPr/>
-              <a:t>vs. Assumption</a:t>
-            </a:r>
-            <a:r>
-              <a:rPr/>
-              <a:t> </a:t>
-            </a:r>
-            <a:r>
-              <a:rPr/>
-              <a:t>(2001-2021)</a:t>
-            </a:r>
-            <a:r>
-              <a:rPr/>
-              <a:t> </a:t>
-            </a:r>
-            <a:r>
-              <a:rPr/>
-              <a:t>w/</a:t>
-            </a:r>
-            <a:r>
-              <a:rPr/>
-              <a:t> </a:t>
-            </a:r>
-            <a:r>
-              <a:rPr/>
-              <a:t>R</a:t>
-            </a:r>
-            <a:r>
-              <a:rPr/>
-              <a:t> </a:t>
-            </a:r>
-            <a:r>
-              <a:rPr/>
-              <a:t>(linePlot())</a:t>
+              <a:t>About</a:t>
+            </a:r>
+            <a:r>
+              <a:rPr/>
+              <a:t> </a:t>
+            </a:r>
+            <a:r>
+              <a:rPr/>
+              <a:t>the</a:t>
+            </a:r>
+            <a:r>
+              <a:rPr/>
+              <a:t> </a:t>
+            </a:r>
+            <a:r>
+              <a:rPr/>
+              <a:t>Pension</a:t>
+            </a:r>
+            <a:r>
+              <a:rPr/>
+              <a:t> </a:t>
+            </a:r>
+            <a:r>
+              <a:rPr/>
+              <a:t>Integrity</a:t>
+            </a:r>
+            <a:r>
+              <a:rPr/>
+              <a:t> </a:t>
+            </a:r>
+            <a:r>
+              <a:rPr/>
+              <a:t>Project</a:t>
             </a:r>
           </a:p>
         </p:txBody>
@@ -6469,14 +8515,61 @@
           <a:bodyPr/>
           <a:lstStyle/>
           <a:p>
-            <a:pPr lvl="0" marL="1270000" indent="0">
+            <a:pPr lvl="0" marL="0" indent="0">
               <a:buNone/>
             </a:pPr>
             <a:r>
-              <a:rPr sz="1800">
-                <a:latin typeface="Courier"/>
-              </a:rPr>
-              <a:t>## [1] 0.045</a:t>
+              <a:rPr/>
+              <a:t>We offer pro-bono technical assistance to public officials to help them design and implement pension reforms that improve plan solvency and promote retirement security, including:</a:t>
+            </a:r>
+          </a:p>
+          <a:p>
+            <a:pPr lvl="1"/>
+            <a:r>
+              <a:rPr/>
+              <a:t>Customized analysis of pension system design, trends</a:t>
+            </a:r>
+          </a:p>
+          <a:p>
+            <a:pPr lvl="1"/>
+            <a:r>
+              <a:rPr/>
+              <a:t>Independent actuarial modeling of reform scenarios</a:t>
+            </a:r>
+          </a:p>
+          <a:p>
+            <a:pPr lvl="1"/>
+            <a:r>
+              <a:rPr/>
+              <a:t>Consultation and modeling around custom policy designs</a:t>
+            </a:r>
+          </a:p>
+          <a:p>
+            <a:pPr lvl="1"/>
+            <a:r>
+              <a:rPr/>
+              <a:t>Latest pension reform research and case studies</a:t>
+            </a:r>
+          </a:p>
+          <a:p>
+            <a:pPr lvl="1"/>
+            <a:r>
+              <a:rPr/>
+              <a:t>Peer-to-peer mentoring from state and local officials who have successfully enacted pension reforms</a:t>
+            </a:r>
+          </a:p>
+          <a:p>
+            <a:pPr lvl="1"/>
+            <a:r>
+              <a:rPr/>
+              <a:t>Assistance with stakeholder outreach, engagement and relationship management</a:t>
+            </a:r>
+          </a:p>
+          <a:p>
+            <a:pPr lvl="1"/>
+            <a:r>
+              <a:rPr/>
+              <a:t>Design and execution of public education programs and media campaigns</a:t>
             </a:r>
           </a:p>
         </p:txBody>
@@ -6486,7 +8579,153 @@
 </p:sld>
 </file>
 
-<file path=ppt/slides/slide18.xml><?xml version="1.0" encoding="utf-8"?>
+<file path=ppt/slides/slide20.xml><?xml version="1.0" encoding="utf-8"?>
+<p:sld xmlns:a="http://schemas.openxmlformats.org/drawingml/2006/main" xmlns:r="http://schemas.openxmlformats.org/officeDocument/2006/relationships" xmlns:p="http://schemas.openxmlformats.org/presentationml/2006/main">
+  <p:cSld>
+    <p:spTree>
+      <p:nvGrpSpPr>
+        <p:cNvPr id="1" name=""/>
+        <p:cNvGrpSpPr/>
+        <p:nvPr/>
+      </p:nvGrpSpPr>
+      <p:grpSpPr>
+        <a:xfrm>
+          <a:off x="0" y="0"/>
+          <a:ext cx="0" cy="0"/>
+          <a:chOff x="0" y="0"/>
+          <a:chExt cx="0" cy="0"/>
+        </a:xfrm>
+      </p:grpSpPr>
+      <p:sp>
+        <p:nvSpPr>
+          <p:cNvPr id="2" name="Title 1"/>
+          <p:cNvSpPr>
+            <a:spLocks noGrp="1"/>
+          </p:cNvSpPr>
+          <p:nvPr>
+            <p:ph type="title" hasCustomPrompt="1"/>
+          </p:nvPr>
+        </p:nvSpPr>
+        <p:spPr>
+          <a:xfrm>
+            <a:off x="457200" y="533400"/>
+            <a:ext cx="7864475" cy="990600"/>
+          </a:xfrm>
+          <a:prstGeom prst="rect">
+            <a:avLst/>
+          </a:prstGeom>
+        </p:spPr>
+        <p:txBody>
+          <a:bodyPr/>
+          <a:lstStyle/>
+          <a:p>
+            <a:pPr lvl="0" marL="0" indent="0">
+              <a:buNone/>
+            </a:pPr>
+            <a:r>
+              <a:rPr/>
+              <a:t>Actual</a:t>
+            </a:r>
+            <a:r>
+              <a:rPr/>
+              <a:t> </a:t>
+            </a:r>
+            <a:r>
+              <a:rPr/>
+              <a:t>Change</a:t>
+            </a:r>
+            <a:r>
+              <a:rPr/>
+              <a:t> </a:t>
+            </a:r>
+            <a:r>
+              <a:rPr/>
+              <a:t>in</a:t>
+            </a:r>
+            <a:r>
+              <a:rPr/>
+              <a:t> </a:t>
+            </a:r>
+            <a:r>
+              <a:rPr/>
+              <a:t>Payroll</a:t>
+            </a:r>
+            <a:r>
+              <a:rPr/>
+              <a:t> </a:t>
+            </a:r>
+            <a:r>
+              <a:rPr/>
+              <a:t>vs. Assumption</a:t>
+            </a:r>
+            <a:r>
+              <a:rPr/>
+              <a:t> </a:t>
+            </a:r>
+            <a:r>
+              <a:rPr/>
+              <a:t>(2001-2021)</a:t>
+            </a:r>
+            <a:r>
+              <a:rPr/>
+              <a:t> </a:t>
+            </a:r>
+            <a:r>
+              <a:rPr/>
+              <a:t>w/</a:t>
+            </a:r>
+            <a:r>
+              <a:rPr/>
+              <a:t> </a:t>
+            </a:r>
+            <a:r>
+              <a:rPr/>
+              <a:t>R</a:t>
+            </a:r>
+            <a:r>
+              <a:rPr/>
+              <a:t> </a:t>
+            </a:r>
+            <a:r>
+              <a:rPr/>
+              <a:t>(linePlot())</a:t>
+            </a:r>
+          </a:p>
+        </p:txBody>
+      </p:sp>
+      <p:sp>
+        <p:nvSpPr>
+          <p:cNvPr id="3" name="Content Placeholder 2"/>
+          <p:cNvSpPr>
+            <a:spLocks noGrp="1"/>
+          </p:cNvSpPr>
+          <p:nvPr>
+            <p:ph idx="1"/>
+          </p:nvPr>
+        </p:nvSpPr>
+        <p:spPr/>
+        <p:txBody>
+          <a:bodyPr/>
+          <a:lstStyle/>
+          <a:p>
+            <a:pPr lvl="0" marL="1270000" indent="0">
+              <a:buNone/>
+            </a:pPr>
+            <a:r>
+              <a:rPr sz="1800">
+                <a:latin typeface="Courier"/>
+              </a:rPr>
+              <a:t>## [1] 0.045</a:t>
+            </a:r>
+          </a:p>
+        </p:txBody>
+      </p:sp>
+    </p:spTree>
+  </p:cSld>
+</p:sld>
+</file>
+
+<file path=ppt/slides/slide21.xml><?xml version="1.0" encoding="utf-8"?>
 <p:sld xmlns:a="http://schemas.openxmlformats.org/drawingml/2006/main" xmlns:r="http://schemas.openxmlformats.org/officeDocument/2006/relationships" xmlns:p="http://schemas.openxmlformats.org/presentationml/2006/main">
   <p:cSld>
     <p:spTree>
@@ -6640,7 +8879,7 @@
 </p:sld>
 </file>
 
-<file path=ppt/slides/slide19.xml><?xml version="1.0" encoding="utf-8"?>
+<file path=ppt/slides/slide22.xml><?xml version="1.0" encoding="utf-8"?>
 <p:sld xmlns:a="http://schemas.openxmlformats.org/drawingml/2006/main" xmlns:r="http://schemas.openxmlformats.org/officeDocument/2006/relationships" xmlns:p="http://schemas.openxmlformats.org/presentationml/2006/main">
   <p:cSld>
     <p:spTree>
@@ -6761,11 +9000,11 @@
                 <a:latin typeface="Courier"/>
               </a:rPr>
               <a:t>## Response [https://raw.githubusercontent.com/ReasonFoundation/databaseR/master/files/CPI_by_Region_DOL.xlsx]
-##   Date: 2022-01-21 15:07
+##   Date: 2022-01-26 21:43
 ##   Status: 200
 ##   Content-Type: application/octet-stream
 ##   Size: 13.8 kB
-## &lt;ON DISK&gt;  /var/folders/0z/p5zgjmbn6531bgclzwc383500000gn/T//Rtmp6y01l6/file84cc75a37d.xlsx</a:t>
+## &lt;ON DISK&gt;  /var/folders/0z/p5zgjmbn6531bgclzwc383500000gn/T//Rtmp1Uo2vb/file233c2a6cfabc.xlsx</a:t>
             </a:r>
           </a:p>
         </p:txBody>
@@ -6775,168 +9014,7 @@
 </p:sld>
 </file>
 
-<file path=ppt/slides/slide2.xml><?xml version="1.0" encoding="utf-8"?>
-<p:sld xmlns:a="http://schemas.openxmlformats.org/drawingml/2006/main" xmlns:r="http://schemas.openxmlformats.org/officeDocument/2006/relationships" xmlns:p="http://schemas.openxmlformats.org/presentationml/2006/main">
-  <p:cSld>
-    <p:spTree>
-      <p:nvGrpSpPr>
-        <p:cNvPr id="1" name=""/>
-        <p:cNvGrpSpPr/>
-        <p:nvPr/>
-      </p:nvGrpSpPr>
-      <p:grpSpPr>
-        <a:xfrm>
-          <a:off x="0" y="0"/>
-          <a:ext cx="0" cy="0"/>
-          <a:chOff x="0" y="0"/>
-          <a:chExt cx="0" cy="0"/>
-        </a:xfrm>
-      </p:grpSpPr>
-      <p:sp>
-        <p:nvSpPr>
-          <p:cNvPr id="2" name="Title 1"/>
-          <p:cNvSpPr>
-            <a:spLocks noGrp="1"/>
-          </p:cNvSpPr>
-          <p:nvPr>
-            <p:ph type="title" hasCustomPrompt="1"/>
-          </p:nvPr>
-        </p:nvSpPr>
-        <p:spPr>
-          <a:xfrm>
-            <a:off x="457200" y="533400"/>
-            <a:ext cx="7864475" cy="990600"/>
-          </a:xfrm>
-          <a:prstGeom prst="rect">
-            <a:avLst/>
-          </a:prstGeom>
-        </p:spPr>
-        <p:txBody>
-          <a:bodyPr/>
-          <a:lstStyle/>
-          <a:p>
-            <a:pPr lvl="0" marL="0" indent="0">
-              <a:buNone/>
-            </a:pPr>
-            <a:r>
-              <a:rPr/>
-              <a:t>About</a:t>
-            </a:r>
-            <a:r>
-              <a:rPr/>
-              <a:t> </a:t>
-            </a:r>
-            <a:r>
-              <a:rPr/>
-              <a:t>the</a:t>
-            </a:r>
-            <a:r>
-              <a:rPr/>
-              <a:t> </a:t>
-            </a:r>
-            <a:r>
-              <a:rPr/>
-              <a:t>Pension</a:t>
-            </a:r>
-            <a:r>
-              <a:rPr/>
-              <a:t> </a:t>
-            </a:r>
-            <a:r>
-              <a:rPr/>
-              <a:t>Integrity</a:t>
-            </a:r>
-            <a:r>
-              <a:rPr/>
-              <a:t> </a:t>
-            </a:r>
-            <a:r>
-              <a:rPr/>
-              <a:t>Project</a:t>
-            </a:r>
-          </a:p>
-        </p:txBody>
-      </p:sp>
-      <p:sp>
-        <p:nvSpPr>
-          <p:cNvPr id="3" name="Content Placeholder 2"/>
-          <p:cNvSpPr>
-            <a:spLocks noGrp="1"/>
-          </p:cNvSpPr>
-          <p:nvPr>
-            <p:ph idx="1"/>
-          </p:nvPr>
-        </p:nvSpPr>
-        <p:spPr/>
-        <p:txBody>
-          <a:bodyPr/>
-          <a:lstStyle/>
-          <a:p>
-            <a:pPr lvl="0" marL="0" indent="0">
-              <a:buNone/>
-            </a:pPr>
-            <a:r>
-              <a:rPr/>
-              <a:t>We offer pro-bono technical assistance to public officials to help them design and implement pension reforms that improve plan solvency and promote retirement security, including:</a:t>
-            </a:r>
-          </a:p>
-          <a:p>
-            <a:pPr lvl="1"/>
-            <a:r>
-              <a:rPr/>
-              <a:t>Customized analysis of pension system design, trends</a:t>
-            </a:r>
-          </a:p>
-          <a:p>
-            <a:pPr lvl="1"/>
-            <a:r>
-              <a:rPr/>
-              <a:t>Independent actuarial modeling of reform scenarios</a:t>
-            </a:r>
-          </a:p>
-          <a:p>
-            <a:pPr lvl="1"/>
-            <a:r>
-              <a:rPr/>
-              <a:t>Consultation and modeling around custom policy designs</a:t>
-            </a:r>
-          </a:p>
-          <a:p>
-            <a:pPr lvl="1"/>
-            <a:r>
-              <a:rPr/>
-              <a:t>Latest pension reform research and case studies</a:t>
-            </a:r>
-          </a:p>
-          <a:p>
-            <a:pPr lvl="1"/>
-            <a:r>
-              <a:rPr/>
-              <a:t>Peer-to-peer mentoring from state and local officials who have successfully enacted pension reforms</a:t>
-            </a:r>
-          </a:p>
-          <a:p>
-            <a:pPr lvl="1"/>
-            <a:r>
-              <a:rPr/>
-              <a:t>Assistance with stakeholder outreach, engagement and relationship management</a:t>
-            </a:r>
-          </a:p>
-          <a:p>
-            <a:pPr lvl="1"/>
-            <a:r>
-              <a:rPr/>
-              <a:t>Design and execution of public education programs and media campaigns</a:t>
-            </a:r>
-          </a:p>
-        </p:txBody>
-      </p:sp>
-    </p:spTree>
-  </p:cSld>
-</p:sld>
-</file>
-
-<file path=ppt/slides/slide20.xml><?xml version="1.0" encoding="utf-8"?>
+<file path=ppt/slides/slide23.xml><?xml version="1.0" encoding="utf-8"?>
 <p:sld xmlns:a="http://schemas.openxmlformats.org/drawingml/2006/main" xmlns:r="http://schemas.openxmlformats.org/officeDocument/2006/relationships" xmlns:p="http://schemas.openxmlformats.org/presentationml/2006/main">
   <p:cSld>
     <p:spTree>
@@ -7561,6 +9639,405 @@
 </file>
 
 <file path=ppt/slides/slide5.xml><?xml version="1.0" encoding="utf-8"?>
+<p:sld xmlns:a="http://schemas.openxmlformats.org/drawingml/2006/main" xmlns:r="http://schemas.openxmlformats.org/officeDocument/2006/relationships" xmlns:p="http://schemas.openxmlformats.org/presentationml/2006/main">
+  <p:cSld>
+    <p:spTree>
+      <p:nvGrpSpPr>
+        <p:cNvPr id="1" name=""/>
+        <p:cNvGrpSpPr/>
+        <p:nvPr/>
+      </p:nvGrpSpPr>
+      <p:grpSpPr>
+        <a:xfrm>
+          <a:off x="0" y="0"/>
+          <a:ext cx="0" cy="0"/>
+          <a:chOff x="0" y="0"/>
+          <a:chExt cx="0" cy="0"/>
+        </a:xfrm>
+      </p:grpSpPr>
+      <p:sp>
+        <p:nvSpPr>
+          <p:cNvPr id="2" name="Title 1"/>
+          <p:cNvSpPr>
+            <a:spLocks noGrp="1"/>
+          </p:cNvSpPr>
+          <p:nvPr>
+            <p:ph type="title" hasCustomPrompt="1"/>
+          </p:nvPr>
+        </p:nvSpPr>
+        <p:spPr>
+          <a:xfrm>
+            <a:off x="457200" y="533400"/>
+            <a:ext cx="7864475" cy="990600"/>
+          </a:xfrm>
+          <a:prstGeom prst="rect">
+            <a:avLst/>
+          </a:prstGeom>
+        </p:spPr>
+        <p:txBody>
+          <a:bodyPr/>
+          <a:lstStyle/>
+          <a:p>
+            <a:pPr lvl="0" marL="0" indent="0">
+              <a:buNone/>
+            </a:pPr>
+            <a:r>
+              <a:rPr/>
+              <a:t>Causes</a:t>
+            </a:r>
+            <a:r>
+              <a:rPr/>
+              <a:t> </a:t>
+            </a:r>
+            <a:r>
+              <a:rPr/>
+              <a:t>of</a:t>
+            </a:r>
+            <a:r>
+              <a:rPr/>
+              <a:t> </a:t>
+            </a:r>
+            <a:r>
+              <a:rPr/>
+              <a:t>Pension</a:t>
+            </a:r>
+            <a:r>
+              <a:rPr/>
+              <a:t> </a:t>
+            </a:r>
+            <a:r>
+              <a:rPr/>
+              <a:t>Debt</a:t>
+            </a:r>
+            <a:r>
+              <a:rPr/>
+              <a:t> </a:t>
+            </a:r>
+            <a:r>
+              <a:rPr/>
+              <a:t>(2001-2021)</a:t>
+            </a:r>
+            <a:r>
+              <a:rPr/>
+              <a:t> </a:t>
+            </a:r>
+            <a:r>
+              <a:rPr/>
+              <a:t>w/</a:t>
+            </a:r>
+            <a:r>
+              <a:rPr/>
+              <a:t> </a:t>
+            </a:r>
+            <a:r>
+              <a:rPr/>
+              <a:t>R</a:t>
+            </a:r>
+            <a:r>
+              <a:rPr/>
+              <a:t> </a:t>
+            </a:r>
+            <a:r>
+              <a:rPr/>
+              <a:t>(custom</a:t>
+            </a:r>
+            <a:r>
+              <a:rPr/>
+              <a:t> </a:t>
+            </a:r>
+            <a:r>
+              <a:rPr/>
+              <a:t>Plotly-Image)</a:t>
+            </a:r>
+          </a:p>
+        </p:txBody>
+      </p:sp>
+      <p:pic>
+        <p:nvPicPr>
+          <p:cNvPr descr="RMarkdown_ASRS_files/figure-pptx/unnamed-chunk-1-1.png" id="0" name="Picture 1"/>
+          <p:cNvPicPr>
+            <a:picLocks noGrp="1" noChangeAspect="1"/>
+          </p:cNvPicPr>
+          <p:nvPr/>
+        </p:nvPicPr>
+        <p:blipFill>
+          <a:blip r:embed="rId2"/>
+          <a:stretch>
+            <a:fillRect/>
+          </a:stretch>
+        </p:blipFill>
+        <p:spPr bwMode="auto">
+          <a:xfrm>
+            <a:off x="723900" y="1600200"/>
+            <a:ext cx="7696200" cy="4876800"/>
+          </a:xfrm>
+          <a:prstGeom prst="rect">
+            <a:avLst/>
+          </a:prstGeom>
+          <a:noFill/>
+          <a:ln w="9525">
+            <a:noFill/>
+            <a:headEnd/>
+            <a:tailEnd/>
+          </a:ln>
+        </p:spPr>
+      </p:pic>
+    </p:spTree>
+  </p:cSld>
+</p:sld>
+</file>
+
+<file path=ppt/slides/slide6.xml><?xml version="1.0" encoding="utf-8"?>
+<p:sld xmlns:a="http://schemas.openxmlformats.org/drawingml/2006/main" xmlns:r="http://schemas.openxmlformats.org/officeDocument/2006/relationships" xmlns:p="http://schemas.openxmlformats.org/presentationml/2006/main">
+  <p:cSld>
+    <p:spTree>
+      <p:nvGrpSpPr>
+        <p:cNvPr id="1" name=""/>
+        <p:cNvGrpSpPr/>
+        <p:nvPr/>
+      </p:nvGrpSpPr>
+      <p:grpSpPr>
+        <a:xfrm>
+          <a:off x="0" y="0"/>
+          <a:ext cx="0" cy="0"/>
+          <a:chOff x="0" y="0"/>
+          <a:chExt cx="0" cy="0"/>
+        </a:xfrm>
+      </p:grpSpPr>
+      <p:pic>
+        <p:nvPicPr>
+          <p:cNvPr descr="ASRS_GainLoss.pdf" id="0" name="Picture 1"/>
+          <p:cNvPicPr>
+            <a:picLocks noGrp="1" noChangeAspect="1"/>
+          </p:cNvPicPr>
+          <p:nvPr/>
+        </p:nvPicPr>
+        <p:blipFill>
+          <a:blip r:embed="rId2"/>
+          <a:stretch>
+            <a:fillRect/>
+          </a:stretch>
+        </p:blipFill>
+        <p:spPr bwMode="auto">
+          <a:xfrm>
+            <a:off x="812800" y="1600200"/>
+            <a:ext cx="7518400" cy="4876800"/>
+          </a:xfrm>
+          <a:prstGeom prst="rect">
+            <a:avLst/>
+          </a:prstGeom>
+          <a:noFill/>
+          <a:ln w="9525">
+            <a:noFill/>
+            <a:headEnd/>
+            <a:tailEnd/>
+          </a:ln>
+        </p:spPr>
+      </p:pic>
+    </p:spTree>
+  </p:cSld>
+</p:sld>
+</file>
+
+<file path=ppt/slides/slide7.xml><?xml version="1.0" encoding="utf-8"?>
+<p:sld xmlns:a="http://schemas.openxmlformats.org/drawingml/2006/main" xmlns:r="http://schemas.openxmlformats.org/officeDocument/2006/relationships" xmlns:p="http://schemas.openxmlformats.org/presentationml/2006/main">
+  <p:cSld>
+    <p:spTree>
+      <p:nvGrpSpPr>
+        <p:cNvPr id="1" name=""/>
+        <p:cNvGrpSpPr/>
+        <p:nvPr/>
+      </p:nvGrpSpPr>
+      <p:grpSpPr>
+        <a:xfrm>
+          <a:off x="0" y="0"/>
+          <a:ext cx="0" cy="0"/>
+          <a:chOff x="0" y="0"/>
+          <a:chExt cx="0" cy="0"/>
+        </a:xfrm>
+      </p:grpSpPr>
+      <p:sp>
+        <p:nvSpPr>
+          <p:cNvPr id="2" name="Title 1"/>
+          <p:cNvSpPr>
+            <a:spLocks noGrp="1"/>
+          </p:cNvSpPr>
+          <p:nvPr>
+            <p:ph type="title" hasCustomPrompt="1"/>
+          </p:nvPr>
+        </p:nvSpPr>
+        <p:spPr>
+          <a:xfrm>
+            <a:off x="457200" y="533400"/>
+            <a:ext cx="7864475" cy="990600"/>
+          </a:xfrm>
+          <a:prstGeom prst="rect">
+            <a:avLst/>
+          </a:prstGeom>
+        </p:spPr>
+        <p:txBody>
+          <a:bodyPr/>
+          <a:lstStyle/>
+          <a:p>
+            <a:pPr lvl="0" marL="0" indent="0">
+              <a:buNone/>
+            </a:pPr>
+            <a:r>
+              <a:rPr/>
+              <a:t>Driving</a:t>
+            </a:r>
+            <a:r>
+              <a:rPr/>
+              <a:t> </a:t>
+            </a:r>
+            <a:r>
+              <a:rPr/>
+              <a:t>Factors</a:t>
+            </a:r>
+            <a:r>
+              <a:rPr/>
+              <a:t> </a:t>
+            </a:r>
+            <a:r>
+              <a:rPr/>
+              <a:t>Jeopardizing</a:t>
+            </a:r>
+            <a:r>
+              <a:rPr/>
+              <a:t> </a:t>
+            </a:r>
+            <a:r>
+              <a:rPr/>
+              <a:t>ASRS</a:t>
+            </a:r>
+            <a:r>
+              <a:rPr/>
+              <a:t> </a:t>
+            </a:r>
+            <a:r>
+              <a:rPr/>
+              <a:t>Resiliency</a:t>
+            </a:r>
+          </a:p>
+        </p:txBody>
+      </p:sp>
+      <p:sp>
+        <p:nvSpPr>
+          <p:cNvPr id="3" name="Content Placeholder 2"/>
+          <p:cNvSpPr>
+            <a:spLocks noGrp="1"/>
+          </p:cNvSpPr>
+          <p:nvPr>
+            <p:ph idx="1"/>
+          </p:nvPr>
+        </p:nvSpPr>
+        <p:spPr/>
+        <p:txBody>
+          <a:bodyPr/>
+          <a:lstStyle/>
+          <a:p>
+            <a:pPr lvl="1"/>
+            <a:r>
+              <a:rPr b="1"/>
+              <a:t>Deviations from Investment Return Assumptions</a:t>
+            </a:r>
+            <a:r>
+              <a:rPr/>
+              <a:t> have been the largest contributor to the unfunded liability growth, adding </a:t>
+            </a:r>
+            <a:r>
+              <a:rPr b="1"/>
+              <a:t>$9.77</a:t>
+            </a:r>
+            <a:r>
+              <a:rPr/>
+              <a:t> billion from 2001 to 2021.</a:t>
+            </a:r>
+          </a:p>
+          <a:p>
+            <a:pPr lvl="1"/>
+            <a:r>
+              <a:rPr b="1"/>
+              <a:t>Changes to Actuarial Methods and Assumptions</a:t>
+            </a:r>
+            <a:r>
+              <a:rPr/>
+              <a:t> – including assumed rate of return - have revealed roughly </a:t>
+            </a:r>
+            <a:r>
+              <a:rPr b="1"/>
+              <a:t>$6.97</a:t>
+            </a:r>
+            <a:r>
+              <a:rPr/>
+              <a:t> billion in additional unfunded liability since 2001.</a:t>
+            </a:r>
+          </a:p>
+          <a:p>
+            <a:pPr lvl="1"/>
+            <a:r>
+              <a:rPr b="1"/>
+              <a:t>Extended Amortization Timetables and low Statutory Contributions</a:t>
+            </a:r>
+            <a:r>
+              <a:rPr/>
+              <a:t> in the past have resulted in interest on ASRS debt exceeding the actual debt payments (negative amortization) since 2001, adding a net </a:t>
+            </a:r>
+            <a:r>
+              <a:rPr b="1"/>
+              <a:t>$1.5</a:t>
+            </a:r>
+            <a:r>
+              <a:rPr/>
+              <a:t> billion to the unfunded liabilities.</a:t>
+            </a:r>
+          </a:p>
+          <a:p>
+            <a:pPr lvl="1"/>
+            <a:r>
+              <a:rPr b="1"/>
+              <a:t>Deviations from Demographic Assumptions</a:t>
+            </a:r>
+            <a:r>
+              <a:rPr/>
+              <a:t> – including deviations from assumed rates of withdrawal, retirement, and mortality — added </a:t>
+            </a:r>
+            <a:r>
+              <a:rPr b="1"/>
+              <a:t>$1.05</a:t>
+            </a:r>
+            <a:r>
+              <a:rPr/>
+              <a:t> billion to the debt since 2001.</a:t>
+            </a:r>
+          </a:p>
+          <a:p>
+            <a:pPr lvl="1"/>
+            <a:r>
+              <a:rPr b="1"/>
+              <a:t>Permanent Benefit Increases (PBI)</a:t>
+            </a:r>
+            <a:r>
+              <a:rPr/>
+              <a:t> given added </a:t>
+            </a:r>
+            <a:r>
+              <a:rPr b="1"/>
+              <a:t>$47</a:t>
+            </a:r>
+            <a:r>
+              <a:rPr/>
+              <a:t> million to unfunded liabilities since 2001.</a:t>
+            </a:r>
+          </a:p>
+        </p:txBody>
+      </p:sp>
+    </p:spTree>
+  </p:cSld>
+</p:sld>
+</file>
+
+<file path=ppt/slides/slide8.xml><?xml version="1.0" encoding="utf-8"?>
 <p:sld xmlns:a="http://schemas.openxmlformats.org/drawingml/2006/main" xmlns:r="http://schemas.openxmlformats.org/officeDocument/2006/relationships" xmlns:p="http://schemas.openxmlformats.org/presentationml/2006/main">
   <p:cSld>
     <p:spTree>
@@ -7924,2081 +10401,6 @@
 </p:sld>
 </file>
 
-<file path=ppt/slides/slide6.xml><?xml version="1.0" encoding="utf-8"?>
-<p:sld xmlns:a="http://schemas.openxmlformats.org/drawingml/2006/main" xmlns:r="http://schemas.openxmlformats.org/officeDocument/2006/relationships" xmlns:p="http://schemas.openxmlformats.org/presentationml/2006/main">
-  <p:cSld>
-    <p:spTree>
-      <p:nvGrpSpPr>
-        <p:cNvPr id="1" name=""/>
-        <p:cNvGrpSpPr/>
-        <p:nvPr/>
-      </p:nvGrpSpPr>
-      <p:grpSpPr>
-        <a:xfrm>
-          <a:off x="0" y="0"/>
-          <a:ext cx="0" cy="0"/>
-          <a:chOff x="0" y="0"/>
-          <a:chExt cx="0" cy="0"/>
-        </a:xfrm>
-      </p:grpSpPr>
-      <p:sp>
-        <p:nvSpPr>
-          <p:cNvPr id="2" name="Title 1"/>
-          <p:cNvSpPr>
-            <a:spLocks noGrp="1"/>
-          </p:cNvSpPr>
-          <p:nvPr>
-            <p:ph type="title" hasCustomPrompt="1"/>
-          </p:nvPr>
-        </p:nvSpPr>
-        <p:spPr>
-          <a:xfrm>
-            <a:off x="457200" y="533400"/>
-            <a:ext cx="7864475" cy="990600"/>
-          </a:xfrm>
-          <a:prstGeom prst="rect">
-            <a:avLst/>
-          </a:prstGeom>
-        </p:spPr>
-        <p:txBody>
-          <a:bodyPr/>
-          <a:lstStyle/>
-          <a:p>
-            <a:pPr lvl="0" marL="0" indent="0">
-              <a:buNone/>
-            </a:pPr>
-            <a:r>
-              <a:rPr/>
-              <a:t>Liabilities</a:t>
-            </a:r>
-            <a:r>
-              <a:rPr/>
-              <a:t> </a:t>
-            </a:r>
-            <a:r>
-              <a:rPr/>
-              <a:t>Growing</a:t>
-            </a:r>
-            <a:r>
-              <a:rPr/>
-              <a:t> </a:t>
-            </a:r>
-            <a:r>
-              <a:rPr/>
-              <a:t>Faster</a:t>
-            </a:r>
-            <a:r>
-              <a:rPr/>
-              <a:t> </a:t>
-            </a:r>
-            <a:r>
-              <a:rPr/>
-              <a:t>than</a:t>
-            </a:r>
-            <a:r>
-              <a:rPr/>
-              <a:t> </a:t>
-            </a:r>
-            <a:r>
-              <a:rPr/>
-              <a:t>Assets</a:t>
-            </a:r>
-            <a:r>
-              <a:rPr/>
-              <a:t> </a:t>
-            </a:r>
-            <a:r>
-              <a:rPr/>
-              <a:t>(2001-2021)</a:t>
-            </a:r>
-            <a:r>
-              <a:rPr/>
-              <a:t> </a:t>
-            </a:r>
-            <a:r>
-              <a:rPr/>
-              <a:t>w/</a:t>
-            </a:r>
-            <a:r>
-              <a:rPr/>
-              <a:t> </a:t>
-            </a:r>
-            <a:r>
-              <a:rPr/>
-              <a:t>R</a:t>
-            </a:r>
-            <a:r>
-              <a:rPr/>
-              <a:t> </a:t>
-            </a:r>
-            <a:r>
-              <a:rPr/>
-              <a:t>(linePlot())</a:t>
-            </a:r>
-          </a:p>
-        </p:txBody>
-      </p:sp>
-      <p:pic>
-        <p:nvPicPr>
-          <p:cNvPr descr="RMarkdown_ASRS_files/figure-pptx/area.ual-1.png" id="0" name="Picture 1"/>
-          <p:cNvPicPr>
-            <a:picLocks noGrp="1" noChangeAspect="1"/>
-          </p:cNvPicPr>
-          <p:nvPr/>
-        </p:nvPicPr>
-        <p:blipFill>
-          <a:blip r:embed="rId2"/>
-          <a:stretch>
-            <a:fillRect/>
-          </a:stretch>
-        </p:blipFill>
-        <p:spPr bwMode="auto">
-          <a:xfrm>
-            <a:off x="1079500" y="1600200"/>
-            <a:ext cx="6985000" cy="4368800"/>
-          </a:xfrm>
-          <a:prstGeom prst="rect">
-            <a:avLst/>
-          </a:prstGeom>
-          <a:noFill/>
-          <a:ln w="9525">
-            <a:noFill/>
-            <a:headEnd/>
-            <a:tailEnd/>
-          </a:ln>
-        </p:spPr>
-      </p:pic>
-      <p:sp>
-        <p:nvSpPr>
-          <p:cNvPr id="1" name="TextBox 3"/>
-          <p:cNvSpPr txBox="1"/>
-          <p:nvPr/>
-        </p:nvSpPr>
-        <p:spPr>
-          <a:xfrm>
-            <a:off x="457200" y="5969000"/>
-            <a:ext cx="8229600" cy="508000"/>
-          </a:xfrm>
-          <a:prstGeom prst="rect">
-            <a:avLst/>
-          </a:prstGeom>
-          <a:noFill/>
-        </p:spPr>
-        <p:txBody>
-          <a:bodyPr/>
-          <a:lstStyle/>
-          <a:p>
-            <a:pPr lvl="0" marL="0" indent="0" algn="ctr">
-              <a:buNone/>
-            </a:pPr>
-            <a:r>
-              <a:rPr/>
-              <a:t>Source:</a:t>
-            </a:r>
-            <a:r>
-              <a:rPr/>
-              <a:t> </a:t>
-            </a:r>
-            <a:r>
-              <a:rPr/>
-              <a:t>Pension</a:t>
-            </a:r>
-            <a:r>
-              <a:rPr/>
-              <a:t> </a:t>
-            </a:r>
-            <a:r>
-              <a:rPr/>
-              <a:t>Integrity</a:t>
-            </a:r>
-            <a:r>
-              <a:rPr/>
-              <a:t> </a:t>
-            </a:r>
-            <a:r>
-              <a:rPr/>
-              <a:t>Project</a:t>
-            </a:r>
-            <a:r>
-              <a:rPr/>
-              <a:t> </a:t>
-            </a:r>
-            <a:r>
-              <a:rPr/>
-              <a:t>analysis</a:t>
-            </a:r>
-            <a:r>
-              <a:rPr/>
-              <a:t> </a:t>
-            </a:r>
-            <a:r>
-              <a:rPr/>
-              <a:t>of</a:t>
-            </a:r>
-            <a:r>
-              <a:rPr/>
-              <a:t> </a:t>
-            </a:r>
-            <a:r>
-              <a:rPr/>
-              <a:t>ASRS</a:t>
-            </a:r>
-            <a:r>
-              <a:rPr/>
-              <a:t> </a:t>
-            </a:r>
-            <a:r>
-              <a:rPr/>
-              <a:t>actuarial</a:t>
-            </a:r>
-            <a:r>
-              <a:rPr/>
-              <a:t> </a:t>
-            </a:r>
-            <a:r>
-              <a:rPr/>
-              <a:t>valuation</a:t>
-            </a:r>
-            <a:r>
-              <a:rPr/>
-              <a:t> </a:t>
-            </a:r>
-            <a:r>
-              <a:rPr/>
-              <a:t>reports.</a:t>
-            </a:r>
-          </a:p>
-        </p:txBody>
-      </p:sp>
-    </p:spTree>
-  </p:cSld>
-</p:sld>
-</file>
-
-<file path=ppt/slides/slide7.xml><?xml version="1.0" encoding="utf-8"?>
-<p:sld xmlns:a="http://schemas.openxmlformats.org/drawingml/2006/main" xmlns:r="http://schemas.openxmlformats.org/officeDocument/2006/relationships" xmlns:p="http://schemas.openxmlformats.org/presentationml/2006/main">
-  <p:cSld>
-    <p:spTree>
-      <p:nvGrpSpPr>
-        <p:cNvPr id="1" name=""/>
-        <p:cNvGrpSpPr/>
-        <p:nvPr/>
-      </p:nvGrpSpPr>
-      <p:grpSpPr>
-        <a:xfrm>
-          <a:off x="0" y="0"/>
-          <a:ext cx="0" cy="0"/>
-          <a:chOff x="0" y="0"/>
-          <a:chExt cx="0" cy="0"/>
-        </a:xfrm>
-      </p:grpSpPr>
-      <p:sp>
-        <p:nvSpPr>
-          <p:cNvPr id="2" name="Title 1"/>
-          <p:cNvSpPr>
-            <a:spLocks noGrp="1"/>
-          </p:cNvSpPr>
-          <p:nvPr>
-            <p:ph type="title" hasCustomPrompt="1"/>
-          </p:nvPr>
-        </p:nvSpPr>
-        <p:spPr>
-          <a:xfrm>
-            <a:off x="457200" y="533400"/>
-            <a:ext cx="7864475" cy="990600"/>
-          </a:xfrm>
-          <a:prstGeom prst="rect">
-            <a:avLst/>
-          </a:prstGeom>
-        </p:spPr>
-        <p:txBody>
-          <a:bodyPr/>
-          <a:lstStyle/>
-          <a:p>
-            <a:pPr lvl="0" marL="0" indent="0">
-              <a:buNone/>
-            </a:pPr>
-            <a:r>
-              <a:rPr/>
-              <a:t>Make</a:t>
-            </a:r>
-            <a:r>
-              <a:rPr/>
-              <a:t> </a:t>
-            </a:r>
-            <a:r>
-              <a:rPr/>
-              <a:t>up</a:t>
-            </a:r>
-            <a:r>
-              <a:rPr/>
-              <a:t> </a:t>
-            </a:r>
-            <a:r>
-              <a:rPr/>
-              <a:t>of</a:t>
-            </a:r>
-            <a:r>
-              <a:rPr/>
-              <a:t> </a:t>
-            </a:r>
-            <a:r>
-              <a:rPr/>
-              <a:t>Pension</a:t>
-            </a:r>
-            <a:r>
-              <a:rPr/>
-              <a:t> </a:t>
-            </a:r>
-            <a:r>
-              <a:rPr/>
-              <a:t>Contributions</a:t>
-            </a:r>
-            <a:r>
-              <a:rPr/>
-              <a:t> </a:t>
-            </a:r>
-            <a:r>
-              <a:rPr/>
-              <a:t>w/</a:t>
-            </a:r>
-            <a:r>
-              <a:rPr/>
-              <a:t> </a:t>
-            </a:r>
-            <a:r>
-              <a:rPr/>
-              <a:t>R</a:t>
-            </a:r>
-            <a:r>
-              <a:rPr/>
-              <a:t> </a:t>
-            </a:r>
-            <a:r>
-              <a:rPr/>
-              <a:t>(flextable())</a:t>
-            </a:r>
-          </a:p>
-        </p:txBody>
-      </p:sp>
-      <p:graphicFrame xmlns:a="http://schemas.openxmlformats.org/drawingml/2006/main" xmlns:r="http://schemas.openxmlformats.org/officeDocument/2006/relationships" xmlns:p="http://schemas.openxmlformats.org/presentationml/2006/main">
-        <p:nvGraphicFramePr>
-          <p:cNvPr id="37019561" name=""/>
-          <p:cNvGraphicFramePr>
-            <a:graphicFrameLocks noGrp="true"/>
-          </p:cNvGraphicFramePr>
-          <p:nvPr/>
-        </p:nvGraphicFramePr>
-        <p:xfrm rot="0">
-          <a:off x="914400" y="1828800"/>
-          <a:ext cx="9144000" cy="5486400"/>
-        </p:xfrm>
-        <a:graphic>
-          <a:graphicData uri="http://schemas.openxmlformats.org/drawingml/2006/table">
-            <a:tbl>
-              <a:tblPr/>
-              <a:tblGrid>
-                <a:gridCol w="2011680"/>
-                <a:gridCol w="2011680"/>
-                <a:gridCol w="2011680"/>
-              </a:tblGrid>
-              <a:tr h="366503">
-                <a:tc gridSpan="3">
-                  <a:txBody>
-                    <a:bodyPr/>
-                    <a:lstStyle/>
-                    <a:p>
-                      <a:pPr algn="ctr" marL="63500" marR="63500">
-                        <a:lnSpc>
-                          <a:spcPct val="100000"/>
-                        </a:lnSpc>
-                        <a:spcBef>
-                          <a:spcPts val="500"/>
-                        </a:spcBef>
-                        <a:spcAft>
-                          <a:spcPts val="500"/>
-                        </a:spcAft>
-                        <a:buNone/>
-                      </a:pPr>
-                      <a:r>
-                        <a:rPr sz="1800" b="1">
-                          <a:solidFill>
-                            <a:srgbClr val="FFFFFF">
-                              <a:alpha val="100000"/>
-                            </a:srgbClr>
-                          </a:solidFill>
-                          <a:latin typeface="Arial"/>
-                          <a:cs typeface="Arial"/>
-                          <a:ea typeface="Arial"/>
-                          <a:sym typeface="Arial"/>
-                        </a:rPr>
-                        <a:t>FY2023 Contributions</a:t>
-                      </a:r>
-                    </a:p>
-                  </a:txBody>
-                  <a:tcPr anchor="ctr" marB="0" marT="0" marR="0" marL="0">
-                    <a:lnL w="12700" cmpd="sng" algn="ctr" cap="flat">
-                      <a:solidFill>
-                        <a:srgbClr val="FFFFFF">
-                          <a:alpha val="100000"/>
-                        </a:srgbClr>
-                      </a:solidFill>
-                      <a:prstDash val="solid"/>
-                    </a:lnL>
-                    <a:lnR w="12700" cmpd="sng" algn="ctr" cap="flat">
-                      <a:solidFill>
-                        <a:srgbClr val="FFFFFF">
-                          <a:alpha val="100000"/>
-                        </a:srgbClr>
-                      </a:solidFill>
-                      <a:prstDash val="solid"/>
-                    </a:lnR>
-                    <a:lnT w="12700" cmpd="sng" algn="ctr" cap="flat">
-                      <a:solidFill>
-                        <a:srgbClr val="FFFFFF">
-                          <a:alpha val="100000"/>
-                        </a:srgbClr>
-                      </a:solidFill>
-                      <a:prstDash val="solid"/>
-                    </a:lnT>
-                    <a:lnB w="12700" cmpd="sng" algn="ctr" cap="flat">
-                      <a:solidFill>
-                        <a:srgbClr val="FFFFFF">
-                          <a:alpha val="100000"/>
-                        </a:srgbClr>
-                      </a:solidFill>
-                      <a:prstDash val="solid"/>
-                    </a:lnB>
-                    <a:solidFill>
-                      <a:srgbClr val="101010">
-                        <a:alpha val="100000"/>
-                      </a:srgbClr>
-                    </a:solidFill>
-                  </a:tcPr>
-                </a:tc>
-                <a:tc hMerge="true">
-                  <a:txBody>
-                    <a:bodyPr/>
-                    <a:lstStyle/>
-                    <a:p>
-                      <a:pPr algn="ctr" marL="63500" marR="63500">
-                        <a:lnSpc>
-                          <a:spcPct val="100000"/>
-                        </a:lnSpc>
-                        <a:spcBef>
-                          <a:spcPts val="500"/>
-                        </a:spcBef>
-                        <a:spcAft>
-                          <a:spcPts val="500"/>
-                        </a:spcAft>
-                        <a:buNone/>
-                      </a:pPr>
-                      <a:r>
-                        <a:rPr sz="1800" b="1">
-                          <a:solidFill>
-                            <a:srgbClr val="FFFFFF">
-                              <a:alpha val="100000"/>
-                            </a:srgbClr>
-                          </a:solidFill>
-                          <a:latin typeface="Arial"/>
-                          <a:cs typeface="Arial"/>
-                          <a:ea typeface="Arial"/>
-                          <a:sym typeface="Arial"/>
-                        </a:rPr>
-                        <a:t>FY2023 Contributions</a:t>
-                      </a:r>
-                    </a:p>
-                  </a:txBody>
-                  <a:tcPr anchor="ctr" marB="0" marT="0" marR="0" marL="0">
-                    <a:lnL w="12700" cmpd="sng" algn="ctr" cap="flat">
-                      <a:solidFill>
-                        <a:srgbClr val="FFFFFF">
-                          <a:alpha val="100000"/>
-                        </a:srgbClr>
-                      </a:solidFill>
-                      <a:prstDash val="solid"/>
-                    </a:lnL>
-                    <a:lnR w="12700" cmpd="sng" algn="ctr" cap="flat">
-                      <a:solidFill>
-                        <a:srgbClr val="FFFFFF">
-                          <a:alpha val="100000"/>
-                        </a:srgbClr>
-                      </a:solidFill>
-                      <a:prstDash val="solid"/>
-                    </a:lnR>
-                    <a:lnT w="12700" cmpd="sng" algn="ctr" cap="flat">
-                      <a:solidFill>
-                        <a:srgbClr val="FFFFFF">
-                          <a:alpha val="100000"/>
-                        </a:srgbClr>
-                      </a:solidFill>
-                      <a:prstDash val="solid"/>
-                    </a:lnT>
-                    <a:lnB w="12700" cmpd="sng" algn="ctr" cap="flat">
-                      <a:solidFill>
-                        <a:srgbClr val="FFFFFF">
-                          <a:alpha val="100000"/>
-                        </a:srgbClr>
-                      </a:solidFill>
-                      <a:prstDash val="solid"/>
-                    </a:lnB>
-                    <a:solidFill>
-                      <a:srgbClr val="101010">
-                        <a:alpha val="100000"/>
-                      </a:srgbClr>
-                    </a:solidFill>
-                  </a:tcPr>
-                </a:tc>
-                <a:tc hMerge="true">
-                  <a:txBody>
-                    <a:bodyPr/>
-                    <a:lstStyle/>
-                    <a:p>
-                      <a:pPr algn="ctr" marL="63500" marR="63500">
-                        <a:lnSpc>
-                          <a:spcPct val="100000"/>
-                        </a:lnSpc>
-                        <a:spcBef>
-                          <a:spcPts val="500"/>
-                        </a:spcBef>
-                        <a:spcAft>
-                          <a:spcPts val="500"/>
-                        </a:spcAft>
-                        <a:buNone/>
-                      </a:pPr>
-                      <a:r>
-                        <a:rPr sz="1800" b="1">
-                          <a:solidFill>
-                            <a:srgbClr val="FFFFFF">
-                              <a:alpha val="100000"/>
-                            </a:srgbClr>
-                          </a:solidFill>
-                          <a:latin typeface="Arial"/>
-                          <a:cs typeface="Arial"/>
-                          <a:ea typeface="Arial"/>
-                          <a:sym typeface="Arial"/>
-                        </a:rPr>
-                        <a:t>FY2023 Contributions</a:t>
-                      </a:r>
-                    </a:p>
-                  </a:txBody>
-                  <a:tcPr anchor="ctr" marB="0" marT="0" marR="0" marL="0">
-                    <a:lnL w="12700" cmpd="sng" algn="ctr" cap="flat">
-                      <a:solidFill>
-                        <a:srgbClr val="FFFFFF">
-                          <a:alpha val="100000"/>
-                        </a:srgbClr>
-                      </a:solidFill>
-                      <a:prstDash val="solid"/>
-                    </a:lnL>
-                    <a:lnR w="12700" cmpd="sng" algn="ctr" cap="flat">
-                      <a:solidFill>
-                        <a:srgbClr val="FFFFFF">
-                          <a:alpha val="100000"/>
-                        </a:srgbClr>
-                      </a:solidFill>
-                      <a:prstDash val="solid"/>
-                    </a:lnR>
-                    <a:lnT w="12700" cmpd="sng" algn="ctr" cap="flat">
-                      <a:solidFill>
-                        <a:srgbClr val="FFFFFF">
-                          <a:alpha val="100000"/>
-                        </a:srgbClr>
-                      </a:solidFill>
-                      <a:prstDash val="solid"/>
-                    </a:lnT>
-                    <a:lnB w="12700" cmpd="sng" algn="ctr" cap="flat">
-                      <a:solidFill>
-                        <a:srgbClr val="FFFFFF">
-                          <a:alpha val="100000"/>
-                        </a:srgbClr>
-                      </a:solidFill>
-                      <a:prstDash val="solid"/>
-                    </a:lnB>
-                    <a:solidFill>
-                      <a:srgbClr val="101010">
-                        <a:alpha val="100000"/>
-                      </a:srgbClr>
-                    </a:solidFill>
-                  </a:tcPr>
-                </a:tc>
-              </a:tr>
-              <a:tr h="393652">
-                <a:tc>
-                  <a:txBody>
-                    <a:bodyPr/>
-                    <a:lstStyle/>
-                    <a:p>
-                      <a:pPr algn="ctr" marL="63500" marR="63500">
-                        <a:lnSpc>
-                          <a:spcPct val="100000"/>
-                        </a:lnSpc>
-                        <a:spcBef>
-                          <a:spcPts val="500"/>
-                        </a:spcBef>
-                        <a:spcAft>
-                          <a:spcPts val="500"/>
-                        </a:spcAft>
-                        <a:buNone/>
-                      </a:pPr>
-                      <a:r>
-                        <a:rPr sz="1800" b="1">
-                          <a:solidFill>
-                            <a:srgbClr val="FFFFFF">
-                              <a:alpha val="100000"/>
-                            </a:srgbClr>
-                          </a:solidFill>
-                          <a:latin typeface="Arial"/>
-                          <a:cs typeface="Arial"/>
-                          <a:ea typeface="Arial"/>
-                          <a:sym typeface="Arial"/>
-                        </a:rPr>
-                        <a:t>Contribution Type</a:t>
-                      </a:r>
-                    </a:p>
-                  </a:txBody>
-                  <a:tcPr anchor="ctr" marB="0" marT="0" marR="0" marL="0">
-                    <a:lnL w="12700" cmpd="sng" algn="ctr" cap="flat">
-                      <a:solidFill>
-                        <a:srgbClr val="FFFFFF">
-                          <a:alpha val="100000"/>
-                        </a:srgbClr>
-                      </a:solidFill>
-                      <a:prstDash val="solid"/>
-                    </a:lnL>
-                    <a:lnR w="12700" cmpd="sng" algn="ctr" cap="flat">
-                      <a:solidFill>
-                        <a:srgbClr val="FFFFFF">
-                          <a:alpha val="100000"/>
-                        </a:srgbClr>
-                      </a:solidFill>
-                      <a:prstDash val="solid"/>
-                    </a:lnR>
-                    <a:lnT w="12700" cmpd="sng" algn="ctr" cap="flat">
-                      <a:solidFill>
-                        <a:srgbClr val="FFFFFF">
-                          <a:alpha val="100000"/>
-                        </a:srgbClr>
-                      </a:solidFill>
-                      <a:prstDash val="solid"/>
-                    </a:lnT>
-                    <a:lnB w="25400" cmpd="sng" algn="ctr" cap="flat">
-                      <a:solidFill>
-                        <a:srgbClr val="FF6633">
-                          <a:alpha val="100000"/>
-                        </a:srgbClr>
-                      </a:solidFill>
-                      <a:prstDash val="solid"/>
-                    </a:lnB>
-                    <a:solidFill>
-                      <a:srgbClr val="101010">
-                        <a:alpha val="100000"/>
-                      </a:srgbClr>
-                    </a:solidFill>
-                  </a:tcPr>
-                </a:tc>
-                <a:tc>
-                  <a:txBody>
-                    <a:bodyPr/>
-                    <a:lstStyle/>
-                    <a:p>
-                      <a:pPr algn="ctr" marL="63500" marR="63500">
-                        <a:lnSpc>
-                          <a:spcPct val="100000"/>
-                        </a:lnSpc>
-                        <a:spcBef>
-                          <a:spcPts val="500"/>
-                        </a:spcBef>
-                        <a:spcAft>
-                          <a:spcPts val="500"/>
-                        </a:spcAft>
-                        <a:buNone/>
-                      </a:pPr>
-                      <a:r>
-                        <a:rPr sz="1800" b="1">
-                          <a:solidFill>
-                            <a:srgbClr val="FFFFFF">
-                              <a:alpha val="100000"/>
-                            </a:srgbClr>
-                          </a:solidFill>
-                          <a:latin typeface="Arial"/>
-                          <a:cs typeface="Arial"/>
-                          <a:ea typeface="Arial"/>
-                          <a:sym typeface="Arial"/>
-                        </a:rPr>
-                        <a:t>% of Payroll</a:t>
-                      </a:r>
-                    </a:p>
-                  </a:txBody>
-                  <a:tcPr anchor="ctr" marB="0" marT="0" marR="0" marL="0">
-                    <a:lnL w="12700" cmpd="sng" algn="ctr" cap="flat">
-                      <a:solidFill>
-                        <a:srgbClr val="FFFFFF">
-                          <a:alpha val="100000"/>
-                        </a:srgbClr>
-                      </a:solidFill>
-                      <a:prstDash val="solid"/>
-                    </a:lnL>
-                    <a:lnR w="12700" cmpd="sng" algn="ctr" cap="flat">
-                      <a:solidFill>
-                        <a:srgbClr val="FFFFFF">
-                          <a:alpha val="100000"/>
-                        </a:srgbClr>
-                      </a:solidFill>
-                      <a:prstDash val="solid"/>
-                    </a:lnR>
-                    <a:lnT w="12700" cmpd="sng" algn="ctr" cap="flat">
-                      <a:solidFill>
-                        <a:srgbClr val="FFFFFF">
-                          <a:alpha val="100000"/>
-                        </a:srgbClr>
-                      </a:solidFill>
-                      <a:prstDash val="solid"/>
-                    </a:lnT>
-                    <a:lnB w="25400" cmpd="sng" algn="ctr" cap="flat">
-                      <a:solidFill>
-                        <a:srgbClr val="FF6633">
-                          <a:alpha val="100000"/>
-                        </a:srgbClr>
-                      </a:solidFill>
-                      <a:prstDash val="solid"/>
-                    </a:lnB>
-                    <a:solidFill>
-                      <a:srgbClr val="101010">
-                        <a:alpha val="100000"/>
-                      </a:srgbClr>
-                    </a:solidFill>
-                  </a:tcPr>
-                </a:tc>
-                <a:tc>
-                  <a:txBody>
-                    <a:bodyPr/>
-                    <a:lstStyle/>
-                    <a:p>
-                      <a:pPr algn="ctr" marL="63500" marR="63500">
-                        <a:lnSpc>
-                          <a:spcPct val="100000"/>
-                        </a:lnSpc>
-                        <a:spcBef>
-                          <a:spcPts val="500"/>
-                        </a:spcBef>
-                        <a:spcAft>
-                          <a:spcPts val="500"/>
-                        </a:spcAft>
-                        <a:buNone/>
-                      </a:pPr>
-                      <a:r>
-                        <a:rPr sz="1800" b="1">
-                          <a:solidFill>
-                            <a:srgbClr val="FFFFFF">
-                              <a:alpha val="100000"/>
-                            </a:srgbClr>
-                          </a:solidFill>
-                          <a:latin typeface="Arial"/>
-                          <a:cs typeface="Arial"/>
-                          <a:ea typeface="Arial"/>
-                          <a:sym typeface="Arial"/>
-                        </a:rPr>
-                        <a:t>$ Value</a:t>
-                      </a:r>
-                    </a:p>
-                  </a:txBody>
-                  <a:tcPr anchor="ctr" marB="0" marT="0" marR="0" marL="0">
-                    <a:lnL w="12700" cmpd="sng" algn="ctr" cap="flat">
-                      <a:solidFill>
-                        <a:srgbClr val="FFFFFF">
-                          <a:alpha val="100000"/>
-                        </a:srgbClr>
-                      </a:solidFill>
-                      <a:prstDash val="solid"/>
-                    </a:lnL>
-                    <a:lnR w="12700" cmpd="sng" algn="ctr" cap="flat">
-                      <a:solidFill>
-                        <a:srgbClr val="FFFFFF">
-                          <a:alpha val="100000"/>
-                        </a:srgbClr>
-                      </a:solidFill>
-                      <a:prstDash val="solid"/>
-                    </a:lnR>
-                    <a:lnT w="12700" cmpd="sng" algn="ctr" cap="flat">
-                      <a:solidFill>
-                        <a:srgbClr val="FFFFFF">
-                          <a:alpha val="100000"/>
-                        </a:srgbClr>
-                      </a:solidFill>
-                      <a:prstDash val="solid"/>
-                    </a:lnT>
-                    <a:lnB w="25400" cmpd="sng" algn="ctr" cap="flat">
-                      <a:solidFill>
-                        <a:srgbClr val="FF6633">
-                          <a:alpha val="100000"/>
-                        </a:srgbClr>
-                      </a:solidFill>
-                      <a:prstDash val="solid"/>
-                    </a:lnB>
-                    <a:solidFill>
-                      <a:srgbClr val="101010">
-                        <a:alpha val="100000"/>
-                      </a:srgbClr>
-                    </a:solidFill>
-                  </a:tcPr>
-                </a:tc>
-              </a:tr>
-              <a:tr h="390924">
-                <a:tc>
-                  <a:txBody>
-                    <a:bodyPr/>
-                    <a:lstStyle/>
-                    <a:p>
-                      <a:pPr algn="ctr" marL="63500" marR="63500">
-                        <a:lnSpc>
-                          <a:spcPct val="100000"/>
-                        </a:lnSpc>
-                        <a:spcBef>
-                          <a:spcPts val="500"/>
-                        </a:spcBef>
-                        <a:spcAft>
-                          <a:spcPts val="500"/>
-                        </a:spcAft>
-                        <a:buNone/>
-                      </a:pPr>
-                      <a:r>
-                        <a:rPr sz="1800" b="1">
-                          <a:solidFill>
-                            <a:srgbClr val="000000">
-                              <a:alpha val="100000"/>
-                            </a:srgbClr>
-                          </a:solidFill>
-                          <a:latin typeface="Arial"/>
-                          <a:cs typeface="Arial"/>
-                          <a:ea typeface="Arial"/>
-                          <a:sym typeface="Arial"/>
-                        </a:rPr>
-                        <a:t>Total Employee</a:t>
-                      </a:r>
-                    </a:p>
-                  </a:txBody>
-                  <a:tcPr anchor="ctr" marB="0" marT="0" marR="0" marL="0">
-                    <a:lnL w="12700" cmpd="sng" algn="ctr" cap="flat">
-                      <a:solidFill>
-                        <a:srgbClr val="FFFFFF">
-                          <a:alpha val="100000"/>
-                        </a:srgbClr>
-                      </a:solidFill>
-                      <a:prstDash val="solid"/>
-                    </a:lnL>
-                    <a:lnR w="12700" cmpd="sng" algn="ctr" cap="flat">
-                      <a:solidFill>
-                        <a:srgbClr val="FFFFFF">
-                          <a:alpha val="100000"/>
-                        </a:srgbClr>
-                      </a:solidFill>
-                      <a:prstDash val="solid"/>
-                    </a:lnR>
-                    <a:lnT w="0" cmpd="sng" algn="ctr" cap="flat">
-                      <a:solidFill>
-                        <a:srgbClr val="FFFFFF">
-                          <a:alpha val="0"/>
-                        </a:srgbClr>
-                      </a:solidFill>
-                      <a:prstDash val="solid"/>
-                    </a:lnT>
-                    <a:lnB w="12700" cmpd="sng" algn="ctr" cap="flat">
-                      <a:solidFill>
-                        <a:srgbClr val="FFFFFF">
-                          <a:alpha val="100000"/>
-                        </a:srgbClr>
-                      </a:solidFill>
-                      <a:prstDash val="solid"/>
-                    </a:lnB>
-                    <a:solidFill>
-                      <a:srgbClr val="D3D8DD">
-                        <a:alpha val="100000"/>
-                      </a:srgbClr>
-                    </a:solidFill>
-                  </a:tcPr>
-                </a:tc>
-                <a:tc>
-                  <a:txBody>
-                    <a:bodyPr/>
-                    <a:lstStyle/>
-                    <a:p>
-                      <a:pPr algn="ctr" marL="63500" marR="63500">
-                        <a:lnSpc>
-                          <a:spcPct val="100000"/>
-                        </a:lnSpc>
-                        <a:spcBef>
-                          <a:spcPts val="500"/>
-                        </a:spcBef>
-                        <a:spcAft>
-                          <a:spcPts val="500"/>
-                        </a:spcAft>
-                        <a:buNone/>
-                      </a:pPr>
-                      <a:r>
-                        <a:rPr sz="1800" b="1">
-                          <a:solidFill>
-                            <a:srgbClr val="000000">
-                              <a:alpha val="100000"/>
-                            </a:srgbClr>
-                          </a:solidFill>
-                          <a:latin typeface="Arial"/>
-                          <a:cs typeface="Arial"/>
-                          <a:ea typeface="Arial"/>
-                          <a:sym typeface="Arial"/>
-                        </a:rPr>
-                        <a:t>12.0%</a:t>
-                      </a:r>
-                    </a:p>
-                  </a:txBody>
-                  <a:tcPr anchor="ctr" marB="0" marT="0" marR="0" marL="0">
-                    <a:lnL w="12700" cmpd="sng" algn="ctr" cap="flat">
-                      <a:solidFill>
-                        <a:srgbClr val="FFFFFF">
-                          <a:alpha val="100000"/>
-                        </a:srgbClr>
-                      </a:solidFill>
-                      <a:prstDash val="solid"/>
-                    </a:lnL>
-                    <a:lnR w="12700" cmpd="sng" algn="ctr" cap="flat">
-                      <a:solidFill>
-                        <a:srgbClr val="FFFFFF">
-                          <a:alpha val="100000"/>
-                        </a:srgbClr>
-                      </a:solidFill>
-                      <a:prstDash val="solid"/>
-                    </a:lnR>
-                    <a:lnT w="0" cmpd="sng" algn="ctr" cap="flat">
-                      <a:solidFill>
-                        <a:srgbClr val="FFFFFF">
-                          <a:alpha val="0"/>
-                        </a:srgbClr>
-                      </a:solidFill>
-                      <a:prstDash val="solid"/>
-                    </a:lnT>
-                    <a:lnB w="12700" cmpd="sng" algn="ctr" cap="flat">
-                      <a:solidFill>
-                        <a:srgbClr val="FFFFFF">
-                          <a:alpha val="100000"/>
-                        </a:srgbClr>
-                      </a:solidFill>
-                      <a:prstDash val="solid"/>
-                    </a:lnB>
-                    <a:solidFill>
-                      <a:srgbClr val="D3D8DD">
-                        <a:alpha val="100000"/>
-                      </a:srgbClr>
-                    </a:solidFill>
-                  </a:tcPr>
-                </a:tc>
-                <a:tc>
-                  <a:txBody>
-                    <a:bodyPr/>
-                    <a:lstStyle/>
-                    <a:p>
-                      <a:pPr algn="ctr" marL="63500" marR="63500">
-                        <a:lnSpc>
-                          <a:spcPct val="100000"/>
-                        </a:lnSpc>
-                        <a:spcBef>
-                          <a:spcPts val="500"/>
-                        </a:spcBef>
-                        <a:spcAft>
-                          <a:spcPts val="500"/>
-                        </a:spcAft>
-                        <a:buNone/>
-                      </a:pPr>
-                      <a:r>
-                        <a:rPr sz="1800" b="1">
-                          <a:solidFill>
-                            <a:srgbClr val="000000">
-                              <a:alpha val="100000"/>
-                            </a:srgbClr>
-                          </a:solidFill>
-                          <a:latin typeface="Arial"/>
-                          <a:cs typeface="Arial"/>
-                          <a:ea typeface="Arial"/>
-                          <a:sym typeface="Arial"/>
-                        </a:rPr>
-                        <a:t>$1,321,694,000</a:t>
-                      </a:r>
-                    </a:p>
-                  </a:txBody>
-                  <a:tcPr anchor="ctr" marB="0" marT="0" marR="0" marL="0">
-                    <a:lnL w="12700" cmpd="sng" algn="ctr" cap="flat">
-                      <a:solidFill>
-                        <a:srgbClr val="FFFFFF">
-                          <a:alpha val="100000"/>
-                        </a:srgbClr>
-                      </a:solidFill>
-                      <a:prstDash val="solid"/>
-                    </a:lnL>
-                    <a:lnR w="12700" cmpd="sng" algn="ctr" cap="flat">
-                      <a:solidFill>
-                        <a:srgbClr val="FFFFFF">
-                          <a:alpha val="100000"/>
-                        </a:srgbClr>
-                      </a:solidFill>
-                      <a:prstDash val="solid"/>
-                    </a:lnR>
-                    <a:lnT w="0" cmpd="sng" algn="ctr" cap="flat">
-                      <a:solidFill>
-                        <a:srgbClr val="FFFFFF">
-                          <a:alpha val="0"/>
-                        </a:srgbClr>
-                      </a:solidFill>
-                      <a:prstDash val="solid"/>
-                    </a:lnT>
-                    <a:lnB w="12700" cmpd="sng" algn="ctr" cap="flat">
-                      <a:solidFill>
-                        <a:srgbClr val="FFFFFF">
-                          <a:alpha val="100000"/>
-                        </a:srgbClr>
-                      </a:solidFill>
-                      <a:prstDash val="solid"/>
-                    </a:lnB>
-                    <a:solidFill>
-                      <a:srgbClr val="D3D8DD">
-                        <a:alpha val="100000"/>
-                      </a:srgbClr>
-                    </a:solidFill>
-                  </a:tcPr>
-                </a:tc>
-              </a:tr>
-              <a:tr h="390924">
-                <a:tc>
-                  <a:txBody>
-                    <a:bodyPr/>
-                    <a:lstStyle/>
-                    <a:p>
-                      <a:pPr algn="ctr" marL="63500" marR="63500">
-                        <a:lnSpc>
-                          <a:spcPct val="100000"/>
-                        </a:lnSpc>
-                        <a:spcBef>
-                          <a:spcPts val="500"/>
-                        </a:spcBef>
-                        <a:spcAft>
-                          <a:spcPts val="500"/>
-                        </a:spcAft>
-                        <a:buNone/>
-                      </a:pPr>
-                      <a:r>
-                        <a:rPr sz="1800" b="1">
-                          <a:solidFill>
-                            <a:srgbClr val="000000">
-                              <a:alpha val="100000"/>
-                            </a:srgbClr>
-                          </a:solidFill>
-                          <a:latin typeface="Arial"/>
-                          <a:cs typeface="Arial"/>
-                          <a:ea typeface="Arial"/>
-                          <a:sym typeface="Arial"/>
-                        </a:rPr>
-                        <a:t>Total Employer</a:t>
-                      </a:r>
-                    </a:p>
-                  </a:txBody>
-                  <a:tcPr anchor="ctr" marB="0" marT="0" marR="0" marL="0">
-                    <a:lnL w="12700" cmpd="sng" algn="ctr" cap="flat">
-                      <a:solidFill>
-                        <a:srgbClr val="FFFFFF">
-                          <a:alpha val="100000"/>
-                        </a:srgbClr>
-                      </a:solidFill>
-                      <a:prstDash val="solid"/>
-                    </a:lnL>
-                    <a:lnR w="12700" cmpd="sng" algn="ctr" cap="flat">
-                      <a:solidFill>
-                        <a:srgbClr val="FFFFFF">
-                          <a:alpha val="100000"/>
-                        </a:srgbClr>
-                      </a:solidFill>
-                      <a:prstDash val="solid"/>
-                    </a:lnR>
-                    <a:lnT w="12700" cmpd="sng" algn="ctr" cap="flat">
-                      <a:solidFill>
-                        <a:srgbClr val="FFFFFF">
-                          <a:alpha val="100000"/>
-                        </a:srgbClr>
-                      </a:solidFill>
-                      <a:prstDash val="solid"/>
-                    </a:lnT>
-                    <a:lnB w="12700" cmpd="sng" algn="ctr" cap="flat">
-                      <a:solidFill>
-                        <a:srgbClr val="FFFFFF">
-                          <a:alpha val="100000"/>
-                        </a:srgbClr>
-                      </a:solidFill>
-                      <a:prstDash val="solid"/>
-                    </a:lnB>
-                    <a:solidFill>
-                      <a:srgbClr val="D3D8DD">
-                        <a:alpha val="100000"/>
-                      </a:srgbClr>
-                    </a:solidFill>
-                  </a:tcPr>
-                </a:tc>
-                <a:tc>
-                  <a:txBody>
-                    <a:bodyPr/>
-                    <a:lstStyle/>
-                    <a:p>
-                      <a:pPr algn="ctr" marL="63500" marR="63500">
-                        <a:lnSpc>
-                          <a:spcPct val="100000"/>
-                        </a:lnSpc>
-                        <a:spcBef>
-                          <a:spcPts val="500"/>
-                        </a:spcBef>
-                        <a:spcAft>
-                          <a:spcPts val="500"/>
-                        </a:spcAft>
-                        <a:buNone/>
-                      </a:pPr>
-                      <a:r>
-                        <a:rPr sz="1800" b="1">
-                          <a:solidFill>
-                            <a:srgbClr val="000000">
-                              <a:alpha val="100000"/>
-                            </a:srgbClr>
-                          </a:solidFill>
-                          <a:latin typeface="Arial"/>
-                          <a:cs typeface="Arial"/>
-                          <a:ea typeface="Arial"/>
-                          <a:sym typeface="Arial"/>
-                        </a:rPr>
-                        <a:t>12.0%</a:t>
-                      </a:r>
-                    </a:p>
-                  </a:txBody>
-                  <a:tcPr anchor="ctr" marB="0" marT="0" marR="0" marL="0">
-                    <a:lnL w="12700" cmpd="sng" algn="ctr" cap="flat">
-                      <a:solidFill>
-                        <a:srgbClr val="FFFFFF">
-                          <a:alpha val="100000"/>
-                        </a:srgbClr>
-                      </a:solidFill>
-                      <a:prstDash val="solid"/>
-                    </a:lnL>
-                    <a:lnR w="12700" cmpd="sng" algn="ctr" cap="flat">
-                      <a:solidFill>
-                        <a:srgbClr val="FFFFFF">
-                          <a:alpha val="100000"/>
-                        </a:srgbClr>
-                      </a:solidFill>
-                      <a:prstDash val="solid"/>
-                    </a:lnR>
-                    <a:lnT w="12700" cmpd="sng" algn="ctr" cap="flat">
-                      <a:solidFill>
-                        <a:srgbClr val="FFFFFF">
-                          <a:alpha val="100000"/>
-                        </a:srgbClr>
-                      </a:solidFill>
-                      <a:prstDash val="solid"/>
-                    </a:lnT>
-                    <a:lnB w="12700" cmpd="sng" algn="ctr" cap="flat">
-                      <a:solidFill>
-                        <a:srgbClr val="FFFFFF">
-                          <a:alpha val="100000"/>
-                        </a:srgbClr>
-                      </a:solidFill>
-                      <a:prstDash val="solid"/>
-                    </a:lnB>
-                    <a:solidFill>
-                      <a:srgbClr val="D3D8DD">
-                        <a:alpha val="100000"/>
-                      </a:srgbClr>
-                    </a:solidFill>
-                  </a:tcPr>
-                </a:tc>
-                <a:tc>
-                  <a:txBody>
-                    <a:bodyPr/>
-                    <a:lstStyle/>
-                    <a:p>
-                      <a:pPr algn="ctr" marL="63500" marR="63500">
-                        <a:lnSpc>
-                          <a:spcPct val="100000"/>
-                        </a:lnSpc>
-                        <a:spcBef>
-                          <a:spcPts val="500"/>
-                        </a:spcBef>
-                        <a:spcAft>
-                          <a:spcPts val="500"/>
-                        </a:spcAft>
-                        <a:buNone/>
-                      </a:pPr>
-                      <a:r>
-                        <a:rPr sz="1800" b="1">
-                          <a:solidFill>
-                            <a:srgbClr val="000000">
-                              <a:alpha val="100000"/>
-                            </a:srgbClr>
-                          </a:solidFill>
-                          <a:latin typeface="Arial"/>
-                          <a:cs typeface="Arial"/>
-                          <a:ea typeface="Arial"/>
-                          <a:sym typeface="Arial"/>
-                        </a:rPr>
-                        <a:t>$1,381,021,862</a:t>
-                      </a:r>
-                    </a:p>
-                  </a:txBody>
-                  <a:tcPr anchor="ctr" marB="0" marT="0" marR="0" marL="0">
-                    <a:lnL w="12700" cmpd="sng" algn="ctr" cap="flat">
-                      <a:solidFill>
-                        <a:srgbClr val="FFFFFF">
-                          <a:alpha val="100000"/>
-                        </a:srgbClr>
-                      </a:solidFill>
-                      <a:prstDash val="solid"/>
-                    </a:lnL>
-                    <a:lnR w="12700" cmpd="sng" algn="ctr" cap="flat">
-                      <a:solidFill>
-                        <a:srgbClr val="FFFFFF">
-                          <a:alpha val="100000"/>
-                        </a:srgbClr>
-                      </a:solidFill>
-                      <a:prstDash val="solid"/>
-                    </a:lnR>
-                    <a:lnT w="12700" cmpd="sng" algn="ctr" cap="flat">
-                      <a:solidFill>
-                        <a:srgbClr val="FFFFFF">
-                          <a:alpha val="100000"/>
-                        </a:srgbClr>
-                      </a:solidFill>
-                      <a:prstDash val="solid"/>
-                    </a:lnT>
-                    <a:lnB w="12700" cmpd="sng" algn="ctr" cap="flat">
-                      <a:solidFill>
-                        <a:srgbClr val="FFFFFF">
-                          <a:alpha val="100000"/>
-                        </a:srgbClr>
-                      </a:solidFill>
-                      <a:prstDash val="solid"/>
-                    </a:lnB>
-                    <a:solidFill>
-                      <a:srgbClr val="D3D8DD">
-                        <a:alpha val="100000"/>
-                      </a:srgbClr>
-                    </a:solidFill>
-                  </a:tcPr>
-                </a:tc>
-              </a:tr>
-              <a:tr h="392561">
-                <a:tc>
-                  <a:txBody>
-                    <a:bodyPr/>
-                    <a:lstStyle/>
-                    <a:p>
-                      <a:pPr algn="r" marL="63500" marR="63500">
-                        <a:lnSpc>
-                          <a:spcPct val="100000"/>
-                        </a:lnSpc>
-                        <a:spcBef>
-                          <a:spcPts val="500"/>
-                        </a:spcBef>
-                        <a:spcAft>
-                          <a:spcPts val="500"/>
-                        </a:spcAft>
-                        <a:buNone/>
-                      </a:pPr>
-                      <a:r>
-                        <a:rPr sz="1200" i="1" b="1">
-                          <a:solidFill>
-                            <a:srgbClr val="000000">
-                              <a:alpha val="100000"/>
-                            </a:srgbClr>
-                          </a:solidFill>
-                          <a:latin typeface="Arial"/>
-                          <a:cs typeface="Arial"/>
-                          <a:ea typeface="Arial"/>
-                          <a:sym typeface="Arial"/>
-                        </a:rPr>
-                        <a:t>Employer (Debt Amortization)</a:t>
-                      </a:r>
-                    </a:p>
-                  </a:txBody>
-                  <a:tcPr anchor="ctr" marB="0" marT="0" marR="0" marL="0">
-                    <a:lnL w="12700" cmpd="sng" algn="ctr" cap="flat">
-                      <a:solidFill>
-                        <a:srgbClr val="FFFFFF">
-                          <a:alpha val="100000"/>
-                        </a:srgbClr>
-                      </a:solidFill>
-                      <a:prstDash val="solid"/>
-                    </a:lnL>
-                    <a:lnR w="12700" cmpd="sng" algn="ctr" cap="flat">
-                      <a:solidFill>
-                        <a:srgbClr val="FFFFFF">
-                          <a:alpha val="100000"/>
-                        </a:srgbClr>
-                      </a:solidFill>
-                      <a:prstDash val="solid"/>
-                    </a:lnR>
-                    <a:lnT w="12700" cmpd="sng" algn="ctr" cap="flat">
-                      <a:solidFill>
-                        <a:srgbClr val="FFFFFF">
-                          <a:alpha val="100000"/>
-                        </a:srgbClr>
-                      </a:solidFill>
-                      <a:prstDash val="solid"/>
-                    </a:lnT>
-                    <a:lnB w="12700" cmpd="sng" algn="ctr" cap="flat">
-                      <a:solidFill>
-                        <a:srgbClr val="FFFFFF">
-                          <a:alpha val="100000"/>
-                        </a:srgbClr>
-                      </a:solidFill>
-                      <a:prstDash val="solid"/>
-                    </a:lnB>
-                    <a:solidFill>
-                      <a:srgbClr val="D3D8DD">
-                        <a:alpha val="100000"/>
-                      </a:srgbClr>
-                    </a:solidFill>
-                  </a:tcPr>
-                </a:tc>
-                <a:tc>
-                  <a:txBody>
-                    <a:bodyPr/>
-                    <a:lstStyle/>
-                    <a:p>
-                      <a:pPr algn="r" marL="63500" marR="63500">
-                        <a:lnSpc>
-                          <a:spcPct val="100000"/>
-                        </a:lnSpc>
-                        <a:spcBef>
-                          <a:spcPts val="500"/>
-                        </a:spcBef>
-                        <a:spcAft>
-                          <a:spcPts val="500"/>
-                        </a:spcAft>
-                        <a:buNone/>
-                      </a:pPr>
-                      <a:r>
-                        <a:rPr sz="1200" i="1" b="1">
-                          <a:solidFill>
-                            <a:srgbClr val="000000">
-                              <a:alpha val="100000"/>
-                            </a:srgbClr>
-                          </a:solidFill>
-                          <a:latin typeface="Arial"/>
-                          <a:cs typeface="Arial"/>
-                          <a:ea typeface="Arial"/>
-                          <a:sym typeface="Arial"/>
-                        </a:rPr>
-                        <a:t>10.0%</a:t>
-                      </a:r>
-                    </a:p>
-                  </a:txBody>
-                  <a:tcPr anchor="ctr" marB="0" marT="0" marR="0" marL="0">
-                    <a:lnL w="12700" cmpd="sng" algn="ctr" cap="flat">
-                      <a:solidFill>
-                        <a:srgbClr val="FFFFFF">
-                          <a:alpha val="100000"/>
-                        </a:srgbClr>
-                      </a:solidFill>
-                      <a:prstDash val="solid"/>
-                    </a:lnL>
-                    <a:lnR w="12700" cmpd="sng" algn="ctr" cap="flat">
-                      <a:solidFill>
-                        <a:srgbClr val="FFFFFF">
-                          <a:alpha val="100000"/>
-                        </a:srgbClr>
-                      </a:solidFill>
-                      <a:prstDash val="solid"/>
-                    </a:lnR>
-                    <a:lnT w="12700" cmpd="sng" algn="ctr" cap="flat">
-                      <a:solidFill>
-                        <a:srgbClr val="FFFFFF">
-                          <a:alpha val="100000"/>
-                        </a:srgbClr>
-                      </a:solidFill>
-                      <a:prstDash val="solid"/>
-                    </a:lnT>
-                    <a:lnB w="12700" cmpd="sng" algn="ctr" cap="flat">
-                      <a:solidFill>
-                        <a:srgbClr val="FFFFFF">
-                          <a:alpha val="100000"/>
-                        </a:srgbClr>
-                      </a:solidFill>
-                      <a:prstDash val="solid"/>
-                    </a:lnB>
-                    <a:solidFill>
-                      <a:srgbClr val="D3D8DD">
-                        <a:alpha val="100000"/>
-                      </a:srgbClr>
-                    </a:solidFill>
-                  </a:tcPr>
-                </a:tc>
-                <a:tc>
-                  <a:txBody>
-                    <a:bodyPr/>
-                    <a:lstStyle/>
-                    <a:p>
-                      <a:pPr algn="r" marL="63500" marR="63500">
-                        <a:lnSpc>
-                          <a:spcPct val="100000"/>
-                        </a:lnSpc>
-                        <a:spcBef>
-                          <a:spcPts val="500"/>
-                        </a:spcBef>
-                        <a:spcAft>
-                          <a:spcPts val="500"/>
-                        </a:spcAft>
-                        <a:buNone/>
-                      </a:pPr>
-                      <a:r>
-                        <a:rPr sz="1200" i="1" b="1">
-                          <a:solidFill>
-                            <a:srgbClr val="000000">
-                              <a:alpha val="100000"/>
-                            </a:srgbClr>
-                          </a:solidFill>
-                          <a:latin typeface="Arial"/>
-                          <a:cs typeface="Arial"/>
-                          <a:ea typeface="Arial"/>
-                          <a:sym typeface="Arial"/>
-                        </a:rPr>
-                        <a:t>$1,163,209,689</a:t>
-                      </a:r>
-                    </a:p>
-                  </a:txBody>
-                  <a:tcPr anchor="ctr" marB="0" marT="0" marR="0" marL="0">
-                    <a:lnL w="12700" cmpd="sng" algn="ctr" cap="flat">
-                      <a:solidFill>
-                        <a:srgbClr val="FFFFFF">
-                          <a:alpha val="100000"/>
-                        </a:srgbClr>
-                      </a:solidFill>
-                      <a:prstDash val="solid"/>
-                    </a:lnL>
-                    <a:lnR w="12700" cmpd="sng" algn="ctr" cap="flat">
-                      <a:solidFill>
-                        <a:srgbClr val="FFFFFF">
-                          <a:alpha val="100000"/>
-                        </a:srgbClr>
-                      </a:solidFill>
-                      <a:prstDash val="solid"/>
-                    </a:lnR>
-                    <a:lnT w="12700" cmpd="sng" algn="ctr" cap="flat">
-                      <a:solidFill>
-                        <a:srgbClr val="FFFFFF">
-                          <a:alpha val="100000"/>
-                        </a:srgbClr>
-                      </a:solidFill>
-                      <a:prstDash val="solid"/>
-                    </a:lnT>
-                    <a:lnB w="12700" cmpd="sng" algn="ctr" cap="flat">
-                      <a:solidFill>
-                        <a:srgbClr val="FFFFFF">
-                          <a:alpha val="100000"/>
-                        </a:srgbClr>
-                      </a:solidFill>
-                      <a:prstDash val="solid"/>
-                    </a:lnB>
-                    <a:solidFill>
-                      <a:srgbClr val="D3D8DD">
-                        <a:alpha val="100000"/>
-                      </a:srgbClr>
-                    </a:solidFill>
-                  </a:tcPr>
-                </a:tc>
-              </a:tr>
-              <a:tr h="393652">
-                <a:tc>
-                  <a:txBody>
-                    <a:bodyPr/>
-                    <a:lstStyle/>
-                    <a:p>
-                      <a:pPr algn="r" marL="63500" marR="63500">
-                        <a:lnSpc>
-                          <a:spcPct val="100000"/>
-                        </a:lnSpc>
-                        <a:spcBef>
-                          <a:spcPts val="500"/>
-                        </a:spcBef>
-                        <a:spcAft>
-                          <a:spcPts val="500"/>
-                        </a:spcAft>
-                        <a:buNone/>
-                      </a:pPr>
-                      <a:r>
-                        <a:rPr sz="1200" i="1" b="1">
-                          <a:solidFill>
-                            <a:srgbClr val="000000">
-                              <a:alpha val="100000"/>
-                            </a:srgbClr>
-                          </a:solidFill>
-                          <a:latin typeface="Arial"/>
-                          <a:cs typeface="Arial"/>
-                          <a:ea typeface="Arial"/>
-                          <a:sym typeface="Arial"/>
-                        </a:rPr>
-                        <a:t>Employer (Normal Cost)</a:t>
-                      </a:r>
-                    </a:p>
-                  </a:txBody>
-                  <a:tcPr anchor="ctr" marB="0" marT="0" marR="0" marL="0">
-                    <a:lnL w="12700" cmpd="sng" algn="ctr" cap="flat">
-                      <a:solidFill>
-                        <a:srgbClr val="FFFFFF">
-                          <a:alpha val="100000"/>
-                        </a:srgbClr>
-                      </a:solidFill>
-                      <a:prstDash val="solid"/>
-                    </a:lnL>
-                    <a:lnR w="12700" cmpd="sng" algn="ctr" cap="flat">
-                      <a:solidFill>
-                        <a:srgbClr val="FFFFFF">
-                          <a:alpha val="100000"/>
-                        </a:srgbClr>
-                      </a:solidFill>
-                      <a:prstDash val="solid"/>
-                    </a:lnR>
-                    <a:lnT w="12700" cmpd="sng" algn="ctr" cap="flat">
-                      <a:solidFill>
-                        <a:srgbClr val="FFFFFF">
-                          <a:alpha val="100000"/>
-                        </a:srgbClr>
-                      </a:solidFill>
-                      <a:prstDash val="solid"/>
-                    </a:lnT>
-                    <a:lnB w="12700" cmpd="sng" algn="ctr" cap="flat">
-                      <a:solidFill>
-                        <a:srgbClr val="FFFFFF">
-                          <a:alpha val="100000"/>
-                        </a:srgbClr>
-                      </a:solidFill>
-                      <a:prstDash val="solid"/>
-                    </a:lnB>
-                    <a:solidFill>
-                      <a:srgbClr val="D3D8DD">
-                        <a:alpha val="100000"/>
-                      </a:srgbClr>
-                    </a:solidFill>
-                  </a:tcPr>
-                </a:tc>
-                <a:tc>
-                  <a:txBody>
-                    <a:bodyPr/>
-                    <a:lstStyle/>
-                    <a:p>
-                      <a:pPr algn="r" marL="63500" marR="63500">
-                        <a:lnSpc>
-                          <a:spcPct val="100000"/>
-                        </a:lnSpc>
-                        <a:spcBef>
-                          <a:spcPts val="500"/>
-                        </a:spcBef>
-                        <a:spcAft>
-                          <a:spcPts val="500"/>
-                        </a:spcAft>
-                        <a:buNone/>
-                      </a:pPr>
-                      <a:r>
-                        <a:rPr sz="1200" i="1" b="1">
-                          <a:solidFill>
-                            <a:srgbClr val="000000">
-                              <a:alpha val="100000"/>
-                            </a:srgbClr>
-                          </a:solidFill>
-                          <a:latin typeface="Arial"/>
-                          <a:cs typeface="Arial"/>
-                          <a:ea typeface="Arial"/>
-                          <a:sym typeface="Arial"/>
-                        </a:rPr>
-                        <a:t>1.8%</a:t>
-                      </a:r>
-                    </a:p>
-                  </a:txBody>
-                  <a:tcPr anchor="ctr" marB="0" marT="0" marR="0" marL="0">
-                    <a:lnL w="12700" cmpd="sng" algn="ctr" cap="flat">
-                      <a:solidFill>
-                        <a:srgbClr val="FFFFFF">
-                          <a:alpha val="100000"/>
-                        </a:srgbClr>
-                      </a:solidFill>
-                      <a:prstDash val="solid"/>
-                    </a:lnL>
-                    <a:lnR w="12700" cmpd="sng" algn="ctr" cap="flat">
-                      <a:solidFill>
-                        <a:srgbClr val="FFFFFF">
-                          <a:alpha val="100000"/>
-                        </a:srgbClr>
-                      </a:solidFill>
-                      <a:prstDash val="solid"/>
-                    </a:lnR>
-                    <a:lnT w="12700" cmpd="sng" algn="ctr" cap="flat">
-                      <a:solidFill>
-                        <a:srgbClr val="FFFFFF">
-                          <a:alpha val="100000"/>
-                        </a:srgbClr>
-                      </a:solidFill>
-                      <a:prstDash val="solid"/>
-                    </a:lnT>
-                    <a:lnB w="12700" cmpd="sng" algn="ctr" cap="flat">
-                      <a:solidFill>
-                        <a:srgbClr val="FFFFFF">
-                          <a:alpha val="100000"/>
-                        </a:srgbClr>
-                      </a:solidFill>
-                      <a:prstDash val="solid"/>
-                    </a:lnB>
-                    <a:solidFill>
-                      <a:srgbClr val="D3D8DD">
-                        <a:alpha val="100000"/>
-                      </a:srgbClr>
-                    </a:solidFill>
-                  </a:tcPr>
-                </a:tc>
-                <a:tc>
-                  <a:txBody>
-                    <a:bodyPr/>
-                    <a:lstStyle/>
-                    <a:p>
-                      <a:pPr algn="r" marL="63500" marR="63500">
-                        <a:lnSpc>
-                          <a:spcPct val="100000"/>
-                        </a:lnSpc>
-                        <a:spcBef>
-                          <a:spcPts val="500"/>
-                        </a:spcBef>
-                        <a:spcAft>
-                          <a:spcPts val="500"/>
-                        </a:spcAft>
-                        <a:buNone/>
-                      </a:pPr>
-                      <a:r>
-                        <a:rPr sz="1200" i="1" b="1">
-                          <a:solidFill>
-                            <a:srgbClr val="000000">
-                              <a:alpha val="100000"/>
-                            </a:srgbClr>
-                          </a:solidFill>
-                          <a:latin typeface="Arial"/>
-                          <a:cs typeface="Arial"/>
-                          <a:ea typeface="Arial"/>
-                          <a:sym typeface="Arial"/>
-                        </a:rPr>
-                        <a:t>$217,812,173</a:t>
-                      </a:r>
-                    </a:p>
-                  </a:txBody>
-                  <a:tcPr anchor="ctr" marB="0" marT="0" marR="0" marL="0">
-                    <a:lnL w="12700" cmpd="sng" algn="ctr" cap="flat">
-                      <a:solidFill>
-                        <a:srgbClr val="FFFFFF">
-                          <a:alpha val="100000"/>
-                        </a:srgbClr>
-                      </a:solidFill>
-                      <a:prstDash val="solid"/>
-                    </a:lnL>
-                    <a:lnR w="12700" cmpd="sng" algn="ctr" cap="flat">
-                      <a:solidFill>
-                        <a:srgbClr val="FFFFFF">
-                          <a:alpha val="100000"/>
-                        </a:srgbClr>
-                      </a:solidFill>
-                      <a:prstDash val="solid"/>
-                    </a:lnR>
-                    <a:lnT w="12700" cmpd="sng" algn="ctr" cap="flat">
-                      <a:solidFill>
-                        <a:srgbClr val="FFFFFF">
-                          <a:alpha val="100000"/>
-                        </a:srgbClr>
-                      </a:solidFill>
-                      <a:prstDash val="solid"/>
-                    </a:lnT>
-                    <a:lnB w="12700" cmpd="sng" algn="ctr" cap="flat">
-                      <a:solidFill>
-                        <a:srgbClr val="FFFFFF">
-                          <a:alpha val="100000"/>
-                        </a:srgbClr>
-                      </a:solidFill>
-                      <a:prstDash val="solid"/>
-                    </a:lnB>
-                    <a:solidFill>
-                      <a:srgbClr val="D3D8DD">
-                        <a:alpha val="100000"/>
-                      </a:srgbClr>
-                    </a:solidFill>
-                  </a:tcPr>
-                </a:tc>
-              </a:tr>
-              <a:tr h="389832">
-                <a:tc>
-                  <a:txBody>
-                    <a:bodyPr/>
-                    <a:lstStyle/>
-                    <a:p>
-                      <a:pPr algn="ctr" marL="63500" marR="63500">
-                        <a:lnSpc>
-                          <a:spcPct val="100000"/>
-                        </a:lnSpc>
-                        <a:spcBef>
-                          <a:spcPts val="500"/>
-                        </a:spcBef>
-                        <a:spcAft>
-                          <a:spcPts val="500"/>
-                        </a:spcAft>
-                        <a:buNone/>
-                      </a:pPr>
-                      <a:r>
-                        <a:rPr sz="1800" b="1">
-                          <a:solidFill>
-                            <a:srgbClr val="000000">
-                              <a:alpha val="100000"/>
-                            </a:srgbClr>
-                          </a:solidFill>
-                          <a:latin typeface="Arial"/>
-                          <a:cs typeface="Arial"/>
-                          <a:ea typeface="Arial"/>
-                          <a:sym typeface="Arial"/>
-                        </a:rPr>
-                        <a:t>Total ASRS Contributions</a:t>
-                      </a:r>
-                    </a:p>
-                  </a:txBody>
-                  <a:tcPr anchor="ctr" marB="0" marT="0" marR="0" marL="0">
-                    <a:lnL w="12700" cmpd="sng" algn="ctr" cap="flat">
-                      <a:solidFill>
-                        <a:srgbClr val="FFFFFF">
-                          <a:alpha val="100000"/>
-                        </a:srgbClr>
-                      </a:solidFill>
-                      <a:prstDash val="solid"/>
-                    </a:lnL>
-                    <a:lnR w="12700" cmpd="sng" algn="ctr" cap="flat">
-                      <a:solidFill>
-                        <a:srgbClr val="FFFFFF">
-                          <a:alpha val="100000"/>
-                        </a:srgbClr>
-                      </a:solidFill>
-                      <a:prstDash val="solid"/>
-                    </a:lnR>
-                    <a:lnT w="12700" cmpd="sng" algn="ctr" cap="flat">
-                      <a:solidFill>
-                        <a:srgbClr val="FFFFFF">
-                          <a:alpha val="100000"/>
-                        </a:srgbClr>
-                      </a:solidFill>
-                      <a:prstDash val="solid"/>
-                    </a:lnT>
-                    <a:lnB w="12700" cmpd="sng" algn="ctr" cap="flat">
-                      <a:solidFill>
-                        <a:srgbClr val="FFFFFF">
-                          <a:alpha val="100000"/>
-                        </a:srgbClr>
-                      </a:solidFill>
-                      <a:prstDash val="solid"/>
-                    </a:lnB>
-                    <a:solidFill>
-                      <a:srgbClr val="919DAA">
-                        <a:alpha val="100000"/>
-                      </a:srgbClr>
-                    </a:solidFill>
-                  </a:tcPr>
-                </a:tc>
-                <a:tc>
-                  <a:txBody>
-                    <a:bodyPr/>
-                    <a:lstStyle/>
-                    <a:p>
-                      <a:pPr algn="ctr" marL="63500" marR="63500">
-                        <a:lnSpc>
-                          <a:spcPct val="100000"/>
-                        </a:lnSpc>
-                        <a:spcBef>
-                          <a:spcPts val="500"/>
-                        </a:spcBef>
-                        <a:spcAft>
-                          <a:spcPts val="500"/>
-                        </a:spcAft>
-                        <a:buNone/>
-                      </a:pPr>
-                      <a:r>
-                        <a:rPr sz="1800" b="1">
-                          <a:solidFill>
-                            <a:srgbClr val="000000">
-                              <a:alpha val="100000"/>
-                            </a:srgbClr>
-                          </a:solidFill>
-                          <a:latin typeface="Arial"/>
-                          <a:cs typeface="Arial"/>
-                          <a:ea typeface="Arial"/>
-                          <a:sym typeface="Arial"/>
-                        </a:rPr>
-                        <a:t>24.0%</a:t>
-                      </a:r>
-                    </a:p>
-                  </a:txBody>
-                  <a:tcPr anchor="ctr" marB="0" marT="0" marR="0" marL="0">
-                    <a:lnL w="12700" cmpd="sng" algn="ctr" cap="flat">
-                      <a:solidFill>
-                        <a:srgbClr val="FFFFFF">
-                          <a:alpha val="100000"/>
-                        </a:srgbClr>
-                      </a:solidFill>
-                      <a:prstDash val="solid"/>
-                    </a:lnL>
-                    <a:lnR w="12700" cmpd="sng" algn="ctr" cap="flat">
-                      <a:solidFill>
-                        <a:srgbClr val="FFFFFF">
-                          <a:alpha val="100000"/>
-                        </a:srgbClr>
-                      </a:solidFill>
-                      <a:prstDash val="solid"/>
-                    </a:lnR>
-                    <a:lnT w="12700" cmpd="sng" algn="ctr" cap="flat">
-                      <a:solidFill>
-                        <a:srgbClr val="FFFFFF">
-                          <a:alpha val="100000"/>
-                        </a:srgbClr>
-                      </a:solidFill>
-                      <a:prstDash val="solid"/>
-                    </a:lnT>
-                    <a:lnB w="12700" cmpd="sng" algn="ctr" cap="flat">
-                      <a:solidFill>
-                        <a:srgbClr val="FFFFFF">
-                          <a:alpha val="100000"/>
-                        </a:srgbClr>
-                      </a:solidFill>
-                      <a:prstDash val="solid"/>
-                    </a:lnB>
-                    <a:solidFill>
-                      <a:srgbClr val="919DAA">
-                        <a:alpha val="100000"/>
-                      </a:srgbClr>
-                    </a:solidFill>
-                  </a:tcPr>
-                </a:tc>
-                <a:tc>
-                  <a:txBody>
-                    <a:bodyPr/>
-                    <a:lstStyle/>
-                    <a:p>
-                      <a:pPr algn="ctr" marL="63500" marR="63500">
-                        <a:lnSpc>
-                          <a:spcPct val="100000"/>
-                        </a:lnSpc>
-                        <a:spcBef>
-                          <a:spcPts val="500"/>
-                        </a:spcBef>
-                        <a:spcAft>
-                          <a:spcPts val="500"/>
-                        </a:spcAft>
-                        <a:buNone/>
-                      </a:pPr>
-                      <a:r>
-                        <a:rPr sz="1800" b="1">
-                          <a:solidFill>
-                            <a:srgbClr val="000000">
-                              <a:alpha val="100000"/>
-                            </a:srgbClr>
-                          </a:solidFill>
-                          <a:latin typeface="Arial"/>
-                          <a:cs typeface="Arial"/>
-                          <a:ea typeface="Arial"/>
-                          <a:sym typeface="Arial"/>
-                        </a:rPr>
-                        <a:t>$2,774,788,052</a:t>
-                      </a:r>
-                    </a:p>
-                  </a:txBody>
-                  <a:tcPr anchor="ctr" marB="0" marT="0" marR="0" marL="0">
-                    <a:lnL w="12700" cmpd="sng" algn="ctr" cap="flat">
-                      <a:solidFill>
-                        <a:srgbClr val="FFFFFF">
-                          <a:alpha val="100000"/>
-                        </a:srgbClr>
-                      </a:solidFill>
-                      <a:prstDash val="solid"/>
-                    </a:lnL>
-                    <a:lnR w="12700" cmpd="sng" algn="ctr" cap="flat">
-                      <a:solidFill>
-                        <a:srgbClr val="FFFFFF">
-                          <a:alpha val="100000"/>
-                        </a:srgbClr>
-                      </a:solidFill>
-                      <a:prstDash val="solid"/>
-                    </a:lnR>
-                    <a:lnT w="12700" cmpd="sng" algn="ctr" cap="flat">
-                      <a:solidFill>
-                        <a:srgbClr val="FFFFFF">
-                          <a:alpha val="100000"/>
-                        </a:srgbClr>
-                      </a:solidFill>
-                      <a:prstDash val="solid"/>
-                    </a:lnT>
-                    <a:lnB w="12700" cmpd="sng" algn="ctr" cap="flat">
-                      <a:solidFill>
-                        <a:srgbClr val="FFFFFF">
-                          <a:alpha val="100000"/>
-                        </a:srgbClr>
-                      </a:solidFill>
-                      <a:prstDash val="solid"/>
-                    </a:lnB>
-                    <a:solidFill>
-                      <a:srgbClr val="919DAA">
-                        <a:alpha val="100000"/>
-                      </a:srgbClr>
-                    </a:solidFill>
-                  </a:tcPr>
-                </a:tc>
-              </a:tr>
-            </a:tbl>
-          </a:graphicData>
-        </a:graphic>
-      </p:graphicFrame>
-    </p:spTree>
-  </p:cSld>
-</p:sld>
-</file>
-
-<file path=ppt/slides/slide8.xml><?xml version="1.0" encoding="utf-8"?>
-<p:sld xmlns:a="http://schemas.openxmlformats.org/drawingml/2006/main" xmlns:r="http://schemas.openxmlformats.org/officeDocument/2006/relationships" xmlns:p="http://schemas.openxmlformats.org/presentationml/2006/main">
-  <p:cSld>
-    <p:spTree>
-      <p:nvGrpSpPr>
-        <p:cNvPr id="1" name=""/>
-        <p:cNvGrpSpPr/>
-        <p:nvPr/>
-      </p:nvGrpSpPr>
-      <p:grpSpPr>
-        <a:xfrm>
-          <a:off x="0" y="0"/>
-          <a:ext cx="0" cy="0"/>
-          <a:chOff x="0" y="0"/>
-          <a:chExt cx="0" cy="0"/>
-        </a:xfrm>
-      </p:grpSpPr>
-      <p:sp>
-        <p:nvSpPr>
-          <p:cNvPr id="2" name="Title 1"/>
-          <p:cNvSpPr>
-            <a:spLocks noGrp="1"/>
-          </p:cNvSpPr>
-          <p:nvPr>
-            <p:ph type="title" hasCustomPrompt="1"/>
-          </p:nvPr>
-        </p:nvSpPr>
-        <p:spPr>
-          <a:xfrm>
-            <a:off x="457200" y="533400"/>
-            <a:ext cx="7864475" cy="990600"/>
-          </a:xfrm>
-          <a:prstGeom prst="rect">
-            <a:avLst/>
-          </a:prstGeom>
-        </p:spPr>
-        <p:txBody>
-          <a:bodyPr/>
-          <a:lstStyle/>
-          <a:p>
-            <a:pPr lvl="0" marL="0" indent="0">
-              <a:buNone/>
-            </a:pPr>
-            <a:r>
-              <a:rPr/>
-              <a:t>How</a:t>
-            </a:r>
-            <a:r>
-              <a:rPr/>
-              <a:t> </a:t>
-            </a:r>
-            <a:r>
-              <a:rPr/>
-              <a:t>a</a:t>
-            </a:r>
-            <a:r>
-              <a:rPr/>
-              <a:t> </a:t>
-            </a:r>
-            <a:r>
-              <a:rPr/>
-              <a:t>Pension</a:t>
-            </a:r>
-            <a:r>
-              <a:rPr/>
-              <a:t> </a:t>
-            </a:r>
-            <a:r>
-              <a:rPr/>
-              <a:t>Plan</a:t>
-            </a:r>
-            <a:r>
-              <a:rPr/>
-              <a:t> </a:t>
-            </a:r>
-            <a:r>
-              <a:rPr/>
-              <a:t>is</a:t>
-            </a:r>
-            <a:r>
-              <a:rPr/>
-              <a:t> </a:t>
-            </a:r>
-            <a:r>
-              <a:rPr/>
-              <a:t>Funded</a:t>
-            </a:r>
-            <a:r>
-              <a:rPr/>
-              <a:t> </a:t>
-            </a:r>
-            <a:r>
-              <a:rPr/>
-              <a:t>w/</a:t>
-            </a:r>
-            <a:r>
-              <a:rPr/>
-              <a:t> </a:t>
-            </a:r>
-            <a:r>
-              <a:rPr/>
-              <a:t>Image</a:t>
-            </a:r>
-          </a:p>
-        </p:txBody>
-      </p:sp>
-      <p:pic>
-        <p:nvPicPr>
-          <p:cNvPr descr="HowFunded.png" id="0" name="Picture 1"/>
-          <p:cNvPicPr>
-            <a:picLocks noGrp="1" noChangeAspect="1"/>
-          </p:cNvPicPr>
-          <p:nvPr/>
-        </p:nvPicPr>
-        <p:blipFill>
-          <a:blip r:embed="rId2"/>
-          <a:stretch>
-            <a:fillRect/>
-          </a:stretch>
-        </p:blipFill>
-        <p:spPr bwMode="auto">
-          <a:xfrm>
-            <a:off x="469900" y="1600200"/>
-            <a:ext cx="8204200" cy="4876800"/>
-          </a:xfrm>
-          <a:prstGeom prst="rect">
-            <a:avLst/>
-          </a:prstGeom>
-          <a:noFill/>
-          <a:ln w="9525">
-            <a:noFill/>
-            <a:headEnd/>
-            <a:tailEnd/>
-          </a:ln>
-        </p:spPr>
-      </p:pic>
-    </p:spTree>
-  </p:cSld>
-</p:sld>
-</file>
-
 <file path=ppt/slides/slide9.xml><?xml version="1.0" encoding="utf-8"?>
 <p:sld xmlns:a="http://schemas.openxmlformats.org/drawingml/2006/main" xmlns:r="http://schemas.openxmlformats.org/officeDocument/2006/relationships" xmlns:p="http://schemas.openxmlformats.org/presentationml/2006/main">
   <p:cSld>
@@ -10044,39 +10446,39 @@
             </a:pPr>
             <a:r>
               <a:rPr/>
-              <a:t>A</a:t>
-            </a:r>
-            <a:r>
-              <a:rPr/>
-              <a:t> </a:t>
-            </a:r>
-            <a:r>
-              <a:rPr/>
-              <a:t>History</a:t>
-            </a:r>
-            <a:r>
-              <a:rPr/>
-              <a:t> </a:t>
-            </a:r>
-            <a:r>
-              <a:rPr/>
-              <a:t>of</a:t>
-            </a:r>
-            <a:r>
-              <a:rPr/>
-              <a:t> </a:t>
-            </a:r>
-            <a:r>
-              <a:rPr/>
-              <a:t>Investment</a:t>
-            </a:r>
-            <a:r>
-              <a:rPr/>
-              <a:t> </a:t>
-            </a:r>
-            <a:r>
-              <a:rPr/>
-              <a:t>Returns</a:t>
+              <a:t>Liabilities</a:t>
+            </a:r>
+            <a:r>
+              <a:rPr/>
+              <a:t> </a:t>
+            </a:r>
+            <a:r>
+              <a:rPr/>
+              <a:t>Growing</a:t>
+            </a:r>
+            <a:r>
+              <a:rPr/>
+              <a:t> </a:t>
+            </a:r>
+            <a:r>
+              <a:rPr/>
+              <a:t>Faster</a:t>
+            </a:r>
+            <a:r>
+              <a:rPr/>
+              <a:t> </a:t>
+            </a:r>
+            <a:r>
+              <a:rPr/>
+              <a:t>than</a:t>
+            </a:r>
+            <a:r>
+              <a:rPr/>
+              <a:t> </a:t>
+            </a:r>
+            <a:r>
+              <a:rPr/>
+              <a:t>Assets</a:t>
             </a:r>
             <a:r>
               <a:rPr/>
@@ -10115,7 +10517,7 @@
       </p:sp>
       <p:pic>
         <p:nvPicPr>
-          <p:cNvPr descr="RMarkdown_ASRS_files/figure-pptx/graph-1.png" id="0" name="Picture 1"/>
+          <p:cNvPr descr="RMarkdown_ASRS_files/figure-pptx/area.ual-1.png" id="0" name="Picture 1"/>
           <p:cNvPicPr>
             <a:picLocks noGrp="1" noChangeAspect="1"/>
           </p:cNvPicPr>
